--- a/기획발표.pptx
+++ b/기획발표.pptx
@@ -6,10 +6,10 @@
     <p:sldMasterId id="2147483745" r:id="rId2"/>
   </p:sldMasterIdLst>
   <p:notesMasterIdLst>
-    <p:notesMasterId r:id="rId11"/>
+    <p:notesMasterId r:id="rId10"/>
   </p:notesMasterIdLst>
   <p:handoutMasterIdLst>
-    <p:handoutMasterId r:id="rId12"/>
+    <p:handoutMasterId r:id="rId11"/>
   </p:handoutMasterIdLst>
   <p:sldIdLst>
     <p:sldId id="362" r:id="rId3"/>
@@ -18,8 +18,7 @@
     <p:sldId id="388" r:id="rId6"/>
     <p:sldId id="383" r:id="rId7"/>
     <p:sldId id="405" r:id="rId8"/>
-    <p:sldId id="404" r:id="rId9"/>
-    <p:sldId id="390" r:id="rId10"/>
+    <p:sldId id="390" r:id="rId9"/>
   </p:sldIdLst>
   <p:sldSz cx="9144000" cy="6858000" type="screen4x3"/>
   <p:notesSz cx="6858000" cy="9144000"/>
@@ -270,7 +269,7 @@
                 <a:ea typeface="맑은 고딕" pitchFamily="50" charset="-127"/>
               </a:rPr>
               <a:pPr/>
-              <a:t>2019-05-08</a:t>
+              <a:t>2019-05-13</a:t>
             </a:fld>
             <a:endParaRPr lang="ko-KR" altLang="en-US" dirty="0">
               <a:latin typeface="맑은 고딕" pitchFamily="50" charset="-127"/>
@@ -449,7 +448,7 @@
             <a:fld id="{62677E96-DA3B-46D9-8953-03187693C06C}" type="datetimeFigureOut">
               <a:rPr lang="ko-KR" altLang="en-US" smtClean="0"/>
               <a:pPr/>
-              <a:t>2019-05-08</a:t>
+              <a:t>2019-05-13</a:t>
             </a:fld>
             <a:endParaRPr lang="ko-KR" altLang="en-US"/>
           </a:p>
@@ -6203,12 +6202,55 @@
           <a:chExt cx="0" cy="0"/>
         </a:xfrm>
       </p:grpSpPr>
+      <p:cxnSp>
+        <p:nvCxnSpPr>
+          <p:cNvPr id="82" name="직선 연결선 81">
+            <a:extLst>
+              <a:ext uri="{FF2B5EF4-FFF2-40B4-BE49-F238E27FC236}">
+                <a16:creationId xmlns:a16="http://schemas.microsoft.com/office/drawing/2014/main" id="{382556BA-558B-4C43-B705-276457CF4131}"/>
+              </a:ext>
+            </a:extLst>
+          </p:cNvPr>
+          <p:cNvCxnSpPr>
+            <a:cxnSpLocks/>
+          </p:cNvCxnSpPr>
+          <p:nvPr/>
+        </p:nvCxnSpPr>
+        <p:spPr>
+          <a:xfrm flipH="1">
+            <a:off x="7599963" y="1586809"/>
+            <a:ext cx="44026" cy="4910180"/>
+          </a:xfrm>
+          <a:prstGeom prst="line">
+            <a:avLst/>
+          </a:prstGeom>
+          <a:ln w="38100">
+            <a:solidFill>
+              <a:srgbClr val="00898B"/>
+            </a:solidFill>
+          </a:ln>
+        </p:spPr>
+        <p:style>
+          <a:lnRef idx="1">
+            <a:schemeClr val="accent1"/>
+          </a:lnRef>
+          <a:fillRef idx="0">
+            <a:schemeClr val="accent1"/>
+          </a:fillRef>
+          <a:effectRef idx="0">
+            <a:schemeClr val="accent1"/>
+          </a:effectRef>
+          <a:fontRef idx="minor">
+            <a:schemeClr val="tx1"/>
+          </a:fontRef>
+        </p:style>
+      </p:cxnSp>
       <p:sp>
         <p:nvSpPr>
           <p:cNvPr id="2" name="슬라이드 번호 개체 틀 1">
             <a:extLst>
               <a:ext uri="{FF2B5EF4-FFF2-40B4-BE49-F238E27FC236}">
-                <a16:creationId xmlns:a16="http://schemas.microsoft.com/office/drawing/2014/main" id="{7D9E9F92-5620-44D1-A427-FBE15262FD1A}"/>
+                <a16:creationId xmlns:a16="http://schemas.microsoft.com/office/drawing/2014/main" id="{D8F26A6D-1402-45A7-85EE-26250B904499}"/>
               </a:ext>
             </a:extLst>
           </p:cNvPr>
@@ -6235,10 +6277,10 @@
       </p:sp>
       <p:grpSp>
         <p:nvGrpSpPr>
-          <p:cNvPr id="37" name="그룹 36">
+          <p:cNvPr id="40" name="그룹 39">
             <a:extLst>
               <a:ext uri="{FF2B5EF4-FFF2-40B4-BE49-F238E27FC236}">
-                <a16:creationId xmlns:a16="http://schemas.microsoft.com/office/drawing/2014/main" id="{683C8C42-9F36-4CF9-80EB-317A56559A51}"/>
+                <a16:creationId xmlns:a16="http://schemas.microsoft.com/office/drawing/2014/main" id="{6B85E53E-E5F3-47CA-89AB-1DA0E6883E82}"/>
               </a:ext>
             </a:extLst>
           </p:cNvPr>
@@ -6247,63 +6289,18 @@
         </p:nvGrpSpPr>
         <p:grpSpPr>
           <a:xfrm>
-            <a:off x="1275923" y="2798422"/>
-            <a:ext cx="7868077" cy="1188132"/>
-            <a:chOff x="1275923" y="2501747"/>
-            <a:chExt cx="7868077" cy="1188132"/>
+            <a:off x="363230" y="1685720"/>
+            <a:ext cx="1255799" cy="772842"/>
+            <a:chOff x="323851" y="2078098"/>
+            <a:chExt cx="832440" cy="850962"/>
           </a:xfrm>
         </p:grpSpPr>
-        <p:cxnSp>
-          <p:nvCxnSpPr>
-            <p:cNvPr id="20" name="직선 연결선 19">
+        <p:sp>
+          <p:nvSpPr>
+            <p:cNvPr id="3" name="화살표: 오각형 2">
               <a:extLst>
                 <a:ext uri="{FF2B5EF4-FFF2-40B4-BE49-F238E27FC236}">
-                  <a16:creationId xmlns:a16="http://schemas.microsoft.com/office/drawing/2014/main" id="{E52686BB-11E3-4DE9-A391-8CA761B23B96}"/>
-                </a:ext>
-              </a:extLst>
-            </p:cNvPr>
-            <p:cNvCxnSpPr>
-              <a:cxnSpLocks/>
-            </p:cNvCxnSpPr>
-            <p:nvPr/>
-          </p:nvCxnSpPr>
-          <p:spPr>
-            <a:xfrm>
-              <a:off x="1799692" y="3104964"/>
-              <a:ext cx="7344308" cy="0"/>
-            </a:xfrm>
-            <a:prstGeom prst="line">
-              <a:avLst/>
-            </a:prstGeom>
-            <a:ln w="50800">
-              <a:solidFill>
-                <a:schemeClr val="bg1">
-                  <a:lumMod val="75000"/>
-                </a:schemeClr>
-              </a:solidFill>
-            </a:ln>
-          </p:spPr>
-          <p:style>
-            <a:lnRef idx="1">
-              <a:schemeClr val="accent1"/>
-            </a:lnRef>
-            <a:fillRef idx="0">
-              <a:schemeClr val="accent1"/>
-            </a:fillRef>
-            <a:effectRef idx="0">
-              <a:schemeClr val="accent1"/>
-            </a:effectRef>
-            <a:fontRef idx="minor">
-              <a:schemeClr val="tx1"/>
-            </a:fontRef>
-          </p:style>
-        </p:cxnSp>
-        <p:sp>
-          <p:nvSpPr>
-            <p:cNvPr id="15" name="타원 14">
-              <a:extLst>
-                <a:ext uri="{FF2B5EF4-FFF2-40B4-BE49-F238E27FC236}">
-                  <a16:creationId xmlns:a16="http://schemas.microsoft.com/office/drawing/2014/main" id="{3999CF9A-27CA-4C27-8F4F-B2A54B51F96A}"/>
+                  <a16:creationId xmlns:a16="http://schemas.microsoft.com/office/drawing/2014/main" id="{F89CCFEC-5587-43B2-B8EF-0E7308D1BAF8}"/>
                 </a:ext>
               </a:extLst>
             </p:cNvPr>
@@ -6312,229 +6309,26 @@
           </p:nvSpPr>
           <p:spPr>
             <a:xfrm>
-              <a:off x="1275923" y="2501747"/>
-              <a:ext cx="1188132" cy="1188132"/>
+              <a:off x="323851" y="2108491"/>
+              <a:ext cx="832440" cy="820569"/>
             </a:xfrm>
-            <a:prstGeom prst="ellipse">
-              <a:avLst/>
+            <a:prstGeom prst="homePlate">
+              <a:avLst>
+                <a:gd name="adj" fmla="val 33100"/>
+              </a:avLst>
             </a:prstGeom>
             <a:solidFill>
-              <a:schemeClr val="bg1"/>
+              <a:srgbClr val="7FC3B6"/>
             </a:solidFill>
-            <a:ln w="44450">
-              <a:solidFill>
-                <a:srgbClr val="00A8AC"/>
-              </a:solidFill>
-            </a:ln>
           </p:spPr>
           <p:txBody>
-            <a:bodyPr wrap="none" lIns="0" tIns="0" rIns="0" bIns="0" rtlCol="0" anchor="ctr" anchorCtr="0">
-              <a:noAutofit/>
+            <a:bodyPr wrap="square" lIns="0" tIns="0" rIns="0" bIns="0" rtlCol="0" anchor="ctr" anchorCtr="0">
+              <a:spAutoFit/>
             </a:bodyPr>
             <a:lstStyle/>
             <a:p>
               <a:pPr algn="ctr" latinLnBrk="0"/>
-              <a:r>
-                <a:rPr lang="en-US" altLang="ko-KR" sz="1400">
-                  <a:latin typeface="나눔스퀘어" panose="020B0600000101010101" pitchFamily="50" charset="-127"/>
-                  <a:ea typeface="나눔스퀘어" panose="020B0600000101010101" pitchFamily="50" charset="-127"/>
-                </a:rPr>
-                <a:t>Title</a:t>
-              </a:r>
-              <a:endParaRPr lang="en-US" altLang="ko-KR" sz="1400" dirty="0">
-                <a:latin typeface="나눔스퀘어" panose="020B0600000101010101" pitchFamily="50" charset="-127"/>
-                <a:ea typeface="나눔스퀘어" panose="020B0600000101010101" pitchFamily="50" charset="-127"/>
-              </a:endParaRPr>
-            </a:p>
-          </p:txBody>
-        </p:sp>
-        <p:sp>
-          <p:nvSpPr>
-            <p:cNvPr id="16" name="타원 15">
-              <a:extLst>
-                <a:ext uri="{FF2B5EF4-FFF2-40B4-BE49-F238E27FC236}">
-                  <a16:creationId xmlns:a16="http://schemas.microsoft.com/office/drawing/2014/main" id="{027C1BED-D051-4FCB-8549-DEB0C32DBB06}"/>
-                </a:ext>
-              </a:extLst>
-            </p:cNvPr>
-            <p:cNvSpPr/>
-            <p:nvPr/>
-          </p:nvSpPr>
-          <p:spPr>
-            <a:xfrm>
-              <a:off x="3130699" y="2501747"/>
-              <a:ext cx="1188132" cy="1188132"/>
-            </a:xfrm>
-            <a:prstGeom prst="ellipse">
-              <a:avLst/>
-            </a:prstGeom>
-            <a:solidFill>
-              <a:schemeClr val="bg1"/>
-            </a:solidFill>
-            <a:ln w="44450">
-              <a:solidFill>
-                <a:srgbClr val="00A8AC"/>
-              </a:solidFill>
-            </a:ln>
-          </p:spPr>
-          <p:txBody>
-            <a:bodyPr wrap="none" lIns="0" tIns="0" rIns="0" bIns="0" rtlCol="0" anchor="ctr" anchorCtr="0">
-              <a:noAutofit/>
-            </a:bodyPr>
-            <a:lstStyle/>
-            <a:p>
-              <a:pPr algn="ctr" latinLnBrk="0"/>
-              <a:r>
-                <a:rPr lang="en-US" altLang="ko-KR" sz="1400">
-                  <a:latin typeface="나눔스퀘어" panose="020B0600000101010101" pitchFamily="50" charset="-127"/>
-                  <a:ea typeface="나눔스퀘어" panose="020B0600000101010101" pitchFamily="50" charset="-127"/>
-                </a:rPr>
-                <a:t>Title</a:t>
-              </a:r>
-              <a:endParaRPr lang="en-US" altLang="ko-KR" sz="1400" dirty="0">
-                <a:latin typeface="나눔스퀘어" panose="020B0600000101010101" pitchFamily="50" charset="-127"/>
-                <a:ea typeface="나눔스퀘어" panose="020B0600000101010101" pitchFamily="50" charset="-127"/>
-              </a:endParaRPr>
-            </a:p>
-          </p:txBody>
-        </p:sp>
-        <p:sp>
-          <p:nvSpPr>
-            <p:cNvPr id="17" name="타원 16">
-              <a:extLst>
-                <a:ext uri="{FF2B5EF4-FFF2-40B4-BE49-F238E27FC236}">
-                  <a16:creationId xmlns:a16="http://schemas.microsoft.com/office/drawing/2014/main" id="{F18F6F4D-1B01-4D04-BA60-9507CD88CDC0}"/>
-                </a:ext>
-              </a:extLst>
-            </p:cNvPr>
-            <p:cNvSpPr/>
-            <p:nvPr/>
-          </p:nvSpPr>
-          <p:spPr>
-            <a:xfrm>
-              <a:off x="4985475" y="2501747"/>
-              <a:ext cx="1188132" cy="1188132"/>
-            </a:xfrm>
-            <a:prstGeom prst="ellipse">
-              <a:avLst/>
-            </a:prstGeom>
-            <a:solidFill>
-              <a:schemeClr val="bg1"/>
-            </a:solidFill>
-            <a:ln w="44450">
-              <a:solidFill>
-                <a:srgbClr val="00A8AC"/>
-              </a:solidFill>
-            </a:ln>
-          </p:spPr>
-          <p:txBody>
-            <a:bodyPr wrap="none" lIns="0" tIns="0" rIns="0" bIns="0" rtlCol="0" anchor="ctr" anchorCtr="0">
-              <a:noAutofit/>
-            </a:bodyPr>
-            <a:lstStyle/>
-            <a:p>
-              <a:pPr algn="ctr" latinLnBrk="0"/>
-              <a:r>
-                <a:rPr lang="en-US" altLang="ko-KR" sz="1400">
-                  <a:latin typeface="나눔스퀘어" panose="020B0600000101010101" pitchFamily="50" charset="-127"/>
-                  <a:ea typeface="나눔스퀘어" panose="020B0600000101010101" pitchFamily="50" charset="-127"/>
-                </a:rPr>
-                <a:t>Title</a:t>
-              </a:r>
-              <a:endParaRPr lang="en-US" altLang="ko-KR" sz="1400" dirty="0">
-                <a:latin typeface="나눔스퀘어" panose="020B0600000101010101" pitchFamily="50" charset="-127"/>
-                <a:ea typeface="나눔스퀘어" panose="020B0600000101010101" pitchFamily="50" charset="-127"/>
-              </a:endParaRPr>
-            </a:p>
-          </p:txBody>
-        </p:sp>
-        <p:sp>
-          <p:nvSpPr>
-            <p:cNvPr id="18" name="타원 17">
-              <a:extLst>
-                <a:ext uri="{FF2B5EF4-FFF2-40B4-BE49-F238E27FC236}">
-                  <a16:creationId xmlns:a16="http://schemas.microsoft.com/office/drawing/2014/main" id="{BCE4D152-F69B-4718-BC84-46CD20E27F45}"/>
-                </a:ext>
-              </a:extLst>
-            </p:cNvPr>
-            <p:cNvSpPr/>
-            <p:nvPr/>
-          </p:nvSpPr>
-          <p:spPr>
-            <a:xfrm>
-              <a:off x="6840252" y="2501747"/>
-              <a:ext cx="1188132" cy="1188132"/>
-            </a:xfrm>
-            <a:prstGeom prst="ellipse">
-              <a:avLst/>
-            </a:prstGeom>
-            <a:solidFill>
-              <a:schemeClr val="bg1"/>
-            </a:solidFill>
-            <a:ln w="44450">
-              <a:solidFill>
-                <a:srgbClr val="00A8AC"/>
-              </a:solidFill>
-            </a:ln>
-          </p:spPr>
-          <p:txBody>
-            <a:bodyPr wrap="none" lIns="0" tIns="0" rIns="0" bIns="0" rtlCol="0" anchor="ctr" anchorCtr="0">
-              <a:noAutofit/>
-            </a:bodyPr>
-            <a:lstStyle/>
-            <a:p>
-              <a:pPr algn="ctr" latinLnBrk="0"/>
-              <a:r>
-                <a:rPr lang="en-US" altLang="ko-KR" sz="1400">
-                  <a:latin typeface="나눔스퀘어" panose="020B0600000101010101" pitchFamily="50" charset="-127"/>
-                  <a:ea typeface="나눔스퀘어" panose="020B0600000101010101" pitchFamily="50" charset="-127"/>
-                </a:rPr>
-                <a:t>Title</a:t>
-              </a:r>
-              <a:endParaRPr lang="en-US" altLang="ko-KR" sz="1400" dirty="0">
-                <a:latin typeface="나눔스퀘어" panose="020B0600000101010101" pitchFamily="50" charset="-127"/>
-                <a:ea typeface="나눔스퀘어" panose="020B0600000101010101" pitchFamily="50" charset="-127"/>
-              </a:endParaRPr>
-            </a:p>
-          </p:txBody>
-        </p:sp>
-        <p:sp>
-          <p:nvSpPr>
-            <p:cNvPr id="29" name="1/2 액자 28">
-              <a:extLst>
-                <a:ext uri="{FF2B5EF4-FFF2-40B4-BE49-F238E27FC236}">
-                  <a16:creationId xmlns:a16="http://schemas.microsoft.com/office/drawing/2014/main" id="{6205644E-ADEE-416D-AC55-337116F06CA5}"/>
-                </a:ext>
-              </a:extLst>
-            </p:cNvPr>
-            <p:cNvSpPr/>
-            <p:nvPr/>
-          </p:nvSpPr>
-          <p:spPr>
-            <a:xfrm rot="8216173">
-              <a:off x="2608168" y="2999267"/>
-              <a:ext cx="216000" cy="216000"/>
-            </a:xfrm>
-            <a:prstGeom prst="halfFrame">
-              <a:avLst>
-                <a:gd name="adj1" fmla="val 15389"/>
-                <a:gd name="adj2" fmla="val 14009"/>
-              </a:avLst>
-            </a:prstGeom>
-            <a:solidFill>
-              <a:schemeClr val="bg1">
-                <a:lumMod val="75000"/>
-              </a:schemeClr>
-            </a:solidFill>
-          </p:spPr>
-          <p:txBody>
-            <a:bodyPr wrap="square" lIns="0" tIns="0" rIns="0" bIns="0" rtlCol="0" anchor="ctr" anchorCtr="0">
-              <a:noAutofit/>
-            </a:bodyPr>
-            <a:lstStyle/>
-            <a:p>
-              <a:pPr algn="ctr" latinLnBrk="0"/>
-              <a:endParaRPr lang="en-US" sz="1400" spc="-150" dirty="0">
+              <a:endParaRPr lang="en-US" sz="1400" spc="-60" dirty="0">
                 <a:solidFill>
                   <a:schemeClr val="tx1">
                     <a:lumMod val="65000"/>
@@ -6548,10 +6342,83 @@
         </p:sp>
         <p:sp>
           <p:nvSpPr>
-            <p:cNvPr id="30" name="1/2 액자 29">
+            <p:cNvPr id="18" name="TextBox 17">
               <a:extLst>
                 <a:ext uri="{FF2B5EF4-FFF2-40B4-BE49-F238E27FC236}">
-                  <a16:creationId xmlns:a16="http://schemas.microsoft.com/office/drawing/2014/main" id="{D0B74630-E788-4951-86B9-AE10BF15E55A}"/>
+                  <a16:creationId xmlns:a16="http://schemas.microsoft.com/office/drawing/2014/main" id="{DE07AC0E-E42E-4CFE-BBA7-B48696436016}"/>
+                </a:ext>
+              </a:extLst>
+            </p:cNvPr>
+            <p:cNvSpPr txBox="1"/>
+            <p:nvPr/>
+          </p:nvSpPr>
+          <p:spPr>
+            <a:xfrm>
+              <a:off x="343664" y="2078098"/>
+              <a:ext cx="667885" cy="576108"/>
+            </a:xfrm>
+            <a:prstGeom prst="rect">
+              <a:avLst/>
+            </a:prstGeom>
+            <a:noFill/>
+          </p:spPr>
+          <p:txBody>
+            <a:bodyPr vert="horz" wrap="square" rtlCol="0">
+              <a:spAutoFit/>
+            </a:bodyPr>
+            <a:lstStyle/>
+            <a:p>
+              <a:pPr algn="ctr"/>
+              <a:r>
+                <a:rPr lang="en-US" altLang="ko-KR" sz="2800" b="1" spc="-70" dirty="0">
+                  <a:solidFill>
+                    <a:schemeClr val="bg1"/>
+                  </a:solidFill>
+                  <a:latin typeface="맑은 고딕" panose="020B0503020000020004" pitchFamily="50" charset="-127"/>
+                  <a:cs typeface="함초롬돋움" panose="02030504000101010101" pitchFamily="18" charset="-127"/>
+                </a:rPr>
+                <a:t>1</a:t>
+              </a:r>
+              <a:r>
+                <a:rPr lang="ko-KR" altLang="en-US" sz="2800" b="1" spc="-70" dirty="0">
+                  <a:solidFill>
+                    <a:schemeClr val="bg1"/>
+                  </a:solidFill>
+                  <a:latin typeface="맑은 고딕" panose="020B0503020000020004" pitchFamily="50" charset="-127"/>
+                  <a:cs typeface="함초롬돋움" panose="02030504000101010101" pitchFamily="18" charset="-127"/>
+                </a:rPr>
+                <a:t>주</a:t>
+              </a:r>
+            </a:p>
+          </p:txBody>
+        </p:sp>
+      </p:grpSp>
+      <p:grpSp>
+        <p:nvGrpSpPr>
+          <p:cNvPr id="38" name="그룹 37">
+            <a:extLst>
+              <a:ext uri="{FF2B5EF4-FFF2-40B4-BE49-F238E27FC236}">
+                <a16:creationId xmlns:a16="http://schemas.microsoft.com/office/drawing/2014/main" id="{9B095AD4-C9C3-4266-91BE-524120C7C375}"/>
+              </a:ext>
+            </a:extLst>
+          </p:cNvPr>
+          <p:cNvGrpSpPr/>
+          <p:nvPr/>
+        </p:nvGrpSpPr>
+        <p:grpSpPr>
+          <a:xfrm>
+            <a:off x="363230" y="3261294"/>
+            <a:ext cx="1255797" cy="783686"/>
+            <a:chOff x="341049" y="3819574"/>
+            <a:chExt cx="832440" cy="862902"/>
+          </a:xfrm>
+        </p:grpSpPr>
+        <p:sp>
+          <p:nvSpPr>
+            <p:cNvPr id="36" name="화살표: 오각형 35">
+              <a:extLst>
+                <a:ext uri="{FF2B5EF4-FFF2-40B4-BE49-F238E27FC236}">
+                  <a16:creationId xmlns:a16="http://schemas.microsoft.com/office/drawing/2014/main" id="{DAB8F973-4B7D-4943-972E-B1D49C9872D0}"/>
                 </a:ext>
               </a:extLst>
             </p:cNvPr>
@@ -6559,30 +6426,27 @@
             <p:nvPr/>
           </p:nvSpPr>
           <p:spPr>
-            <a:xfrm rot="8216173">
-              <a:off x="4476279" y="2992098"/>
-              <a:ext cx="216000" cy="216000"/>
+            <a:xfrm>
+              <a:off x="341049" y="3861907"/>
+              <a:ext cx="832440" cy="820569"/>
             </a:xfrm>
-            <a:prstGeom prst="halfFrame">
+            <a:prstGeom prst="homePlate">
               <a:avLst>
-                <a:gd name="adj1" fmla="val 15389"/>
-                <a:gd name="adj2" fmla="val 14009"/>
+                <a:gd name="adj" fmla="val 33100"/>
               </a:avLst>
             </a:prstGeom>
             <a:solidFill>
-              <a:schemeClr val="bg1">
-                <a:lumMod val="75000"/>
-              </a:schemeClr>
+              <a:srgbClr val="7FC3B6"/>
             </a:solidFill>
           </p:spPr>
           <p:txBody>
             <a:bodyPr wrap="square" lIns="0" tIns="0" rIns="0" bIns="0" rtlCol="0" anchor="ctr" anchorCtr="0">
-              <a:noAutofit/>
+              <a:spAutoFit/>
             </a:bodyPr>
             <a:lstStyle/>
             <a:p>
               <a:pPr algn="ctr" latinLnBrk="0"/>
-              <a:endParaRPr lang="en-US" sz="1400" spc="-150" dirty="0">
+              <a:endParaRPr lang="en-US" sz="1400" spc="-60" dirty="0">
                 <a:solidFill>
                   <a:schemeClr val="tx1">
                     <a:lumMod val="65000"/>
@@ -6596,10 +6460,83 @@
         </p:sp>
         <p:sp>
           <p:nvSpPr>
-            <p:cNvPr id="31" name="1/2 액자 30">
+            <p:cNvPr id="20" name="TextBox 19">
               <a:extLst>
                 <a:ext uri="{FF2B5EF4-FFF2-40B4-BE49-F238E27FC236}">
-                  <a16:creationId xmlns:a16="http://schemas.microsoft.com/office/drawing/2014/main" id="{4B8D8FB9-2D18-467F-A0CF-56328BEE36B5}"/>
+                  <a16:creationId xmlns:a16="http://schemas.microsoft.com/office/drawing/2014/main" id="{21068BB7-007C-4B86-BDA8-7B8C7E6A8678}"/>
+                </a:ext>
+              </a:extLst>
+            </p:cNvPr>
+            <p:cNvSpPr txBox="1"/>
+            <p:nvPr/>
+          </p:nvSpPr>
+          <p:spPr>
+            <a:xfrm>
+              <a:off x="343664" y="3819574"/>
+              <a:ext cx="667885" cy="576108"/>
+            </a:xfrm>
+            <a:prstGeom prst="rect">
+              <a:avLst/>
+            </a:prstGeom>
+            <a:noFill/>
+          </p:spPr>
+          <p:txBody>
+            <a:bodyPr vert="horz" wrap="square" rtlCol="0">
+              <a:spAutoFit/>
+            </a:bodyPr>
+            <a:lstStyle/>
+            <a:p>
+              <a:pPr algn="ctr"/>
+              <a:r>
+                <a:rPr lang="en-US" altLang="ko-KR" sz="2800" b="1" spc="-70" dirty="0">
+                  <a:solidFill>
+                    <a:schemeClr val="bg1"/>
+                  </a:solidFill>
+                  <a:latin typeface="맑은 고딕" panose="020B0503020000020004" pitchFamily="50" charset="-127"/>
+                  <a:cs typeface="함초롬돋움" panose="02030504000101010101" pitchFamily="18" charset="-127"/>
+                </a:rPr>
+                <a:t>3</a:t>
+              </a:r>
+              <a:r>
+                <a:rPr lang="ko-KR" altLang="en-US" sz="2800" b="1" spc="-70" dirty="0">
+                  <a:solidFill>
+                    <a:schemeClr val="bg1"/>
+                  </a:solidFill>
+                  <a:latin typeface="맑은 고딕" panose="020B0503020000020004" pitchFamily="50" charset="-127"/>
+                  <a:cs typeface="함초롬돋움" panose="02030504000101010101" pitchFamily="18" charset="-127"/>
+                </a:rPr>
+                <a:t>주</a:t>
+              </a:r>
+            </a:p>
+          </p:txBody>
+        </p:sp>
+      </p:grpSp>
+      <p:grpSp>
+        <p:nvGrpSpPr>
+          <p:cNvPr id="4" name="그룹 3">
+            <a:extLst>
+              <a:ext uri="{FF2B5EF4-FFF2-40B4-BE49-F238E27FC236}">
+                <a16:creationId xmlns:a16="http://schemas.microsoft.com/office/drawing/2014/main" id="{26A0DA01-2FC7-4ED0-A3C5-3E38FD96A3C8}"/>
+              </a:ext>
+            </a:extLst>
+          </p:cNvPr>
+          <p:cNvGrpSpPr/>
+          <p:nvPr/>
+        </p:nvGrpSpPr>
+        <p:grpSpPr>
+          <a:xfrm>
+            <a:off x="359532" y="4861623"/>
+            <a:ext cx="1249682" cy="769769"/>
+            <a:chOff x="343663" y="5575028"/>
+            <a:chExt cx="840586" cy="847579"/>
+          </a:xfrm>
+        </p:grpSpPr>
+        <p:sp>
+          <p:nvSpPr>
+            <p:cNvPr id="37" name="화살표: 오각형 36">
+              <a:extLst>
+                <a:ext uri="{FF2B5EF4-FFF2-40B4-BE49-F238E27FC236}">
+                  <a16:creationId xmlns:a16="http://schemas.microsoft.com/office/drawing/2014/main" id="{25443A82-8B67-4699-BFC8-041105AF2E42}"/>
                 </a:ext>
               </a:extLst>
             </p:cNvPr>
@@ -6607,30 +6544,27 @@
             <p:nvPr/>
           </p:nvSpPr>
           <p:spPr>
-            <a:xfrm rot="8216173">
-              <a:off x="6344390" y="2999268"/>
-              <a:ext cx="216000" cy="216000"/>
+            <a:xfrm>
+              <a:off x="351809" y="5602038"/>
+              <a:ext cx="832440" cy="820569"/>
             </a:xfrm>
-            <a:prstGeom prst="halfFrame">
+            <a:prstGeom prst="homePlate">
               <a:avLst>
-                <a:gd name="adj1" fmla="val 15389"/>
-                <a:gd name="adj2" fmla="val 14009"/>
+                <a:gd name="adj" fmla="val 33100"/>
               </a:avLst>
             </a:prstGeom>
             <a:solidFill>
-              <a:schemeClr val="bg1">
-                <a:lumMod val="75000"/>
-              </a:schemeClr>
+              <a:srgbClr val="7FC3B6"/>
             </a:solidFill>
           </p:spPr>
           <p:txBody>
             <a:bodyPr wrap="square" lIns="0" tIns="0" rIns="0" bIns="0" rtlCol="0" anchor="ctr" anchorCtr="0">
-              <a:noAutofit/>
+              <a:spAutoFit/>
             </a:bodyPr>
             <a:lstStyle/>
             <a:p>
               <a:pPr algn="ctr" latinLnBrk="0"/>
-              <a:endParaRPr lang="en-US" sz="1400" spc="-150" dirty="0">
+              <a:endParaRPr lang="en-US" sz="1400" spc="-60" dirty="0">
                 <a:solidFill>
                   <a:schemeClr val="tx1">
                     <a:lumMod val="65000"/>
@@ -6644,59 +6578,341 @@
         </p:sp>
         <p:sp>
           <p:nvSpPr>
-            <p:cNvPr id="32" name="1/2 액자 31">
+            <p:cNvPr id="22" name="TextBox 21">
               <a:extLst>
                 <a:ext uri="{FF2B5EF4-FFF2-40B4-BE49-F238E27FC236}">
-                  <a16:creationId xmlns:a16="http://schemas.microsoft.com/office/drawing/2014/main" id="{157B1305-AB70-4092-9AA4-29F18465EFDB}"/>
+                  <a16:creationId xmlns:a16="http://schemas.microsoft.com/office/drawing/2014/main" id="{B9EBF4D8-1B9F-409A-977E-92D37AE4C97E}"/>
                 </a:ext>
               </a:extLst>
             </p:cNvPr>
-            <p:cNvSpPr/>
+            <p:cNvSpPr txBox="1"/>
             <p:nvPr/>
           </p:nvSpPr>
           <p:spPr>
-            <a:xfrm rot="8216173">
-              <a:off x="8212502" y="3006438"/>
-              <a:ext cx="216000" cy="216000"/>
+            <a:xfrm>
+              <a:off x="343663" y="5575028"/>
+              <a:ext cx="667885" cy="576108"/>
             </a:xfrm>
-            <a:prstGeom prst="halfFrame">
-              <a:avLst>
-                <a:gd name="adj1" fmla="val 15389"/>
-                <a:gd name="adj2" fmla="val 14009"/>
-              </a:avLst>
+            <a:prstGeom prst="rect">
+              <a:avLst/>
             </a:prstGeom>
-            <a:solidFill>
-              <a:schemeClr val="bg1">
-                <a:lumMod val="75000"/>
-              </a:schemeClr>
-            </a:solidFill>
+            <a:noFill/>
           </p:spPr>
           <p:txBody>
-            <a:bodyPr wrap="square" lIns="0" tIns="0" rIns="0" bIns="0" rtlCol="0" anchor="ctr" anchorCtr="0">
-              <a:noAutofit/>
+            <a:bodyPr vert="horz" wrap="square" rtlCol="0">
+              <a:spAutoFit/>
             </a:bodyPr>
             <a:lstStyle/>
             <a:p>
-              <a:pPr algn="ctr" latinLnBrk="0"/>
-              <a:endParaRPr lang="en-US" sz="1400" spc="-150" dirty="0">
-                <a:solidFill>
-                  <a:schemeClr val="tx1">
-                    <a:lumMod val="65000"/>
-                    <a:lumOff val="35000"/>
-                  </a:schemeClr>
-                </a:solidFill>
-                <a:latin typeface="+mn-ea"/>
-              </a:endParaRPr>
+              <a:pPr algn="ctr"/>
+              <a:r>
+                <a:rPr lang="en-US" altLang="ko-KR" sz="2800" b="1" spc="-70" dirty="0">
+                  <a:solidFill>
+                    <a:schemeClr val="bg1"/>
+                  </a:solidFill>
+                  <a:latin typeface="맑은 고딕" panose="020B0503020000020004" pitchFamily="50" charset="-127"/>
+                  <a:cs typeface="함초롬돋움" panose="02030504000101010101" pitchFamily="18" charset="-127"/>
+                </a:rPr>
+                <a:t>5</a:t>
+              </a:r>
+              <a:r>
+                <a:rPr lang="ko-KR" altLang="en-US" sz="2800" b="1" spc="-70" dirty="0">
+                  <a:solidFill>
+                    <a:schemeClr val="bg1"/>
+                  </a:solidFill>
+                  <a:latin typeface="맑은 고딕" panose="020B0503020000020004" pitchFamily="50" charset="-127"/>
+                  <a:cs typeface="함초롬돋움" panose="02030504000101010101" pitchFamily="18" charset="-127"/>
+                </a:rPr>
+                <a:t>주</a:t>
+              </a:r>
             </a:p>
           </p:txBody>
         </p:sp>
       </p:grpSp>
+      <p:sp>
+        <p:nvSpPr>
+          <p:cNvPr id="11" name="TextBox 10">
+            <a:extLst>
+              <a:ext uri="{FF2B5EF4-FFF2-40B4-BE49-F238E27FC236}">
+                <a16:creationId xmlns:a16="http://schemas.microsoft.com/office/drawing/2014/main" id="{746ADA5B-FD22-468A-9ECA-977F8E68373C}"/>
+              </a:ext>
+            </a:extLst>
+          </p:cNvPr>
+          <p:cNvSpPr txBox="1"/>
+          <p:nvPr/>
+        </p:nvSpPr>
+        <p:spPr>
+          <a:xfrm>
+            <a:off x="1697059" y="1793888"/>
+            <a:ext cx="2746439" cy="523220"/>
+          </a:xfrm>
+          <a:prstGeom prst="rect">
+            <a:avLst/>
+          </a:prstGeom>
+          <a:noFill/>
+        </p:spPr>
+        <p:txBody>
+          <a:bodyPr vert="horz" wrap="square" rtlCol="0">
+            <a:spAutoFit/>
+          </a:bodyPr>
+          <a:lstStyle/>
+          <a:p>
+            <a:pPr algn="ctr"/>
+            <a:r>
+              <a:rPr lang="ko-KR" altLang="en-US" sz="1600" b="1" spc="-70" dirty="0">
+                <a:latin typeface="맑은 고딕" panose="020B0503020000020004" pitchFamily="50" charset="-127"/>
+                <a:cs typeface="함초롬돋움" panose="02030504000101010101" pitchFamily="18" charset="-127"/>
+              </a:rPr>
+              <a:t>기획 발표</a:t>
+            </a:r>
+            <a:endParaRPr lang="en-US" altLang="ko-KR" sz="1600" b="1" spc="-70" dirty="0">
+              <a:latin typeface="맑은 고딕" panose="020B0503020000020004" pitchFamily="50" charset="-127"/>
+              <a:cs typeface="함초롬돋움" panose="02030504000101010101" pitchFamily="18" charset="-127"/>
+            </a:endParaRPr>
+          </a:p>
+          <a:p>
+            <a:r>
+              <a:rPr lang="en-US" altLang="ko-KR" sz="1200" spc="-70" dirty="0" err="1">
+                <a:latin typeface="맑은 고딕" panose="020B0503020000020004" pitchFamily="50" charset="-127"/>
+                <a:cs typeface="함초롬돋움" panose="02030504000101010101" pitchFamily="18" charset="-127"/>
+              </a:rPr>
+              <a:t>OpenAPI</a:t>
+            </a:r>
+            <a:r>
+              <a:rPr lang="ko-KR" altLang="en-US" sz="1200" spc="-70" dirty="0">
+                <a:latin typeface="맑은 고딕" panose="020B0503020000020004" pitchFamily="50" charset="-127"/>
+                <a:cs typeface="함초롬돋움" panose="02030504000101010101" pitchFamily="18" charset="-127"/>
+              </a:rPr>
+              <a:t> 조사</a:t>
+            </a:r>
+            <a:r>
+              <a:rPr lang="en-US" altLang="ko-KR" sz="1200" spc="-70" dirty="0">
+                <a:latin typeface="맑은 고딕" panose="020B0503020000020004" pitchFamily="50" charset="-127"/>
+                <a:cs typeface="함초롬돋움" panose="02030504000101010101" pitchFamily="18" charset="-127"/>
+              </a:rPr>
+              <a:t>, </a:t>
+            </a:r>
+            <a:r>
+              <a:rPr lang="en-US" altLang="ko-KR" sz="1200" spc="-70" dirty="0" err="1">
+                <a:latin typeface="맑은 고딕" panose="020B0503020000020004" pitchFamily="50" charset="-127"/>
+                <a:cs typeface="함초롬돋움" panose="02030504000101010101" pitchFamily="18" charset="-127"/>
+              </a:rPr>
+              <a:t>Tkinter</a:t>
+            </a:r>
+            <a:r>
+              <a:rPr lang="ko-KR" altLang="en-US" sz="1200" spc="-70" dirty="0">
+                <a:latin typeface="맑은 고딕" panose="020B0503020000020004" pitchFamily="50" charset="-127"/>
+                <a:cs typeface="함초롬돋움" panose="02030504000101010101" pitchFamily="18" charset="-127"/>
+              </a:rPr>
+              <a:t> 틀 제작</a:t>
+            </a:r>
+            <a:r>
+              <a:rPr lang="en-US" altLang="ko-KR" sz="1200" spc="-70" dirty="0">
+                <a:latin typeface="맑은 고딕" panose="020B0503020000020004" pitchFamily="50" charset="-127"/>
+                <a:cs typeface="함초롬돋움" panose="02030504000101010101" pitchFamily="18" charset="-127"/>
+              </a:rPr>
+              <a:t>,</a:t>
+            </a:r>
+            <a:r>
+              <a:rPr lang="ko-KR" altLang="en-US" sz="1200" spc="-70" dirty="0">
+                <a:latin typeface="맑은 고딕" panose="020B0503020000020004" pitchFamily="50" charset="-127"/>
+                <a:cs typeface="함초롬돋움" panose="02030504000101010101" pitchFamily="18" charset="-127"/>
+              </a:rPr>
+              <a:t> 구현방법</a:t>
+            </a:r>
+          </a:p>
+        </p:txBody>
+      </p:sp>
+      <p:cxnSp>
+        <p:nvCxnSpPr>
+          <p:cNvPr id="23" name="직선 연결선 22">
+            <a:extLst>
+              <a:ext uri="{FF2B5EF4-FFF2-40B4-BE49-F238E27FC236}">
+                <a16:creationId xmlns:a16="http://schemas.microsoft.com/office/drawing/2014/main" id="{909A8459-5E1D-4765-AB28-561DF55C5D78}"/>
+              </a:ext>
+            </a:extLst>
+          </p:cNvPr>
+          <p:cNvCxnSpPr>
+            <a:cxnSpLocks/>
+          </p:cNvCxnSpPr>
+          <p:nvPr/>
+        </p:nvCxnSpPr>
+        <p:spPr>
+          <a:xfrm>
+            <a:off x="1176468" y="2482554"/>
+            <a:ext cx="7719202" cy="23977"/>
+          </a:xfrm>
+          <a:prstGeom prst="line">
+            <a:avLst/>
+          </a:prstGeom>
+          <a:ln>
+            <a:solidFill>
+              <a:schemeClr val="bg1">
+                <a:lumMod val="65000"/>
+              </a:schemeClr>
+            </a:solidFill>
+            <a:prstDash val="dash"/>
+          </a:ln>
+        </p:spPr>
+        <p:style>
+          <a:lnRef idx="1">
+            <a:schemeClr val="accent1"/>
+          </a:lnRef>
+          <a:fillRef idx="0">
+            <a:schemeClr val="accent1"/>
+          </a:fillRef>
+          <a:effectRef idx="0">
+            <a:schemeClr val="accent1"/>
+          </a:effectRef>
+          <a:fontRef idx="minor">
+            <a:schemeClr val="tx1"/>
+          </a:fontRef>
+        </p:style>
+      </p:cxnSp>
+      <p:cxnSp>
+        <p:nvCxnSpPr>
+          <p:cNvPr id="24" name="직선 연결선 23">
+            <a:extLst>
+              <a:ext uri="{FF2B5EF4-FFF2-40B4-BE49-F238E27FC236}">
+                <a16:creationId xmlns:a16="http://schemas.microsoft.com/office/drawing/2014/main" id="{03D1D08C-F6CF-4383-B862-06A86DF06066}"/>
+              </a:ext>
+            </a:extLst>
+          </p:cNvPr>
+          <p:cNvCxnSpPr>
+            <a:cxnSpLocks/>
+          </p:cNvCxnSpPr>
+          <p:nvPr/>
+        </p:nvCxnSpPr>
+        <p:spPr>
+          <a:xfrm>
+            <a:off x="1176468" y="3225237"/>
+            <a:ext cx="7719202" cy="0"/>
+          </a:xfrm>
+          <a:prstGeom prst="line">
+            <a:avLst/>
+          </a:prstGeom>
+          <a:ln>
+            <a:solidFill>
+              <a:schemeClr val="bg1">
+                <a:lumMod val="65000"/>
+              </a:schemeClr>
+            </a:solidFill>
+            <a:prstDash val="dash"/>
+          </a:ln>
+        </p:spPr>
+        <p:style>
+          <a:lnRef idx="1">
+            <a:schemeClr val="accent1"/>
+          </a:lnRef>
+          <a:fillRef idx="0">
+            <a:schemeClr val="accent1"/>
+          </a:fillRef>
+          <a:effectRef idx="0">
+            <a:schemeClr val="accent1"/>
+          </a:effectRef>
+          <a:fontRef idx="minor">
+            <a:schemeClr val="tx1"/>
+          </a:fontRef>
+        </p:style>
+      </p:cxnSp>
+      <p:cxnSp>
+        <p:nvCxnSpPr>
+          <p:cNvPr id="25" name="직선 연결선 24">
+            <a:extLst>
+              <a:ext uri="{FF2B5EF4-FFF2-40B4-BE49-F238E27FC236}">
+                <a16:creationId xmlns:a16="http://schemas.microsoft.com/office/drawing/2014/main" id="{4ECB52CB-44F5-4774-A12D-CED6322D25F0}"/>
+              </a:ext>
+            </a:extLst>
+          </p:cNvPr>
+          <p:cNvCxnSpPr>
+            <a:cxnSpLocks/>
+          </p:cNvCxnSpPr>
+          <p:nvPr/>
+        </p:nvCxnSpPr>
+        <p:spPr>
+          <a:xfrm>
+            <a:off x="1176468" y="4064505"/>
+            <a:ext cx="7681199" cy="0"/>
+          </a:xfrm>
+          <a:prstGeom prst="line">
+            <a:avLst/>
+          </a:prstGeom>
+          <a:ln>
+            <a:solidFill>
+              <a:schemeClr val="bg1">
+                <a:lumMod val="65000"/>
+              </a:schemeClr>
+            </a:solidFill>
+            <a:prstDash val="dash"/>
+          </a:ln>
+        </p:spPr>
+        <p:style>
+          <a:lnRef idx="1">
+            <a:schemeClr val="accent1"/>
+          </a:lnRef>
+          <a:fillRef idx="0">
+            <a:schemeClr val="accent1"/>
+          </a:fillRef>
+          <a:effectRef idx="0">
+            <a:schemeClr val="accent1"/>
+          </a:effectRef>
+          <a:fontRef idx="minor">
+            <a:schemeClr val="tx1"/>
+          </a:fontRef>
+        </p:style>
+      </p:cxnSp>
+      <p:cxnSp>
+        <p:nvCxnSpPr>
+          <p:cNvPr id="26" name="직선 연결선 25">
+            <a:extLst>
+              <a:ext uri="{FF2B5EF4-FFF2-40B4-BE49-F238E27FC236}">
+                <a16:creationId xmlns:a16="http://schemas.microsoft.com/office/drawing/2014/main" id="{2BBAB123-B6D4-4D4F-9DD3-36CC836EE499}"/>
+              </a:ext>
+            </a:extLst>
+          </p:cNvPr>
+          <p:cNvCxnSpPr>
+            <a:cxnSpLocks/>
+          </p:cNvCxnSpPr>
+          <p:nvPr/>
+        </p:nvCxnSpPr>
+        <p:spPr>
+          <a:xfrm>
+            <a:off x="1176468" y="4847457"/>
+            <a:ext cx="7644004" cy="0"/>
+          </a:xfrm>
+          <a:prstGeom prst="line">
+            <a:avLst/>
+          </a:prstGeom>
+          <a:ln>
+            <a:solidFill>
+              <a:schemeClr val="bg1">
+                <a:lumMod val="65000"/>
+              </a:schemeClr>
+            </a:solidFill>
+            <a:prstDash val="dash"/>
+          </a:ln>
+        </p:spPr>
+        <p:style>
+          <a:lnRef idx="1">
+            <a:schemeClr val="accent1"/>
+          </a:lnRef>
+          <a:fillRef idx="0">
+            <a:schemeClr val="accent1"/>
+          </a:fillRef>
+          <a:effectRef idx="0">
+            <a:schemeClr val="accent1"/>
+          </a:effectRef>
+          <a:fontRef idx="minor">
+            <a:schemeClr val="tx1"/>
+          </a:fontRef>
+        </p:style>
+      </p:cxnSp>
       <p:grpSp>
         <p:nvGrpSpPr>
-          <p:cNvPr id="38" name="그룹 37">
+          <p:cNvPr id="31" name="그룹 30">
             <a:extLst>
               <a:ext uri="{FF2B5EF4-FFF2-40B4-BE49-F238E27FC236}">
-                <a16:creationId xmlns:a16="http://schemas.microsoft.com/office/drawing/2014/main" id="{B78A19C1-B02C-43DB-B4F8-555034907178}"/>
+                <a16:creationId xmlns:a16="http://schemas.microsoft.com/office/drawing/2014/main" id="{27869AA4-65C7-40ED-AEF4-866BE1E970B4}"/>
               </a:ext>
             </a:extLst>
           </p:cNvPr>
@@ -6705,63 +6921,18 @@
         </p:nvGrpSpPr>
         <p:grpSpPr>
           <a:xfrm>
-            <a:off x="-46001" y="4614977"/>
-            <a:ext cx="8831226" cy="1197283"/>
-            <a:chOff x="-46001" y="4788000"/>
-            <a:chExt cx="8831226" cy="1197283"/>
+            <a:off x="363231" y="2478088"/>
+            <a:ext cx="1255798" cy="773682"/>
+            <a:chOff x="323851" y="2077173"/>
+            <a:chExt cx="832440" cy="851887"/>
           </a:xfrm>
         </p:grpSpPr>
-        <p:cxnSp>
-          <p:nvCxnSpPr>
-            <p:cNvPr id="22" name="직선 연결선 21">
+        <p:sp>
+          <p:nvSpPr>
+            <p:cNvPr id="32" name="화살표: 오각형 31">
               <a:extLst>
                 <a:ext uri="{FF2B5EF4-FFF2-40B4-BE49-F238E27FC236}">
-                  <a16:creationId xmlns:a16="http://schemas.microsoft.com/office/drawing/2014/main" id="{C589A84E-8519-4B90-8CF1-056D2D08D95B}"/>
-                </a:ext>
-              </a:extLst>
-            </p:cNvPr>
-            <p:cNvCxnSpPr>
-              <a:cxnSpLocks/>
-            </p:cNvCxnSpPr>
-            <p:nvPr/>
-          </p:nvCxnSpPr>
-          <p:spPr>
-            <a:xfrm>
-              <a:off x="-46001" y="5391217"/>
-              <a:ext cx="8388424" cy="0"/>
-            </a:xfrm>
-            <a:prstGeom prst="line">
-              <a:avLst/>
-            </a:prstGeom>
-            <a:ln w="50800">
-              <a:solidFill>
-                <a:schemeClr val="bg1">
-                  <a:lumMod val="75000"/>
-                </a:schemeClr>
-              </a:solidFill>
-            </a:ln>
-          </p:spPr>
-          <p:style>
-            <a:lnRef idx="1">
-              <a:schemeClr val="accent1"/>
-            </a:lnRef>
-            <a:fillRef idx="0">
-              <a:schemeClr val="accent1"/>
-            </a:fillRef>
-            <a:effectRef idx="0">
-              <a:schemeClr val="accent1"/>
-            </a:effectRef>
-            <a:fontRef idx="minor">
-              <a:schemeClr val="tx1"/>
-            </a:fontRef>
-          </p:style>
-        </p:cxnSp>
-        <p:sp>
-          <p:nvSpPr>
-            <p:cNvPr id="23" name="타원 22">
-              <a:extLst>
-                <a:ext uri="{FF2B5EF4-FFF2-40B4-BE49-F238E27FC236}">
-                  <a16:creationId xmlns:a16="http://schemas.microsoft.com/office/drawing/2014/main" id="{46C1BDE9-B56E-4E7B-B624-6EF02491B3C2}"/>
+                  <a16:creationId xmlns:a16="http://schemas.microsoft.com/office/drawing/2014/main" id="{8C99BD3F-2074-4B16-87FB-236BE74DDE8E}"/>
                 </a:ext>
               </a:extLst>
             </p:cNvPr>
@@ -6770,279 +6941,26 @@
           </p:nvSpPr>
           <p:spPr>
             <a:xfrm>
-              <a:off x="323850" y="4788000"/>
-              <a:ext cx="1188132" cy="1188132"/>
+              <a:off x="323851" y="2108491"/>
+              <a:ext cx="832440" cy="820569"/>
             </a:xfrm>
-            <a:prstGeom prst="ellipse">
-              <a:avLst/>
+            <a:prstGeom prst="homePlate">
+              <a:avLst>
+                <a:gd name="adj" fmla="val 33100"/>
+              </a:avLst>
             </a:prstGeom>
             <a:solidFill>
-              <a:schemeClr val="bg1"/>
+              <a:srgbClr val="7FC3B6"/>
             </a:solidFill>
-            <a:ln w="44450">
-              <a:solidFill>
-                <a:srgbClr val="00A8AC"/>
-              </a:solidFill>
-            </a:ln>
           </p:spPr>
           <p:txBody>
-            <a:bodyPr wrap="none" lIns="0" tIns="0" rIns="0" bIns="0" rtlCol="0" anchor="ctr" anchorCtr="0">
-              <a:noAutofit/>
+            <a:bodyPr wrap="square" lIns="0" tIns="0" rIns="0" bIns="0" rtlCol="0" anchor="ctr" anchorCtr="0">
+              <a:spAutoFit/>
             </a:bodyPr>
             <a:lstStyle/>
             <a:p>
               <a:pPr algn="ctr" latinLnBrk="0"/>
-              <a:r>
-                <a:rPr lang="en-US" altLang="ko-KR" sz="1400">
-                  <a:latin typeface="나눔스퀘어" panose="020B0600000101010101" pitchFamily="50" charset="-127"/>
-                  <a:ea typeface="나눔스퀘어" panose="020B0600000101010101" pitchFamily="50" charset="-127"/>
-                </a:rPr>
-                <a:t>Title</a:t>
-              </a:r>
-              <a:endParaRPr lang="en-US" altLang="ko-KR" sz="1400" dirty="0">
-                <a:latin typeface="나눔스퀘어" panose="020B0600000101010101" pitchFamily="50" charset="-127"/>
-                <a:ea typeface="나눔스퀘어" panose="020B0600000101010101" pitchFamily="50" charset="-127"/>
-              </a:endParaRPr>
-            </a:p>
-          </p:txBody>
-        </p:sp>
-        <p:sp>
-          <p:nvSpPr>
-            <p:cNvPr id="24" name="타원 23">
-              <a:extLst>
-                <a:ext uri="{FF2B5EF4-FFF2-40B4-BE49-F238E27FC236}">
-                  <a16:creationId xmlns:a16="http://schemas.microsoft.com/office/drawing/2014/main" id="{DED5BE41-335E-4B12-A8C6-9CA030926AD1}"/>
-                </a:ext>
-              </a:extLst>
-            </p:cNvPr>
-            <p:cNvSpPr/>
-            <p:nvPr/>
-          </p:nvSpPr>
-          <p:spPr>
-            <a:xfrm>
-              <a:off x="2142161" y="4788000"/>
-              <a:ext cx="1188132" cy="1188132"/>
-            </a:xfrm>
-            <a:prstGeom prst="ellipse">
-              <a:avLst/>
-            </a:prstGeom>
-            <a:solidFill>
-              <a:schemeClr val="bg1"/>
-            </a:solidFill>
-            <a:ln w="44450">
-              <a:solidFill>
-                <a:srgbClr val="00A8AC"/>
-              </a:solidFill>
-            </a:ln>
-          </p:spPr>
-          <p:txBody>
-            <a:bodyPr wrap="none" lIns="0" tIns="0" rIns="0" bIns="0" rtlCol="0" anchor="ctr" anchorCtr="0">
-              <a:noAutofit/>
-            </a:bodyPr>
-            <a:lstStyle/>
-            <a:p>
-              <a:pPr algn="ctr" latinLnBrk="0"/>
-              <a:r>
-                <a:rPr lang="en-US" altLang="ko-KR" sz="1400">
-                  <a:latin typeface="나눔스퀘어" panose="020B0600000101010101" pitchFamily="50" charset="-127"/>
-                  <a:ea typeface="나눔스퀘어" panose="020B0600000101010101" pitchFamily="50" charset="-127"/>
-                </a:rPr>
-                <a:t>Title</a:t>
-              </a:r>
-              <a:endParaRPr lang="en-US" altLang="ko-KR" sz="1400" dirty="0">
-                <a:latin typeface="나눔스퀘어" panose="020B0600000101010101" pitchFamily="50" charset="-127"/>
-                <a:ea typeface="나눔스퀘어" panose="020B0600000101010101" pitchFamily="50" charset="-127"/>
-              </a:endParaRPr>
-            </a:p>
-          </p:txBody>
-        </p:sp>
-        <p:sp>
-          <p:nvSpPr>
-            <p:cNvPr id="25" name="타원 24">
-              <a:extLst>
-                <a:ext uri="{FF2B5EF4-FFF2-40B4-BE49-F238E27FC236}">
-                  <a16:creationId xmlns:a16="http://schemas.microsoft.com/office/drawing/2014/main" id="{AD41A2EB-846E-4E58-BC5F-FC856C44D33F}"/>
-                </a:ext>
-              </a:extLst>
-            </p:cNvPr>
-            <p:cNvSpPr/>
-            <p:nvPr/>
-          </p:nvSpPr>
-          <p:spPr>
-            <a:xfrm>
-              <a:off x="3960472" y="4788000"/>
-              <a:ext cx="1188132" cy="1188132"/>
-            </a:xfrm>
-            <a:prstGeom prst="ellipse">
-              <a:avLst/>
-            </a:prstGeom>
-            <a:solidFill>
-              <a:schemeClr val="bg1"/>
-            </a:solidFill>
-            <a:ln w="44450">
-              <a:solidFill>
-                <a:srgbClr val="00A8AC"/>
-              </a:solidFill>
-            </a:ln>
-          </p:spPr>
-          <p:txBody>
-            <a:bodyPr wrap="none" lIns="0" tIns="0" rIns="0" bIns="0" rtlCol="0" anchor="ctr" anchorCtr="0">
-              <a:noAutofit/>
-            </a:bodyPr>
-            <a:lstStyle/>
-            <a:p>
-              <a:pPr algn="ctr" latinLnBrk="0"/>
-              <a:r>
-                <a:rPr lang="en-US" altLang="ko-KR" sz="1400">
-                  <a:latin typeface="나눔스퀘어" panose="020B0600000101010101" pitchFamily="50" charset="-127"/>
-                  <a:ea typeface="나눔스퀘어" panose="020B0600000101010101" pitchFamily="50" charset="-127"/>
-                </a:rPr>
-                <a:t>Title</a:t>
-              </a:r>
-              <a:endParaRPr lang="en-US" altLang="ko-KR" sz="1400" dirty="0">
-                <a:latin typeface="나눔스퀘어" panose="020B0600000101010101" pitchFamily="50" charset="-127"/>
-                <a:ea typeface="나눔스퀘어" panose="020B0600000101010101" pitchFamily="50" charset="-127"/>
-              </a:endParaRPr>
-            </a:p>
-          </p:txBody>
-        </p:sp>
-        <p:sp>
-          <p:nvSpPr>
-            <p:cNvPr id="26" name="타원 25">
-              <a:extLst>
-                <a:ext uri="{FF2B5EF4-FFF2-40B4-BE49-F238E27FC236}">
-                  <a16:creationId xmlns:a16="http://schemas.microsoft.com/office/drawing/2014/main" id="{5E9BDF20-E212-431C-B912-8423C385482D}"/>
-                </a:ext>
-              </a:extLst>
-            </p:cNvPr>
-            <p:cNvSpPr/>
-            <p:nvPr/>
-          </p:nvSpPr>
-          <p:spPr>
-            <a:xfrm>
-              <a:off x="5778783" y="4788000"/>
-              <a:ext cx="1188132" cy="1188132"/>
-            </a:xfrm>
-            <a:prstGeom prst="ellipse">
-              <a:avLst/>
-            </a:prstGeom>
-            <a:solidFill>
-              <a:schemeClr val="bg1"/>
-            </a:solidFill>
-            <a:ln w="44450">
-              <a:solidFill>
-                <a:srgbClr val="00A8AC"/>
-              </a:solidFill>
-            </a:ln>
-          </p:spPr>
-          <p:txBody>
-            <a:bodyPr wrap="none" lIns="0" tIns="0" rIns="0" bIns="0" rtlCol="0" anchor="ctr" anchorCtr="0">
-              <a:noAutofit/>
-            </a:bodyPr>
-            <a:lstStyle/>
-            <a:p>
-              <a:pPr algn="ctr" latinLnBrk="0"/>
-              <a:r>
-                <a:rPr lang="en-US" altLang="ko-KR" sz="1400">
-                  <a:latin typeface="나눔스퀘어" panose="020B0600000101010101" pitchFamily="50" charset="-127"/>
-                  <a:ea typeface="나눔스퀘어" panose="020B0600000101010101" pitchFamily="50" charset="-127"/>
-                </a:rPr>
-                <a:t>Title</a:t>
-              </a:r>
-              <a:endParaRPr lang="en-US" altLang="ko-KR" sz="1400" dirty="0">
-                <a:latin typeface="나눔스퀘어" panose="020B0600000101010101" pitchFamily="50" charset="-127"/>
-                <a:ea typeface="나눔스퀘어" panose="020B0600000101010101" pitchFamily="50" charset="-127"/>
-              </a:endParaRPr>
-            </a:p>
-          </p:txBody>
-        </p:sp>
-        <p:sp>
-          <p:nvSpPr>
-            <p:cNvPr id="27" name="타원 26">
-              <a:extLst>
-                <a:ext uri="{FF2B5EF4-FFF2-40B4-BE49-F238E27FC236}">
-                  <a16:creationId xmlns:a16="http://schemas.microsoft.com/office/drawing/2014/main" id="{4520BD4F-CEF0-469D-9419-0A7493F37201}"/>
-                </a:ext>
-              </a:extLst>
-            </p:cNvPr>
-            <p:cNvSpPr/>
-            <p:nvPr/>
-          </p:nvSpPr>
-          <p:spPr>
-            <a:xfrm>
-              <a:off x="7597093" y="4797151"/>
-              <a:ext cx="1188132" cy="1188132"/>
-            </a:xfrm>
-            <a:prstGeom prst="ellipse">
-              <a:avLst/>
-            </a:prstGeom>
-            <a:solidFill>
-              <a:schemeClr val="bg1"/>
-            </a:solidFill>
-            <a:ln w="44450">
-              <a:solidFill>
-                <a:srgbClr val="00A8AC"/>
-              </a:solidFill>
-            </a:ln>
-          </p:spPr>
-          <p:txBody>
-            <a:bodyPr wrap="none" lIns="0" tIns="0" rIns="0" bIns="0" rtlCol="0" anchor="ctr" anchorCtr="0">
-              <a:noAutofit/>
-            </a:bodyPr>
-            <a:lstStyle/>
-            <a:p>
-              <a:pPr algn="ctr" latinLnBrk="0"/>
-              <a:r>
-                <a:rPr lang="en-US" altLang="ko-KR" sz="1400">
-                  <a:latin typeface="나눔스퀘어" panose="020B0600000101010101" pitchFamily="50" charset="-127"/>
-                  <a:ea typeface="나눔스퀘어" panose="020B0600000101010101" pitchFamily="50" charset="-127"/>
-                </a:rPr>
-                <a:t>Title</a:t>
-              </a:r>
-              <a:endParaRPr lang="en-US" altLang="ko-KR" sz="1400" dirty="0">
-                <a:latin typeface="나눔스퀘어" panose="020B0600000101010101" pitchFamily="50" charset="-127"/>
-                <a:ea typeface="나눔스퀘어" panose="020B0600000101010101" pitchFamily="50" charset="-127"/>
-              </a:endParaRPr>
-            </a:p>
-          </p:txBody>
-        </p:sp>
-        <p:sp>
-          <p:nvSpPr>
-            <p:cNvPr id="33" name="1/2 액자 32">
-              <a:extLst>
-                <a:ext uri="{FF2B5EF4-FFF2-40B4-BE49-F238E27FC236}">
-                  <a16:creationId xmlns:a16="http://schemas.microsoft.com/office/drawing/2014/main" id="{EB516FDF-4EC2-49E3-A659-BA8D9DFB7729}"/>
-                </a:ext>
-              </a:extLst>
-            </p:cNvPr>
-            <p:cNvSpPr/>
-            <p:nvPr/>
-          </p:nvSpPr>
-          <p:spPr>
-            <a:xfrm rot="8216173">
-              <a:off x="1539045" y="5302747"/>
-              <a:ext cx="216000" cy="216000"/>
-            </a:xfrm>
-            <a:prstGeom prst="halfFrame">
-              <a:avLst>
-                <a:gd name="adj1" fmla="val 15389"/>
-                <a:gd name="adj2" fmla="val 14009"/>
-              </a:avLst>
-            </a:prstGeom>
-            <a:solidFill>
-              <a:schemeClr val="bg1">
-                <a:lumMod val="75000"/>
-              </a:schemeClr>
-            </a:solidFill>
-          </p:spPr>
-          <p:txBody>
-            <a:bodyPr wrap="square" lIns="0" tIns="0" rIns="0" bIns="0" rtlCol="0" anchor="ctr" anchorCtr="0">
-              <a:noAutofit/>
-            </a:bodyPr>
-            <a:lstStyle/>
-            <a:p>
-              <a:pPr algn="ctr" latinLnBrk="0"/>
-              <a:endParaRPr lang="en-US" sz="1400" spc="-150" dirty="0">
+              <a:endParaRPr lang="en-US" sz="1400" spc="-60" dirty="0">
                 <a:solidFill>
                   <a:schemeClr val="tx1">
                     <a:lumMod val="65000"/>
@@ -7056,10 +6974,83 @@
         </p:sp>
         <p:sp>
           <p:nvSpPr>
-            <p:cNvPr id="34" name="1/2 액자 33">
+            <p:cNvPr id="41" name="TextBox 40">
               <a:extLst>
                 <a:ext uri="{FF2B5EF4-FFF2-40B4-BE49-F238E27FC236}">
-                  <a16:creationId xmlns:a16="http://schemas.microsoft.com/office/drawing/2014/main" id="{197BA882-241E-415D-854E-FD32C0EFDA28}"/>
+                  <a16:creationId xmlns:a16="http://schemas.microsoft.com/office/drawing/2014/main" id="{7F4AD9F8-4071-4821-82C3-BF79755AD661}"/>
+                </a:ext>
+              </a:extLst>
+            </p:cNvPr>
+            <p:cNvSpPr txBox="1"/>
+            <p:nvPr/>
+          </p:nvSpPr>
+          <p:spPr>
+            <a:xfrm>
+              <a:off x="343664" y="2077173"/>
+              <a:ext cx="667885" cy="576108"/>
+            </a:xfrm>
+            <a:prstGeom prst="rect">
+              <a:avLst/>
+            </a:prstGeom>
+            <a:noFill/>
+          </p:spPr>
+          <p:txBody>
+            <a:bodyPr vert="horz" wrap="square" rtlCol="0">
+              <a:spAutoFit/>
+            </a:bodyPr>
+            <a:lstStyle/>
+            <a:p>
+              <a:pPr algn="ctr"/>
+              <a:r>
+                <a:rPr lang="en-US" altLang="ko-KR" sz="2800" b="1" spc="-70" dirty="0">
+                  <a:solidFill>
+                    <a:schemeClr val="bg1"/>
+                  </a:solidFill>
+                  <a:latin typeface="맑은 고딕" panose="020B0503020000020004" pitchFamily="50" charset="-127"/>
+                  <a:cs typeface="함초롬돋움" panose="02030504000101010101" pitchFamily="18" charset="-127"/>
+                </a:rPr>
+                <a:t>2</a:t>
+              </a:r>
+              <a:r>
+                <a:rPr lang="ko-KR" altLang="en-US" sz="2800" b="1" spc="-70" dirty="0">
+                  <a:solidFill>
+                    <a:schemeClr val="bg1"/>
+                  </a:solidFill>
+                  <a:latin typeface="맑은 고딕" panose="020B0503020000020004" pitchFamily="50" charset="-127"/>
+                  <a:cs typeface="함초롬돋움" panose="02030504000101010101" pitchFamily="18" charset="-127"/>
+                </a:rPr>
+                <a:t>주</a:t>
+              </a:r>
+            </a:p>
+          </p:txBody>
+        </p:sp>
+      </p:grpSp>
+      <p:grpSp>
+        <p:nvGrpSpPr>
+          <p:cNvPr id="45" name="그룹 44">
+            <a:extLst>
+              <a:ext uri="{FF2B5EF4-FFF2-40B4-BE49-F238E27FC236}">
+                <a16:creationId xmlns:a16="http://schemas.microsoft.com/office/drawing/2014/main" id="{AEE2B450-9D33-452D-986B-306D8CC28656}"/>
+              </a:ext>
+            </a:extLst>
+          </p:cNvPr>
+          <p:cNvGrpSpPr/>
+          <p:nvPr/>
+        </p:nvGrpSpPr>
+        <p:grpSpPr>
+          <a:xfrm>
+            <a:off x="359532" y="4078473"/>
+            <a:ext cx="1255795" cy="759713"/>
+            <a:chOff x="169172" y="4551551"/>
+            <a:chExt cx="836512" cy="836506"/>
+          </a:xfrm>
+        </p:grpSpPr>
+        <p:sp>
+          <p:nvSpPr>
+            <p:cNvPr id="46" name="화살표: 오각형 45">
+              <a:extLst>
+                <a:ext uri="{FF2B5EF4-FFF2-40B4-BE49-F238E27FC236}">
+                  <a16:creationId xmlns:a16="http://schemas.microsoft.com/office/drawing/2014/main" id="{16061DA5-042A-4EF8-AC0C-3AED734B2BD7}"/>
                 </a:ext>
               </a:extLst>
             </p:cNvPr>
@@ -7067,30 +7058,27 @@
             <p:nvPr/>
           </p:nvSpPr>
           <p:spPr>
-            <a:xfrm rot="8216173">
-              <a:off x="3407156" y="5295578"/>
-              <a:ext cx="216000" cy="216000"/>
+            <a:xfrm>
+              <a:off x="173244" y="4567488"/>
+              <a:ext cx="832440" cy="820569"/>
             </a:xfrm>
-            <a:prstGeom prst="halfFrame">
+            <a:prstGeom prst="homePlate">
               <a:avLst>
-                <a:gd name="adj1" fmla="val 15389"/>
-                <a:gd name="adj2" fmla="val 14009"/>
+                <a:gd name="adj" fmla="val 33100"/>
               </a:avLst>
             </a:prstGeom>
             <a:solidFill>
-              <a:schemeClr val="bg1">
-                <a:lumMod val="75000"/>
-              </a:schemeClr>
+              <a:srgbClr val="7FC3B6"/>
             </a:solidFill>
           </p:spPr>
           <p:txBody>
             <a:bodyPr wrap="square" lIns="0" tIns="0" rIns="0" bIns="0" rtlCol="0" anchor="ctr" anchorCtr="0">
-              <a:noAutofit/>
+              <a:spAutoFit/>
             </a:bodyPr>
             <a:lstStyle/>
             <a:p>
               <a:pPr algn="ctr" latinLnBrk="0"/>
-              <a:endParaRPr lang="en-US" sz="1400" spc="-150" dirty="0">
+              <a:endParaRPr lang="en-US" sz="1400" spc="-60" dirty="0">
                 <a:solidFill>
                   <a:schemeClr val="tx1">
                     <a:lumMod val="65000"/>
@@ -7104,107 +7092,63 @@
         </p:sp>
         <p:sp>
           <p:nvSpPr>
-            <p:cNvPr id="35" name="1/2 액자 34">
+            <p:cNvPr id="47" name="TextBox 46">
               <a:extLst>
                 <a:ext uri="{FF2B5EF4-FFF2-40B4-BE49-F238E27FC236}">
-                  <a16:creationId xmlns:a16="http://schemas.microsoft.com/office/drawing/2014/main" id="{C6727E4C-45A0-4BE2-A56F-BAA83B68F565}"/>
+                  <a16:creationId xmlns:a16="http://schemas.microsoft.com/office/drawing/2014/main" id="{7E704F7D-6D90-48C9-8206-CA9DC0B4084A}"/>
                 </a:ext>
               </a:extLst>
             </p:cNvPr>
-            <p:cNvSpPr/>
+            <p:cNvSpPr txBox="1"/>
             <p:nvPr/>
           </p:nvSpPr>
           <p:spPr>
-            <a:xfrm rot="8216173">
-              <a:off x="5275267" y="5302748"/>
-              <a:ext cx="216000" cy="216000"/>
+            <a:xfrm>
+              <a:off x="169172" y="4551551"/>
+              <a:ext cx="667885" cy="576108"/>
             </a:xfrm>
-            <a:prstGeom prst="halfFrame">
-              <a:avLst>
-                <a:gd name="adj1" fmla="val 15389"/>
-                <a:gd name="adj2" fmla="val 14009"/>
-              </a:avLst>
+            <a:prstGeom prst="rect">
+              <a:avLst/>
             </a:prstGeom>
-            <a:solidFill>
-              <a:schemeClr val="bg1">
-                <a:lumMod val="75000"/>
-              </a:schemeClr>
-            </a:solidFill>
+            <a:noFill/>
           </p:spPr>
           <p:txBody>
-            <a:bodyPr wrap="square" lIns="0" tIns="0" rIns="0" bIns="0" rtlCol="0" anchor="ctr" anchorCtr="0">
-              <a:noAutofit/>
+            <a:bodyPr vert="horz" wrap="square" rtlCol="0">
+              <a:spAutoFit/>
             </a:bodyPr>
             <a:lstStyle/>
             <a:p>
-              <a:pPr algn="ctr" latinLnBrk="0"/>
-              <a:endParaRPr lang="en-US" sz="1400" spc="-150" dirty="0">
-                <a:solidFill>
-                  <a:schemeClr val="tx1">
-                    <a:lumMod val="65000"/>
-                    <a:lumOff val="35000"/>
-                  </a:schemeClr>
-                </a:solidFill>
-                <a:latin typeface="+mn-ea"/>
-              </a:endParaRPr>
-            </a:p>
-          </p:txBody>
-        </p:sp>
-        <p:sp>
-          <p:nvSpPr>
-            <p:cNvPr id="36" name="1/2 액자 35">
-              <a:extLst>
-                <a:ext uri="{FF2B5EF4-FFF2-40B4-BE49-F238E27FC236}">
-                  <a16:creationId xmlns:a16="http://schemas.microsoft.com/office/drawing/2014/main" id="{8E756309-863B-44D1-90E9-FA9A6E8A79ED}"/>
-                </a:ext>
-              </a:extLst>
-            </p:cNvPr>
-            <p:cNvSpPr/>
-            <p:nvPr/>
-          </p:nvSpPr>
-          <p:spPr>
-            <a:xfrm rot="8216173">
-              <a:off x="7143379" y="5309918"/>
-              <a:ext cx="216000" cy="216000"/>
-            </a:xfrm>
-            <a:prstGeom prst="halfFrame">
-              <a:avLst>
-                <a:gd name="adj1" fmla="val 15389"/>
-                <a:gd name="adj2" fmla="val 14009"/>
-              </a:avLst>
-            </a:prstGeom>
-            <a:solidFill>
-              <a:schemeClr val="bg1">
-                <a:lumMod val="75000"/>
-              </a:schemeClr>
-            </a:solidFill>
-          </p:spPr>
-          <p:txBody>
-            <a:bodyPr wrap="square" lIns="0" tIns="0" rIns="0" bIns="0" rtlCol="0" anchor="ctr" anchorCtr="0">
-              <a:noAutofit/>
-            </a:bodyPr>
-            <a:lstStyle/>
-            <a:p>
-              <a:pPr algn="ctr" latinLnBrk="0"/>
-              <a:endParaRPr lang="en-US" sz="1400" spc="-150" dirty="0">
-                <a:solidFill>
-                  <a:schemeClr val="tx1">
-                    <a:lumMod val="65000"/>
-                    <a:lumOff val="35000"/>
-                  </a:schemeClr>
-                </a:solidFill>
-                <a:latin typeface="+mn-ea"/>
-              </a:endParaRPr>
+              <a:pPr algn="ctr"/>
+              <a:r>
+                <a:rPr lang="en-US" altLang="ko-KR" sz="2800" b="1" spc="-70" dirty="0">
+                  <a:solidFill>
+                    <a:schemeClr val="bg1"/>
+                  </a:solidFill>
+                  <a:latin typeface="맑은 고딕" panose="020B0503020000020004" pitchFamily="50" charset="-127"/>
+                  <a:cs typeface="함초롬돋움" panose="02030504000101010101" pitchFamily="18" charset="-127"/>
+                </a:rPr>
+                <a:t>4</a:t>
+              </a:r>
+              <a:r>
+                <a:rPr lang="ko-KR" altLang="en-US" sz="2800" b="1" spc="-70" dirty="0">
+                  <a:solidFill>
+                    <a:schemeClr val="bg1"/>
+                  </a:solidFill>
+                  <a:latin typeface="맑은 고딕" panose="020B0503020000020004" pitchFamily="50" charset="-127"/>
+                  <a:cs typeface="함초롬돋움" panose="02030504000101010101" pitchFamily="18" charset="-127"/>
+                </a:rPr>
+                <a:t>주</a:t>
+              </a:r>
             </a:p>
           </p:txBody>
         </p:sp>
       </p:grpSp>
       <p:sp>
         <p:nvSpPr>
-          <p:cNvPr id="28" name="사각형: 둥근 모서리 27">
+          <p:cNvPr id="48" name="사각형: 둥근 모서리 47">
             <a:extLst>
               <a:ext uri="{FF2B5EF4-FFF2-40B4-BE49-F238E27FC236}">
-                <a16:creationId xmlns:a16="http://schemas.microsoft.com/office/drawing/2014/main" id="{BC10897C-5CD9-47A4-87FD-A95451886FB5}"/>
+                <a16:creationId xmlns:a16="http://schemas.microsoft.com/office/drawing/2014/main" id="{C3F05174-EB99-4A39-87B5-FFF4E684661E}"/>
               </a:ext>
             </a:extLst>
           </p:cNvPr>
@@ -7213,7 +7157,7 @@
         </p:nvSpPr>
         <p:spPr>
           <a:xfrm>
-            <a:off x="71500" y="892776"/>
+            <a:off x="10822" y="442859"/>
             <a:ext cx="3420380" cy="504056"/>
           </a:xfrm>
           <a:prstGeom prst="roundRect">
@@ -7249,10 +7193,10 @@
       </p:sp>
       <p:sp>
         <p:nvSpPr>
-          <p:cNvPr id="39" name="제목 5">
+          <p:cNvPr id="49" name="제목 5">
             <a:extLst>
               <a:ext uri="{FF2B5EF4-FFF2-40B4-BE49-F238E27FC236}">
-                <a16:creationId xmlns:a16="http://schemas.microsoft.com/office/drawing/2014/main" id="{42BF4511-B970-4010-B774-A3837058A68F}"/>
+                <a16:creationId xmlns:a16="http://schemas.microsoft.com/office/drawing/2014/main" id="{CCC664AC-BF01-4D45-84F2-A7A3433A0010}"/>
               </a:ext>
             </a:extLst>
           </p:cNvPr>
@@ -7263,7 +7207,7 @@
         </p:nvSpPr>
         <p:spPr>
           <a:xfrm>
-            <a:off x="1151620" y="944749"/>
+            <a:off x="1090942" y="494832"/>
             <a:ext cx="7611888" cy="400110"/>
           </a:xfrm>
           <a:prstGeom prst="rect">
@@ -7342,72 +7286,12 @@
           </a:p>
         </p:txBody>
       </p:sp>
-    </p:spTree>
-    <p:extLst>
-      <p:ext uri="{BB962C8B-B14F-4D97-AF65-F5344CB8AC3E}">
-        <p14:creationId xmlns:p14="http://schemas.microsoft.com/office/powerpoint/2010/main" val="2091278913"/>
-      </p:ext>
-    </p:extLst>
-  </p:cSld>
-  <p:clrMapOvr>
-    <a:masterClrMapping/>
-  </p:clrMapOvr>
-</p:sld>
-</file>
-
-<file path=ppt/slides/slide8.xml><?xml version="1.0" encoding="utf-8"?>
-<p:sld xmlns:a="http://schemas.openxmlformats.org/drawingml/2006/main" xmlns:r="http://schemas.openxmlformats.org/officeDocument/2006/relationships" xmlns:p="http://schemas.openxmlformats.org/presentationml/2006/main">
-  <p:cSld>
-    <p:spTree>
-      <p:nvGrpSpPr>
-        <p:cNvPr id="1" name=""/>
-        <p:cNvGrpSpPr/>
-        <p:nvPr/>
-      </p:nvGrpSpPr>
-      <p:grpSpPr>
-        <a:xfrm>
-          <a:off x="0" y="0"/>
-          <a:ext cx="0" cy="0"/>
-          <a:chOff x="0" y="0"/>
-          <a:chExt cx="0" cy="0"/>
-        </a:xfrm>
-      </p:grpSpPr>
-      <p:sp>
-        <p:nvSpPr>
-          <p:cNvPr id="2" name="슬라이드 번호 개체 틀 1">
+      <p:grpSp>
+        <p:nvGrpSpPr>
+          <p:cNvPr id="50" name="그룹 49">
             <a:extLst>
               <a:ext uri="{FF2B5EF4-FFF2-40B4-BE49-F238E27FC236}">
-                <a16:creationId xmlns:a16="http://schemas.microsoft.com/office/drawing/2014/main" id="{D8F26A6D-1402-45A7-85EE-26250B904499}"/>
-              </a:ext>
-            </a:extLst>
-          </p:cNvPr>
-          <p:cNvSpPr>
-            <a:spLocks noGrp="1"/>
-          </p:cNvSpPr>
-          <p:nvPr>
-            <p:ph type="sldNum" sz="quarter" idx="12"/>
-          </p:nvPr>
-        </p:nvSpPr>
-        <p:spPr/>
-        <p:txBody>
-          <a:bodyPr/>
-          <a:lstStyle/>
-          <a:p>
-            <a:fld id="{3ABC768E-094C-1348-9D29-2163BD33EBDB}" type="slidenum">
-              <a:rPr kumimoji="1" lang="ko-KR" altLang="en-US" smtClean="0"/>
-              <a:pPr/>
-              <a:t>8</a:t>
-            </a:fld>
-            <a:endParaRPr kumimoji="1" lang="ko-KR" altLang="en-US" dirty="0"/>
-          </a:p>
-        </p:txBody>
-      </p:sp>
-      <p:grpSp>
-        <p:nvGrpSpPr>
-          <p:cNvPr id="40" name="그룹 39">
-            <a:extLst>
-              <a:ext uri="{FF2B5EF4-FFF2-40B4-BE49-F238E27FC236}">
-                <a16:creationId xmlns:a16="http://schemas.microsoft.com/office/drawing/2014/main" id="{6B85E53E-E5F3-47CA-89AB-1DA0E6883E82}"/>
+                <a16:creationId xmlns:a16="http://schemas.microsoft.com/office/drawing/2014/main" id="{9ED76B39-69AF-44E0-812A-04FA224E843E}"/>
               </a:ext>
             </a:extLst>
           </p:cNvPr>
@@ -7416,484 +7300,18 @@
         </p:nvGrpSpPr>
         <p:grpSpPr>
           <a:xfrm>
-            <a:off x="759917" y="2316723"/>
-            <a:ext cx="756020" cy="745239"/>
-            <a:chOff x="323851" y="2108491"/>
-            <a:chExt cx="832440" cy="820569"/>
+            <a:off x="379284" y="5631693"/>
+            <a:ext cx="1237573" cy="794716"/>
+            <a:chOff x="351808" y="5547560"/>
+            <a:chExt cx="832441" cy="875047"/>
           </a:xfrm>
         </p:grpSpPr>
         <p:sp>
           <p:nvSpPr>
-            <p:cNvPr id="3" name="화살표: 오각형 2">
+            <p:cNvPr id="51" name="화살표: 오각형 50">
               <a:extLst>
                 <a:ext uri="{FF2B5EF4-FFF2-40B4-BE49-F238E27FC236}">
-                  <a16:creationId xmlns:a16="http://schemas.microsoft.com/office/drawing/2014/main" id="{F89CCFEC-5587-43B2-B8EF-0E7308D1BAF8}"/>
-                </a:ext>
-              </a:extLst>
-            </p:cNvPr>
-            <p:cNvSpPr/>
-            <p:nvPr/>
-          </p:nvSpPr>
-          <p:spPr>
-            <a:xfrm>
-              <a:off x="323851" y="2108491"/>
-              <a:ext cx="832440" cy="820569"/>
-            </a:xfrm>
-            <a:prstGeom prst="homePlate">
-              <a:avLst>
-                <a:gd name="adj" fmla="val 33100"/>
-              </a:avLst>
-            </a:prstGeom>
-            <a:solidFill>
-              <a:srgbClr val="7FC3B6"/>
-            </a:solidFill>
-          </p:spPr>
-          <p:txBody>
-            <a:bodyPr wrap="square" lIns="0" tIns="0" rIns="0" bIns="0" rtlCol="0" anchor="ctr" anchorCtr="0">
-              <a:spAutoFit/>
-            </a:bodyPr>
-            <a:lstStyle/>
-            <a:p>
-              <a:pPr algn="ctr" latinLnBrk="0"/>
-              <a:endParaRPr lang="en-US" sz="1400" spc="-60" dirty="0">
-                <a:solidFill>
-                  <a:schemeClr val="tx1">
-                    <a:lumMod val="65000"/>
-                    <a:lumOff val="35000"/>
-                  </a:schemeClr>
-                </a:solidFill>
-                <a:latin typeface="+mn-ea"/>
-              </a:endParaRPr>
-            </a:p>
-          </p:txBody>
-        </p:sp>
-        <p:sp>
-          <p:nvSpPr>
-            <p:cNvPr id="18" name="TextBox 17">
-              <a:extLst>
-                <a:ext uri="{FF2B5EF4-FFF2-40B4-BE49-F238E27FC236}">
-                  <a16:creationId xmlns:a16="http://schemas.microsoft.com/office/drawing/2014/main" id="{DE07AC0E-E42E-4CFE-BBA7-B48696436016}"/>
-                </a:ext>
-              </a:extLst>
-            </p:cNvPr>
-            <p:cNvSpPr txBox="1"/>
-            <p:nvPr/>
-          </p:nvSpPr>
-          <p:spPr>
-            <a:xfrm>
-              <a:off x="343664" y="2252812"/>
-              <a:ext cx="667885" cy="523220"/>
-            </a:xfrm>
-            <a:prstGeom prst="rect">
-              <a:avLst/>
-            </a:prstGeom>
-            <a:noFill/>
-          </p:spPr>
-          <p:txBody>
-            <a:bodyPr vert="horz" wrap="square" rtlCol="0">
-              <a:spAutoFit/>
-            </a:bodyPr>
-            <a:lstStyle/>
-            <a:p>
-              <a:pPr algn="ctr"/>
-              <a:r>
-                <a:rPr lang="en-US" altLang="ko-KR" sz="2800" b="1" spc="-70" dirty="0">
-                  <a:solidFill>
-                    <a:schemeClr val="bg1"/>
-                  </a:solidFill>
-                  <a:latin typeface="맑은 고딕" panose="020B0503020000020004" pitchFamily="50" charset="-127"/>
-                  <a:cs typeface="함초롬돋움" panose="02030504000101010101" pitchFamily="18" charset="-127"/>
-                </a:rPr>
-                <a:t>01</a:t>
-              </a:r>
-              <a:endParaRPr lang="ko-KR" altLang="en-US" sz="2800" b="1" spc="-70" dirty="0">
-                <a:solidFill>
-                  <a:schemeClr val="bg1"/>
-                </a:solidFill>
-                <a:latin typeface="맑은 고딕" panose="020B0503020000020004" pitchFamily="50" charset="-127"/>
-                <a:cs typeface="함초롬돋움" panose="02030504000101010101" pitchFamily="18" charset="-127"/>
-              </a:endParaRPr>
-            </a:p>
-          </p:txBody>
-        </p:sp>
-      </p:grpSp>
-      <p:grpSp>
-        <p:nvGrpSpPr>
-          <p:cNvPr id="39" name="그룹 38">
-            <a:extLst>
-              <a:ext uri="{FF2B5EF4-FFF2-40B4-BE49-F238E27FC236}">
-                <a16:creationId xmlns:a16="http://schemas.microsoft.com/office/drawing/2014/main" id="{649BCB55-361D-4025-BBB5-66BB227A7234}"/>
-              </a:ext>
-            </a:extLst>
-          </p:cNvPr>
-          <p:cNvGrpSpPr/>
-          <p:nvPr/>
-        </p:nvGrpSpPr>
-        <p:grpSpPr>
-          <a:xfrm>
-            <a:off x="758749" y="3109931"/>
-            <a:ext cx="758356" cy="745239"/>
-            <a:chOff x="323850" y="2985199"/>
-            <a:chExt cx="835012" cy="820569"/>
-          </a:xfrm>
-        </p:grpSpPr>
-        <p:sp>
-          <p:nvSpPr>
-            <p:cNvPr id="34" name="화살표: 오각형 33">
-              <a:extLst>
-                <a:ext uri="{FF2B5EF4-FFF2-40B4-BE49-F238E27FC236}">
-                  <a16:creationId xmlns:a16="http://schemas.microsoft.com/office/drawing/2014/main" id="{C69DCB47-FBEC-43BA-AEBC-C2502A790E85}"/>
-                </a:ext>
-              </a:extLst>
-            </p:cNvPr>
-            <p:cNvSpPr/>
-            <p:nvPr/>
-          </p:nvSpPr>
-          <p:spPr>
-            <a:xfrm>
-              <a:off x="326422" y="2985199"/>
-              <a:ext cx="832440" cy="820569"/>
-            </a:xfrm>
-            <a:prstGeom prst="homePlate">
-              <a:avLst>
-                <a:gd name="adj" fmla="val 33100"/>
-              </a:avLst>
-            </a:prstGeom>
-            <a:solidFill>
-              <a:schemeClr val="tx1">
-                <a:lumMod val="50000"/>
-                <a:lumOff val="50000"/>
-              </a:schemeClr>
-            </a:solidFill>
-          </p:spPr>
-          <p:txBody>
-            <a:bodyPr wrap="square" lIns="0" tIns="0" rIns="0" bIns="0" rtlCol="0" anchor="ctr" anchorCtr="0">
-              <a:spAutoFit/>
-            </a:bodyPr>
-            <a:lstStyle/>
-            <a:p>
-              <a:pPr algn="ctr" latinLnBrk="0"/>
-              <a:endParaRPr lang="en-US" sz="1400" spc="-60" dirty="0">
-                <a:solidFill>
-                  <a:schemeClr val="tx1">
-                    <a:lumMod val="65000"/>
-                    <a:lumOff val="35000"/>
-                  </a:schemeClr>
-                </a:solidFill>
-                <a:latin typeface="+mn-ea"/>
-              </a:endParaRPr>
-            </a:p>
-          </p:txBody>
-        </p:sp>
-        <p:sp>
-          <p:nvSpPr>
-            <p:cNvPr id="19" name="TextBox 18">
-              <a:extLst>
-                <a:ext uri="{FF2B5EF4-FFF2-40B4-BE49-F238E27FC236}">
-                  <a16:creationId xmlns:a16="http://schemas.microsoft.com/office/drawing/2014/main" id="{93BAB680-7CAB-45A6-A34F-C7E3B76AEC50}"/>
-                </a:ext>
-              </a:extLst>
-            </p:cNvPr>
-            <p:cNvSpPr txBox="1"/>
-            <p:nvPr/>
-          </p:nvSpPr>
-          <p:spPr>
-            <a:xfrm>
-              <a:off x="323850" y="3128283"/>
-              <a:ext cx="667885" cy="523220"/>
-            </a:xfrm>
-            <a:prstGeom prst="rect">
-              <a:avLst/>
-            </a:prstGeom>
-            <a:noFill/>
-          </p:spPr>
-          <p:txBody>
-            <a:bodyPr vert="horz" wrap="square" rtlCol="0">
-              <a:spAutoFit/>
-            </a:bodyPr>
-            <a:lstStyle/>
-            <a:p>
-              <a:pPr algn="ctr"/>
-              <a:r>
-                <a:rPr lang="en-US" altLang="ko-KR" sz="2800" b="1" spc="-70" dirty="0">
-                  <a:solidFill>
-                    <a:schemeClr val="bg1"/>
-                  </a:solidFill>
-                  <a:latin typeface="맑은 고딕" panose="020B0503020000020004" pitchFamily="50" charset="-127"/>
-                  <a:cs typeface="함초롬돋움" panose="02030504000101010101" pitchFamily="18" charset="-127"/>
-                </a:rPr>
-                <a:t>02</a:t>
-              </a:r>
-              <a:endParaRPr lang="ko-KR" altLang="en-US" sz="2800" b="1" spc="-70" dirty="0">
-                <a:solidFill>
-                  <a:schemeClr val="bg1"/>
-                </a:solidFill>
-                <a:latin typeface="맑은 고딕" panose="020B0503020000020004" pitchFamily="50" charset="-127"/>
-                <a:cs typeface="함초롬돋움" panose="02030504000101010101" pitchFamily="18" charset="-127"/>
-              </a:endParaRPr>
-            </a:p>
-          </p:txBody>
-        </p:sp>
-      </p:grpSp>
-      <p:grpSp>
-        <p:nvGrpSpPr>
-          <p:cNvPr id="38" name="그룹 37">
-            <a:extLst>
-              <a:ext uri="{FF2B5EF4-FFF2-40B4-BE49-F238E27FC236}">
-                <a16:creationId xmlns:a16="http://schemas.microsoft.com/office/drawing/2014/main" id="{9B095AD4-C9C3-4266-91BE-524120C7C375}"/>
-              </a:ext>
-            </a:extLst>
-          </p:cNvPr>
-          <p:cNvGrpSpPr/>
-          <p:nvPr/>
-        </p:nvGrpSpPr>
-        <p:grpSpPr>
-          <a:xfrm>
-            <a:off x="759917" y="3903140"/>
-            <a:ext cx="756020" cy="745239"/>
-            <a:chOff x="341049" y="3861907"/>
-            <a:chExt cx="832440" cy="820569"/>
-          </a:xfrm>
-        </p:grpSpPr>
-        <p:sp>
-          <p:nvSpPr>
-            <p:cNvPr id="36" name="화살표: 오각형 35">
-              <a:extLst>
-                <a:ext uri="{FF2B5EF4-FFF2-40B4-BE49-F238E27FC236}">
-                  <a16:creationId xmlns:a16="http://schemas.microsoft.com/office/drawing/2014/main" id="{DAB8F973-4B7D-4943-972E-B1D49C9872D0}"/>
-                </a:ext>
-              </a:extLst>
-            </p:cNvPr>
-            <p:cNvSpPr/>
-            <p:nvPr/>
-          </p:nvSpPr>
-          <p:spPr>
-            <a:xfrm>
-              <a:off x="341049" y="3861907"/>
-              <a:ext cx="832440" cy="820569"/>
-            </a:xfrm>
-            <a:prstGeom prst="homePlate">
-              <a:avLst>
-                <a:gd name="adj" fmla="val 33100"/>
-              </a:avLst>
-            </a:prstGeom>
-            <a:solidFill>
-              <a:srgbClr val="7FC3B6"/>
-            </a:solidFill>
-          </p:spPr>
-          <p:txBody>
-            <a:bodyPr wrap="square" lIns="0" tIns="0" rIns="0" bIns="0" rtlCol="0" anchor="ctr" anchorCtr="0">
-              <a:spAutoFit/>
-            </a:bodyPr>
-            <a:lstStyle/>
-            <a:p>
-              <a:pPr algn="ctr" latinLnBrk="0"/>
-              <a:endParaRPr lang="en-US" sz="1400" spc="-60" dirty="0">
-                <a:solidFill>
-                  <a:schemeClr val="tx1">
-                    <a:lumMod val="65000"/>
-                    <a:lumOff val="35000"/>
-                  </a:schemeClr>
-                </a:solidFill>
-                <a:latin typeface="+mn-ea"/>
-              </a:endParaRPr>
-            </a:p>
-          </p:txBody>
-        </p:sp>
-        <p:sp>
-          <p:nvSpPr>
-            <p:cNvPr id="20" name="TextBox 19">
-              <a:extLst>
-                <a:ext uri="{FF2B5EF4-FFF2-40B4-BE49-F238E27FC236}">
-                  <a16:creationId xmlns:a16="http://schemas.microsoft.com/office/drawing/2014/main" id="{21068BB7-007C-4B86-BDA8-7B8C7E6A8678}"/>
-                </a:ext>
-              </a:extLst>
-            </p:cNvPr>
-            <p:cNvSpPr txBox="1"/>
-            <p:nvPr/>
-          </p:nvSpPr>
-          <p:spPr>
-            <a:xfrm>
-              <a:off x="343664" y="4007485"/>
-              <a:ext cx="667885" cy="523220"/>
-            </a:xfrm>
-            <a:prstGeom prst="rect">
-              <a:avLst/>
-            </a:prstGeom>
-            <a:noFill/>
-          </p:spPr>
-          <p:txBody>
-            <a:bodyPr vert="horz" wrap="square" rtlCol="0">
-              <a:spAutoFit/>
-            </a:bodyPr>
-            <a:lstStyle/>
-            <a:p>
-              <a:pPr algn="ctr"/>
-              <a:r>
-                <a:rPr lang="en-US" altLang="ko-KR" sz="2800" b="1" spc="-70" dirty="0">
-                  <a:solidFill>
-                    <a:schemeClr val="bg1"/>
-                  </a:solidFill>
-                  <a:latin typeface="맑은 고딕" panose="020B0503020000020004" pitchFamily="50" charset="-127"/>
-                  <a:cs typeface="함초롬돋움" panose="02030504000101010101" pitchFamily="18" charset="-127"/>
-                </a:rPr>
-                <a:t>03</a:t>
-              </a:r>
-              <a:endParaRPr lang="ko-KR" altLang="en-US" sz="2800" b="1" spc="-70" dirty="0">
-                <a:solidFill>
-                  <a:schemeClr val="bg1"/>
-                </a:solidFill>
-                <a:latin typeface="맑은 고딕" panose="020B0503020000020004" pitchFamily="50" charset="-127"/>
-                <a:cs typeface="함초롬돋움" panose="02030504000101010101" pitchFamily="18" charset="-127"/>
-              </a:endParaRPr>
-            </a:p>
-          </p:txBody>
-        </p:sp>
-      </p:grpSp>
-      <p:grpSp>
-        <p:nvGrpSpPr>
-          <p:cNvPr id="6" name="그룹 5">
-            <a:extLst>
-              <a:ext uri="{FF2B5EF4-FFF2-40B4-BE49-F238E27FC236}">
-                <a16:creationId xmlns:a16="http://schemas.microsoft.com/office/drawing/2014/main" id="{7718D5C2-935B-44F2-B168-E77230AC6D6C}"/>
-              </a:ext>
-            </a:extLst>
-          </p:cNvPr>
-          <p:cNvGrpSpPr/>
-          <p:nvPr/>
-        </p:nvGrpSpPr>
-        <p:grpSpPr>
-          <a:xfrm>
-            <a:off x="759917" y="4696348"/>
-            <a:ext cx="756020" cy="745239"/>
-            <a:chOff x="343620" y="4738615"/>
-            <a:chExt cx="832440" cy="820569"/>
-          </a:xfrm>
-        </p:grpSpPr>
-        <p:sp>
-          <p:nvSpPr>
-            <p:cNvPr id="35" name="화살표: 오각형 34">
-              <a:extLst>
-                <a:ext uri="{FF2B5EF4-FFF2-40B4-BE49-F238E27FC236}">
-                  <a16:creationId xmlns:a16="http://schemas.microsoft.com/office/drawing/2014/main" id="{C79CF80A-F6E3-48C9-8442-1B045BA84D31}"/>
-                </a:ext>
-              </a:extLst>
-            </p:cNvPr>
-            <p:cNvSpPr/>
-            <p:nvPr/>
-          </p:nvSpPr>
-          <p:spPr>
-            <a:xfrm>
-              <a:off x="343620" y="4738615"/>
-              <a:ext cx="832440" cy="820569"/>
-            </a:xfrm>
-            <a:prstGeom prst="homePlate">
-              <a:avLst>
-                <a:gd name="adj" fmla="val 33100"/>
-              </a:avLst>
-            </a:prstGeom>
-            <a:solidFill>
-              <a:schemeClr val="tx1">
-                <a:lumMod val="50000"/>
-                <a:lumOff val="50000"/>
-              </a:schemeClr>
-            </a:solidFill>
-          </p:spPr>
-          <p:txBody>
-            <a:bodyPr wrap="square" lIns="0" tIns="0" rIns="0" bIns="0" rtlCol="0" anchor="ctr" anchorCtr="0">
-              <a:spAutoFit/>
-            </a:bodyPr>
-            <a:lstStyle/>
-            <a:p>
-              <a:pPr algn="ctr" latinLnBrk="0"/>
-              <a:endParaRPr lang="en-US" sz="1400" spc="-60" dirty="0">
-                <a:solidFill>
-                  <a:schemeClr val="tx1">
-                    <a:lumMod val="65000"/>
-                    <a:lumOff val="35000"/>
-                  </a:schemeClr>
-                </a:solidFill>
-                <a:latin typeface="+mn-ea"/>
-              </a:endParaRPr>
-            </a:p>
-          </p:txBody>
-        </p:sp>
-        <p:sp>
-          <p:nvSpPr>
-            <p:cNvPr id="21" name="TextBox 20">
-              <a:extLst>
-                <a:ext uri="{FF2B5EF4-FFF2-40B4-BE49-F238E27FC236}">
-                  <a16:creationId xmlns:a16="http://schemas.microsoft.com/office/drawing/2014/main" id="{5C066DDA-6190-4C07-959C-1879136F1371}"/>
-                </a:ext>
-              </a:extLst>
-            </p:cNvPr>
-            <p:cNvSpPr txBox="1"/>
-            <p:nvPr/>
-          </p:nvSpPr>
-          <p:spPr>
-            <a:xfrm>
-              <a:off x="343664" y="4887289"/>
-              <a:ext cx="667885" cy="523220"/>
-            </a:xfrm>
-            <a:prstGeom prst="rect">
-              <a:avLst/>
-            </a:prstGeom>
-            <a:noFill/>
-          </p:spPr>
-          <p:txBody>
-            <a:bodyPr vert="horz" wrap="square" rtlCol="0">
-              <a:spAutoFit/>
-            </a:bodyPr>
-            <a:lstStyle/>
-            <a:p>
-              <a:pPr algn="ctr"/>
-              <a:r>
-                <a:rPr lang="en-US" altLang="ko-KR" sz="2800" b="1" spc="-70" dirty="0">
-                  <a:solidFill>
-                    <a:schemeClr val="bg1"/>
-                  </a:solidFill>
-                  <a:latin typeface="맑은 고딕" panose="020B0503020000020004" pitchFamily="50" charset="-127"/>
-                  <a:cs typeface="함초롬돋움" panose="02030504000101010101" pitchFamily="18" charset="-127"/>
-                </a:rPr>
-                <a:t>04</a:t>
-              </a:r>
-              <a:endParaRPr lang="ko-KR" altLang="en-US" sz="2800" b="1" spc="-70" dirty="0">
-                <a:solidFill>
-                  <a:schemeClr val="bg1"/>
-                </a:solidFill>
-                <a:latin typeface="맑은 고딕" panose="020B0503020000020004" pitchFamily="50" charset="-127"/>
-                <a:cs typeface="함초롬돋움" panose="02030504000101010101" pitchFamily="18" charset="-127"/>
-              </a:endParaRPr>
-            </a:p>
-          </p:txBody>
-        </p:sp>
-      </p:grpSp>
-      <p:grpSp>
-        <p:nvGrpSpPr>
-          <p:cNvPr id="4" name="그룹 3">
-            <a:extLst>
-              <a:ext uri="{FF2B5EF4-FFF2-40B4-BE49-F238E27FC236}">
-                <a16:creationId xmlns:a16="http://schemas.microsoft.com/office/drawing/2014/main" id="{26A0DA01-2FC7-4ED0-A3C5-3E38FD96A3C8}"/>
-              </a:ext>
-            </a:extLst>
-          </p:cNvPr>
-          <p:cNvGrpSpPr/>
-          <p:nvPr/>
-        </p:nvGrpSpPr>
-        <p:grpSpPr>
-          <a:xfrm>
-            <a:off x="756218" y="5489556"/>
-            <a:ext cx="763419" cy="745239"/>
-            <a:chOff x="343663" y="5602038"/>
-            <a:chExt cx="840586" cy="820569"/>
-          </a:xfrm>
-        </p:grpSpPr>
-        <p:sp>
-          <p:nvSpPr>
-            <p:cNvPr id="37" name="화살표: 오각형 36">
-              <a:extLst>
-                <a:ext uri="{FF2B5EF4-FFF2-40B4-BE49-F238E27FC236}">
-                  <a16:creationId xmlns:a16="http://schemas.microsoft.com/office/drawing/2014/main" id="{25443A82-8B67-4699-BFC8-041105AF2E42}"/>
+                  <a16:creationId xmlns:a16="http://schemas.microsoft.com/office/drawing/2014/main" id="{30C0DAA8-A02E-45BE-95F8-81CB5AAC1E9B}"/>
                 </a:ext>
               </a:extLst>
             </p:cNvPr>
@@ -7935,10 +7353,10 @@
         </p:sp>
         <p:sp>
           <p:nvSpPr>
-            <p:cNvPr id="22" name="TextBox 21">
+            <p:cNvPr id="52" name="TextBox 51">
               <a:extLst>
                 <a:ext uri="{FF2B5EF4-FFF2-40B4-BE49-F238E27FC236}">
-                  <a16:creationId xmlns:a16="http://schemas.microsoft.com/office/drawing/2014/main" id="{B9EBF4D8-1B9F-409A-977E-92D37AE4C97E}"/>
+                  <a16:creationId xmlns:a16="http://schemas.microsoft.com/office/drawing/2014/main" id="{DC5B7FFB-2DEB-4F9C-8299-AE29C6B1B53D}"/>
                 </a:ext>
               </a:extLst>
             </p:cNvPr>
@@ -7947,8 +7365,8 @@
           </p:nvSpPr>
           <p:spPr>
             <a:xfrm>
-              <a:off x="343663" y="5750712"/>
-              <a:ext cx="667885" cy="523220"/>
+              <a:off x="351808" y="5547560"/>
+              <a:ext cx="667885" cy="576108"/>
             </a:xfrm>
             <a:prstGeom prst="rect">
               <a:avLst/>
@@ -7970,86 +7388,40 @@
                   <a:latin typeface="맑은 고딕" panose="020B0503020000020004" pitchFamily="50" charset="-127"/>
                   <a:cs typeface="함초롬돋움" panose="02030504000101010101" pitchFamily="18" charset="-127"/>
                 </a:rPr>
-                <a:t>05</a:t>
+                <a:t>6</a:t>
               </a:r>
-              <a:endParaRPr lang="ko-KR" altLang="en-US" sz="2800" b="1" spc="-70" dirty="0">
-                <a:solidFill>
-                  <a:schemeClr val="bg1"/>
-                </a:solidFill>
-                <a:latin typeface="맑은 고딕" panose="020B0503020000020004" pitchFamily="50" charset="-127"/>
-                <a:cs typeface="함초롬돋움" panose="02030504000101010101" pitchFamily="18" charset="-127"/>
-              </a:endParaRPr>
+              <a:r>
+                <a:rPr lang="ko-KR" altLang="en-US" sz="2800" b="1" spc="-70" dirty="0">
+                  <a:solidFill>
+                    <a:schemeClr val="bg1"/>
+                  </a:solidFill>
+                  <a:latin typeface="맑은 고딕" panose="020B0503020000020004" pitchFamily="50" charset="-127"/>
+                  <a:cs typeface="함초롬돋움" panose="02030504000101010101" pitchFamily="18" charset="-127"/>
+                </a:rPr>
+                <a:t>주</a:t>
+              </a:r>
             </a:p>
           </p:txBody>
         </p:sp>
       </p:grpSp>
-      <p:sp>
-        <p:nvSpPr>
-          <p:cNvPr id="11" name="TextBox 10">
+      <p:cxnSp>
+        <p:nvCxnSpPr>
+          <p:cNvPr id="53" name="직선 연결선 52">
             <a:extLst>
               <a:ext uri="{FF2B5EF4-FFF2-40B4-BE49-F238E27FC236}">
-                <a16:creationId xmlns:a16="http://schemas.microsoft.com/office/drawing/2014/main" id="{746ADA5B-FD22-468A-9ECA-977F8E68373C}"/>
+                <a16:creationId xmlns:a16="http://schemas.microsoft.com/office/drawing/2014/main" id="{6222641C-05B8-40A1-87B2-AD094BB89672}"/>
               </a:ext>
             </a:extLst>
           </p:cNvPr>
-          <p:cNvSpPr txBox="1"/>
-          <p:nvPr/>
-        </p:nvSpPr>
-        <p:spPr>
-          <a:xfrm>
-            <a:off x="1532122" y="2458510"/>
-            <a:ext cx="6994584" cy="461665"/>
-          </a:xfrm>
-          <a:prstGeom prst="rect">
-            <a:avLst/>
-          </a:prstGeom>
-          <a:noFill/>
-        </p:spPr>
-        <p:txBody>
-          <a:bodyPr vert="horz" wrap="square" rtlCol="0">
-            <a:spAutoFit/>
-          </a:bodyPr>
-          <a:lstStyle/>
-          <a:p>
-            <a:r>
-              <a:rPr lang="en-US" altLang="ko-KR" sz="1200" b="1" spc="-70">
-                <a:latin typeface="맑은 고딕" panose="020B0503020000020004" pitchFamily="50" charset="-127"/>
-                <a:cs typeface="함초롬돋움" panose="02030504000101010101" pitchFamily="18" charset="-127"/>
-              </a:rPr>
-              <a:t>Detailed Contents</a:t>
-            </a:r>
-          </a:p>
-          <a:p>
-            <a:r>
-              <a:rPr lang="en-US" altLang="ko-KR" sz="1200" spc="-70">
-                <a:latin typeface="맑은 고딕" panose="020B0503020000020004" pitchFamily="50" charset="-127"/>
-                <a:cs typeface="함초롬돋움" panose="02030504000101010101" pitchFamily="18" charset="-127"/>
-              </a:rPr>
-              <a:t>Ex, Examples, Definfition, Process, Explanation, etc</a:t>
-            </a:r>
-            <a:endParaRPr lang="ko-KR" altLang="en-US" sz="1200" spc="-70" dirty="0">
-              <a:latin typeface="맑은 고딕" panose="020B0503020000020004" pitchFamily="50" charset="-127"/>
-              <a:cs typeface="함초롬돋움" panose="02030504000101010101" pitchFamily="18" charset="-127"/>
-            </a:endParaRPr>
-          </a:p>
-        </p:txBody>
-      </p:sp>
-      <p:cxnSp>
-        <p:nvCxnSpPr>
-          <p:cNvPr id="23" name="직선 연결선 22">
-            <a:extLst>
-              <a:ext uri="{FF2B5EF4-FFF2-40B4-BE49-F238E27FC236}">
-                <a16:creationId xmlns:a16="http://schemas.microsoft.com/office/drawing/2014/main" id="{909A8459-5E1D-4765-AB28-561DF55C5D78}"/>
-              </a:ext>
-            </a:extLst>
-          </p:cNvPr>
-          <p:cNvCxnSpPr/>
+          <p:cNvCxnSpPr>
+            <a:cxnSpLocks/>
+          </p:cNvCxnSpPr>
           <p:nvPr/>
         </p:nvCxnSpPr>
         <p:spPr>
           <a:xfrm>
-            <a:off x="1573154" y="3085954"/>
-            <a:ext cx="6953553" cy="0"/>
+            <a:off x="1184111" y="5642470"/>
+            <a:ext cx="7636361" cy="0"/>
           </a:xfrm>
           <a:prstGeom prst="line">
             <a:avLst/>
@@ -8080,108 +7452,22 @@
       </p:cxnSp>
       <p:cxnSp>
         <p:nvCxnSpPr>
-          <p:cNvPr id="24" name="직선 연결선 23">
+          <p:cNvPr id="58" name="직선 연결선 57">
             <a:extLst>
               <a:ext uri="{FF2B5EF4-FFF2-40B4-BE49-F238E27FC236}">
-                <a16:creationId xmlns:a16="http://schemas.microsoft.com/office/drawing/2014/main" id="{03D1D08C-F6CF-4383-B862-06A86DF06066}"/>
+                <a16:creationId xmlns:a16="http://schemas.microsoft.com/office/drawing/2014/main" id="{90C1DBA2-19FF-42D6-874F-3E68B20F0E2C}"/>
               </a:ext>
             </a:extLst>
           </p:cNvPr>
-          <p:cNvCxnSpPr/>
+          <p:cNvCxnSpPr>
+            <a:cxnSpLocks/>
+          </p:cNvCxnSpPr>
           <p:nvPr/>
         </p:nvCxnSpPr>
         <p:spPr>
           <a:xfrm>
-            <a:off x="1573154" y="3828637"/>
-            <a:ext cx="6953553" cy="0"/>
-          </a:xfrm>
-          <a:prstGeom prst="line">
-            <a:avLst/>
-          </a:prstGeom>
-          <a:ln>
-            <a:solidFill>
-              <a:schemeClr val="bg1">
-                <a:lumMod val="65000"/>
-              </a:schemeClr>
-            </a:solidFill>
-            <a:prstDash val="dash"/>
-          </a:ln>
-        </p:spPr>
-        <p:style>
-          <a:lnRef idx="1">
-            <a:schemeClr val="accent1"/>
-          </a:lnRef>
-          <a:fillRef idx="0">
-            <a:schemeClr val="accent1"/>
-          </a:fillRef>
-          <a:effectRef idx="0">
-            <a:schemeClr val="accent1"/>
-          </a:effectRef>
-          <a:fontRef idx="minor">
-            <a:schemeClr val="tx1"/>
-          </a:fontRef>
-        </p:style>
-      </p:cxnSp>
-      <p:cxnSp>
-        <p:nvCxnSpPr>
-          <p:cNvPr id="25" name="직선 연결선 24">
-            <a:extLst>
-              <a:ext uri="{FF2B5EF4-FFF2-40B4-BE49-F238E27FC236}">
-                <a16:creationId xmlns:a16="http://schemas.microsoft.com/office/drawing/2014/main" id="{4ECB52CB-44F5-4774-A12D-CED6322D25F0}"/>
-              </a:ext>
-            </a:extLst>
-          </p:cNvPr>
-          <p:cNvCxnSpPr/>
-          <p:nvPr/>
-        </p:nvCxnSpPr>
-        <p:spPr>
-          <a:xfrm>
-            <a:off x="1573154" y="4667905"/>
-            <a:ext cx="6953553" cy="0"/>
-          </a:xfrm>
-          <a:prstGeom prst="line">
-            <a:avLst/>
-          </a:prstGeom>
-          <a:ln>
-            <a:solidFill>
-              <a:schemeClr val="bg1">
-                <a:lumMod val="65000"/>
-              </a:schemeClr>
-            </a:solidFill>
-            <a:prstDash val="dash"/>
-          </a:ln>
-        </p:spPr>
-        <p:style>
-          <a:lnRef idx="1">
-            <a:schemeClr val="accent1"/>
-          </a:lnRef>
-          <a:fillRef idx="0">
-            <a:schemeClr val="accent1"/>
-          </a:fillRef>
-          <a:effectRef idx="0">
-            <a:schemeClr val="accent1"/>
-          </a:effectRef>
-          <a:fontRef idx="minor">
-            <a:schemeClr val="tx1"/>
-          </a:fontRef>
-        </p:style>
-      </p:cxnSp>
-      <p:cxnSp>
-        <p:nvCxnSpPr>
-          <p:cNvPr id="26" name="직선 연결선 25">
-            <a:extLst>
-              <a:ext uri="{FF2B5EF4-FFF2-40B4-BE49-F238E27FC236}">
-                <a16:creationId xmlns:a16="http://schemas.microsoft.com/office/drawing/2014/main" id="{2BBAB123-B6D4-4D4F-9DD3-36CC836EE499}"/>
-              </a:ext>
-            </a:extLst>
-          </p:cNvPr>
-          <p:cNvCxnSpPr/>
-          <p:nvPr/>
-        </p:nvCxnSpPr>
-        <p:spPr>
-          <a:xfrm>
-            <a:off x="1573154" y="5450857"/>
-            <a:ext cx="6953553" cy="0"/>
+            <a:off x="1184111" y="6446416"/>
+            <a:ext cx="7636361" cy="20008"/>
           </a:xfrm>
           <a:prstGeom prst="line">
             <a:avLst/>
@@ -8212,10 +7498,10 @@
       </p:cxnSp>
       <p:sp>
         <p:nvSpPr>
-          <p:cNvPr id="27" name="TextBox 26">
+          <p:cNvPr id="5" name="TextBox 4">
             <a:extLst>
               <a:ext uri="{FF2B5EF4-FFF2-40B4-BE49-F238E27FC236}">
-                <a16:creationId xmlns:a16="http://schemas.microsoft.com/office/drawing/2014/main" id="{E4209703-A6C9-4B29-BC6E-12ED933E4CC5}"/>
+                <a16:creationId xmlns:a16="http://schemas.microsoft.com/office/drawing/2014/main" id="{1C8A0D3F-1FAB-4031-AE56-D1EE1DB4035D}"/>
               </a:ext>
             </a:extLst>
           </p:cNvPr>
@@ -8224,52 +7510,66 @@
         </p:nvSpPr>
         <p:spPr>
           <a:xfrm>
-            <a:off x="1573154" y="3251718"/>
-            <a:ext cx="6994584" cy="461665"/>
+            <a:off x="453315" y="2208238"/>
+            <a:ext cx="1021390" cy="230832"/>
           </a:xfrm>
           <a:prstGeom prst="rect">
             <a:avLst/>
           </a:prstGeom>
           <a:noFill/>
+          <a:ln w="3175">
+            <a:noFill/>
+          </a:ln>
+          <a:effectLst/>
         </p:spPr>
         <p:txBody>
-          <a:bodyPr vert="horz" wrap="square" rtlCol="0">
+          <a:bodyPr wrap="square" lIns="0" tIns="0" rIns="0" bIns="0" rtlCol="0">
             <a:spAutoFit/>
           </a:bodyPr>
           <a:lstStyle/>
           <a:p>
-            <a:r>
-              <a:rPr lang="en-US" altLang="ko-KR" sz="1200" b="1" spc="-70">
-                <a:latin typeface="맑은 고딕" panose="020B0503020000020004" pitchFamily="50" charset="-127"/>
-                <a:ea typeface="맑은 고딕" panose="020B0503020000020004" pitchFamily="50" charset="-127"/>
-                <a:cs typeface="함초롬돋움" panose="02030504000101010101" pitchFamily="18" charset="-127"/>
-              </a:rPr>
-              <a:t>Detailed Contents</a:t>
-            </a:r>
-          </a:p>
-          <a:p>
-            <a:r>
-              <a:rPr lang="en-US" altLang="ko-KR" sz="1200" spc="-70">
-                <a:latin typeface="맑은 고딕" panose="020B0503020000020004" pitchFamily="50" charset="-127"/>
-                <a:ea typeface="맑은 고딕" panose="020B0503020000020004" pitchFamily="50" charset="-127"/>
-                <a:cs typeface="함초롬돋움" panose="02030504000101010101" pitchFamily="18" charset="-127"/>
-              </a:rPr>
-              <a:t>Ex, Examples, Definfition, Process, Explanation, etc</a:t>
-            </a:r>
-            <a:endParaRPr lang="ko-KR" altLang="en-US" sz="1200" spc="-70" dirty="0">
-              <a:latin typeface="맑은 고딕" panose="020B0503020000020004" pitchFamily="50" charset="-127"/>
-              <a:ea typeface="맑은 고딕" panose="020B0503020000020004" pitchFamily="50" charset="-127"/>
-              <a:cs typeface="함초롬돋움" panose="02030504000101010101" pitchFamily="18" charset="-127"/>
+            <a:pPr defTabSz="975022" latinLnBrk="0">
+              <a:spcBef>
+                <a:spcPts val="500"/>
+              </a:spcBef>
+              <a:buClr>
+                <a:schemeClr val="tx1">
+                  <a:lumMod val="65000"/>
+                  <a:lumOff val="35000"/>
+                </a:schemeClr>
+              </a:buClr>
+              <a:buSzPct val="60000"/>
+            </a:pPr>
+            <a:r>
+              <a:rPr lang="en-US" altLang="ko-KR" sz="1500" b="1" spc="-60" dirty="0">
+                <a:solidFill>
+                  <a:schemeClr val="tx1">
+                    <a:lumMod val="65000"/>
+                    <a:lumOff val="35000"/>
+                  </a:schemeClr>
+                </a:solidFill>
+                <a:latin typeface="+mn-ea"/>
+              </a:rPr>
+              <a:t>5.13~5.17</a:t>
+            </a:r>
+            <a:endParaRPr lang="ko-KR" altLang="en-US" sz="1500" b="1" spc="-60" dirty="0">
+              <a:solidFill>
+                <a:schemeClr val="tx1">
+                  <a:lumMod val="65000"/>
+                  <a:lumOff val="35000"/>
+                </a:schemeClr>
+              </a:solidFill>
+              <a:latin typeface="+mn-ea"/>
             </a:endParaRPr>
           </a:p>
         </p:txBody>
       </p:sp>
       <p:sp>
         <p:nvSpPr>
-          <p:cNvPr id="28" name="TextBox 27">
+          <p:cNvPr id="65" name="TextBox 64">
             <a:extLst>
               <a:ext uri="{FF2B5EF4-FFF2-40B4-BE49-F238E27FC236}">
-                <a16:creationId xmlns:a16="http://schemas.microsoft.com/office/drawing/2014/main" id="{85FD267C-B81C-4F86-A205-5EBB77050206}"/>
+                <a16:creationId xmlns:a16="http://schemas.microsoft.com/office/drawing/2014/main" id="{7657A88F-D8FB-48A4-9AA2-98F2ED3C4A3E}"/>
               </a:ext>
             </a:extLst>
           </p:cNvPr>
@@ -8278,49 +7578,66 @@
         </p:nvSpPr>
         <p:spPr>
           <a:xfrm>
-            <a:off x="1573154" y="4044927"/>
-            <a:ext cx="6994584" cy="461665"/>
+            <a:off x="451292" y="3006840"/>
+            <a:ext cx="1021390" cy="230832"/>
           </a:xfrm>
           <a:prstGeom prst="rect">
             <a:avLst/>
           </a:prstGeom>
           <a:noFill/>
+          <a:ln w="3175">
+            <a:noFill/>
+          </a:ln>
+          <a:effectLst/>
         </p:spPr>
         <p:txBody>
-          <a:bodyPr vert="horz" wrap="square" rtlCol="0">
+          <a:bodyPr wrap="square" lIns="0" tIns="0" rIns="0" bIns="0" rtlCol="0">
             <a:spAutoFit/>
           </a:bodyPr>
           <a:lstStyle/>
           <a:p>
-            <a:r>
-              <a:rPr lang="en-US" altLang="ko-KR" sz="1200" b="1" spc="-70">
-                <a:latin typeface="맑은 고딕" panose="020B0503020000020004" pitchFamily="50" charset="-127"/>
-                <a:cs typeface="함초롬돋움" panose="02030504000101010101" pitchFamily="18" charset="-127"/>
-              </a:rPr>
-              <a:t>Detailed Contents</a:t>
-            </a:r>
-          </a:p>
-          <a:p>
-            <a:r>
-              <a:rPr lang="en-US" altLang="ko-KR" sz="1200" spc="-70">
-                <a:latin typeface="맑은 고딕" panose="020B0503020000020004" pitchFamily="50" charset="-127"/>
-                <a:cs typeface="함초롬돋움" panose="02030504000101010101" pitchFamily="18" charset="-127"/>
-              </a:rPr>
-              <a:t>Ex, Examples, Definfition, Process, Explanation, etc</a:t>
-            </a:r>
-            <a:endParaRPr lang="ko-KR" altLang="en-US" sz="1200" spc="-70" dirty="0">
-              <a:latin typeface="맑은 고딕" panose="020B0503020000020004" pitchFamily="50" charset="-127"/>
-              <a:cs typeface="함초롬돋움" panose="02030504000101010101" pitchFamily="18" charset="-127"/>
+            <a:pPr defTabSz="975022" latinLnBrk="0">
+              <a:spcBef>
+                <a:spcPts val="500"/>
+              </a:spcBef>
+              <a:buClr>
+                <a:schemeClr val="tx1">
+                  <a:lumMod val="65000"/>
+                  <a:lumOff val="35000"/>
+                </a:schemeClr>
+              </a:buClr>
+              <a:buSzPct val="60000"/>
+            </a:pPr>
+            <a:r>
+              <a:rPr lang="en-US" altLang="ko-KR" sz="1500" b="1" spc="-60" dirty="0">
+                <a:solidFill>
+                  <a:schemeClr val="tx1">
+                    <a:lumMod val="65000"/>
+                    <a:lumOff val="35000"/>
+                  </a:schemeClr>
+                </a:solidFill>
+                <a:latin typeface="+mn-ea"/>
+              </a:rPr>
+              <a:t>5.20~5.24</a:t>
+            </a:r>
+            <a:endParaRPr lang="ko-KR" altLang="en-US" sz="1500" b="1" spc="-60" dirty="0">
+              <a:solidFill>
+                <a:schemeClr val="tx1">
+                  <a:lumMod val="65000"/>
+                  <a:lumOff val="35000"/>
+                </a:schemeClr>
+              </a:solidFill>
+              <a:latin typeface="+mn-ea"/>
             </a:endParaRPr>
           </a:p>
         </p:txBody>
       </p:sp>
       <p:sp>
         <p:nvSpPr>
-          <p:cNvPr id="29" name="TextBox 28">
+          <p:cNvPr id="66" name="TextBox 65">
             <a:extLst>
               <a:ext uri="{FF2B5EF4-FFF2-40B4-BE49-F238E27FC236}">
-                <a16:creationId xmlns:a16="http://schemas.microsoft.com/office/drawing/2014/main" id="{F5E21D08-3706-4887-8364-3AA049E6BE4E}"/>
+                <a16:creationId xmlns:a16="http://schemas.microsoft.com/office/drawing/2014/main" id="{2CB1F932-5D35-402E-B323-145A8728DF60}"/>
               </a:ext>
             </a:extLst>
           </p:cNvPr>
@@ -8329,49 +7646,66 @@
         </p:nvSpPr>
         <p:spPr>
           <a:xfrm>
-            <a:off x="1503242" y="4838135"/>
-            <a:ext cx="6994584" cy="461665"/>
+            <a:off x="450470" y="3798988"/>
+            <a:ext cx="1021390" cy="230832"/>
           </a:xfrm>
           <a:prstGeom prst="rect">
             <a:avLst/>
           </a:prstGeom>
           <a:noFill/>
+          <a:ln w="3175">
+            <a:noFill/>
+          </a:ln>
+          <a:effectLst/>
         </p:spPr>
         <p:txBody>
-          <a:bodyPr vert="horz" wrap="square" rtlCol="0">
+          <a:bodyPr wrap="square" lIns="0" tIns="0" rIns="0" bIns="0" rtlCol="0">
             <a:spAutoFit/>
           </a:bodyPr>
           <a:lstStyle/>
           <a:p>
-            <a:r>
-              <a:rPr lang="en-US" altLang="ko-KR" sz="1200" b="1" spc="-70">
-                <a:latin typeface="맑은 고딕" panose="020B0503020000020004" pitchFamily="50" charset="-127"/>
-                <a:cs typeface="함초롬돋움" panose="02030504000101010101" pitchFamily="18" charset="-127"/>
-              </a:rPr>
-              <a:t>Detailed Contents</a:t>
-            </a:r>
-          </a:p>
-          <a:p>
-            <a:r>
-              <a:rPr lang="en-US" altLang="ko-KR" sz="1200" spc="-70">
-                <a:latin typeface="맑은 고딕" panose="020B0503020000020004" pitchFamily="50" charset="-127"/>
-                <a:cs typeface="함초롬돋움" panose="02030504000101010101" pitchFamily="18" charset="-127"/>
-              </a:rPr>
-              <a:t>Ex, Examples, Definfition, Process, Explanation, etc</a:t>
-            </a:r>
-            <a:endParaRPr lang="ko-KR" altLang="en-US" sz="1200" spc="-70" dirty="0">
-              <a:latin typeface="맑은 고딕" panose="020B0503020000020004" pitchFamily="50" charset="-127"/>
-              <a:cs typeface="함초롬돋움" panose="02030504000101010101" pitchFamily="18" charset="-127"/>
+            <a:pPr defTabSz="975022" latinLnBrk="0">
+              <a:spcBef>
+                <a:spcPts val="500"/>
+              </a:spcBef>
+              <a:buClr>
+                <a:schemeClr val="tx1">
+                  <a:lumMod val="65000"/>
+                  <a:lumOff val="35000"/>
+                </a:schemeClr>
+              </a:buClr>
+              <a:buSzPct val="60000"/>
+            </a:pPr>
+            <a:r>
+              <a:rPr lang="en-US" altLang="ko-KR" sz="1500" b="1" spc="-60" dirty="0">
+                <a:solidFill>
+                  <a:schemeClr val="tx1">
+                    <a:lumMod val="65000"/>
+                    <a:lumOff val="35000"/>
+                  </a:schemeClr>
+                </a:solidFill>
+                <a:latin typeface="+mn-ea"/>
+              </a:rPr>
+              <a:t>5.27~5.31</a:t>
+            </a:r>
+            <a:endParaRPr lang="ko-KR" altLang="en-US" sz="1500" b="1" spc="-60" dirty="0">
+              <a:solidFill>
+                <a:schemeClr val="tx1">
+                  <a:lumMod val="65000"/>
+                  <a:lumOff val="35000"/>
+                </a:schemeClr>
+              </a:solidFill>
+              <a:latin typeface="+mn-ea"/>
             </a:endParaRPr>
           </a:p>
         </p:txBody>
       </p:sp>
       <p:sp>
         <p:nvSpPr>
-          <p:cNvPr id="30" name="TextBox 29">
+          <p:cNvPr id="67" name="TextBox 66">
             <a:extLst>
               <a:ext uri="{FF2B5EF4-FFF2-40B4-BE49-F238E27FC236}">
-                <a16:creationId xmlns:a16="http://schemas.microsoft.com/office/drawing/2014/main" id="{B4972626-DF40-46C6-BC20-AB004D547311}"/>
+                <a16:creationId xmlns:a16="http://schemas.microsoft.com/office/drawing/2014/main" id="{01C9A51D-29E2-4AB2-B356-8ABB3F08FACE}"/>
               </a:ext>
             </a:extLst>
           </p:cNvPr>
@@ -8380,384 +7714,221 @@
         </p:nvSpPr>
         <p:spPr>
           <a:xfrm>
-            <a:off x="1503242" y="5631343"/>
-            <a:ext cx="6994584" cy="461665"/>
+            <a:off x="450470" y="4628675"/>
+            <a:ext cx="1021390" cy="230832"/>
           </a:xfrm>
           <a:prstGeom prst="rect">
             <a:avLst/>
           </a:prstGeom>
           <a:noFill/>
+          <a:ln w="3175">
+            <a:noFill/>
+          </a:ln>
+          <a:effectLst/>
         </p:spPr>
         <p:txBody>
-          <a:bodyPr vert="horz" wrap="square" rtlCol="0">
+          <a:bodyPr wrap="square" lIns="0" tIns="0" rIns="0" bIns="0" rtlCol="0">
             <a:spAutoFit/>
           </a:bodyPr>
           <a:lstStyle/>
           <a:p>
-            <a:r>
-              <a:rPr lang="en-US" altLang="ko-KR" sz="1200" b="1" spc="-70">
-                <a:latin typeface="맑은 고딕" panose="020B0503020000020004" pitchFamily="50" charset="-127"/>
-                <a:cs typeface="함초롬돋움" panose="02030504000101010101" pitchFamily="18" charset="-127"/>
-              </a:rPr>
-              <a:t>Detailed Contents</a:t>
-            </a:r>
-          </a:p>
-          <a:p>
-            <a:r>
-              <a:rPr lang="en-US" altLang="ko-KR" sz="1200" spc="-70">
-                <a:latin typeface="맑은 고딕" panose="020B0503020000020004" pitchFamily="50" charset="-127"/>
-                <a:cs typeface="함초롬돋움" panose="02030504000101010101" pitchFamily="18" charset="-127"/>
-              </a:rPr>
-              <a:t>Ex, Examples, Definfition, Process, Explanation, etc</a:t>
-            </a:r>
-            <a:endParaRPr lang="ko-KR" altLang="en-US" sz="1200" spc="-70" dirty="0">
-              <a:latin typeface="맑은 고딕" panose="020B0503020000020004" pitchFamily="50" charset="-127"/>
-              <a:cs typeface="함초롬돋움" panose="02030504000101010101" pitchFamily="18" charset="-127"/>
+            <a:pPr defTabSz="975022" latinLnBrk="0">
+              <a:spcBef>
+                <a:spcPts val="500"/>
+              </a:spcBef>
+              <a:buClr>
+                <a:schemeClr val="tx1">
+                  <a:lumMod val="65000"/>
+                  <a:lumOff val="35000"/>
+                </a:schemeClr>
+              </a:buClr>
+              <a:buSzPct val="60000"/>
+            </a:pPr>
+            <a:r>
+              <a:rPr lang="en-US" altLang="ko-KR" sz="1500" b="1" spc="-60" dirty="0">
+                <a:solidFill>
+                  <a:schemeClr val="tx1">
+                    <a:lumMod val="65000"/>
+                    <a:lumOff val="35000"/>
+                  </a:schemeClr>
+                </a:solidFill>
+                <a:latin typeface="+mn-ea"/>
+              </a:rPr>
+              <a:t>6.3~6.7</a:t>
+            </a:r>
+            <a:endParaRPr lang="ko-KR" altLang="en-US" sz="1500" b="1" spc="-60" dirty="0">
+              <a:solidFill>
+                <a:schemeClr val="tx1">
+                  <a:lumMod val="65000"/>
+                  <a:lumOff val="35000"/>
+                </a:schemeClr>
+              </a:solidFill>
+              <a:latin typeface="+mn-ea"/>
             </a:endParaRPr>
           </a:p>
         </p:txBody>
       </p:sp>
       <p:sp>
         <p:nvSpPr>
-          <p:cNvPr id="33" name="제목 5">
+          <p:cNvPr id="68" name="TextBox 67">
             <a:extLst>
               <a:ext uri="{FF2B5EF4-FFF2-40B4-BE49-F238E27FC236}">
-                <a16:creationId xmlns:a16="http://schemas.microsoft.com/office/drawing/2014/main" id="{85363319-A458-4ADF-B9AE-87A2D565D448}"/>
+                <a16:creationId xmlns:a16="http://schemas.microsoft.com/office/drawing/2014/main" id="{5B052C5F-AD4D-448A-AF43-D381D9990CFF}"/>
               </a:ext>
             </a:extLst>
           </p:cNvPr>
-          <p:cNvSpPr txBox="1">
-            <a:spLocks/>
-          </p:cNvSpPr>
+          <p:cNvSpPr txBox="1"/>
           <p:nvPr/>
         </p:nvSpPr>
         <p:spPr>
           <a:xfrm>
-            <a:off x="333242" y="961146"/>
-            <a:ext cx="7611888" cy="400110"/>
+            <a:off x="459315" y="5410564"/>
+            <a:ext cx="1021390" cy="230832"/>
           </a:xfrm>
           <a:prstGeom prst="rect">
             <a:avLst/>
           </a:prstGeom>
           <a:noFill/>
-          <a:ln w="6350" algn="ctr">
+          <a:ln w="3175">
             <a:noFill/>
-            <a:miter lim="800000"/>
-            <a:headEnd/>
-            <a:tailEnd/>
           </a:ln>
-          <a:extLst>
-            <a:ext uri="{909E8E84-426E-40DD-AFC4-6F175D3DCCD1}">
-              <a14:hiddenFill xmlns:a14="http://schemas.microsoft.com/office/drawing/2010/main">
-                <a:solidFill>
-                  <a:srgbClr val="FFFFFF"/>
-                </a:solidFill>
-              </a14:hiddenFill>
-            </a:ext>
-            <a:ext uri="{91240B29-F687-4F45-9708-019B960494DF}">
-              <a14:hiddenLine xmlns:a14="http://schemas.microsoft.com/office/drawing/2010/main" w="12700" algn="ctr">
-                <a:solidFill>
-                  <a:srgbClr val="000000"/>
-                </a:solidFill>
-                <a:miter lim="800000"/>
-                <a:headEnd/>
-                <a:tailEnd/>
-              </a14:hiddenLine>
-            </a:ext>
-          </a:extLst>
+          <a:effectLst/>
         </p:spPr>
         <p:txBody>
-          <a:bodyPr wrap="square" lIns="0" tIns="0" rIns="0" bIns="0" anchor="t" anchorCtr="0">
-            <a:normAutofit/>
-            <a:scene3d>
-              <a:camera prst="orthographicFront"/>
-              <a:lightRig rig="threePt" dir="t"/>
-            </a:scene3d>
-            <a:sp3d>
-              <a:bevelT w="0" h="0"/>
-              <a:bevelB w="0" h="0"/>
-              <a:extrusionClr>
-                <a:schemeClr val="tx1"/>
-              </a:extrusionClr>
-              <a:contourClr>
-                <a:schemeClr val="tx1"/>
-              </a:contourClr>
-            </a:sp3d>
+          <a:bodyPr wrap="square" lIns="0" tIns="0" rIns="0" bIns="0" rtlCol="0">
+            <a:spAutoFit/>
           </a:bodyPr>
-          <a:lstStyle>
-            <a:lvl1pPr algn="ctr" defTabSz="914229" rtl="0" eaLnBrk="1" latinLnBrk="1" hangingPunct="1">
+          <a:lstStyle/>
+          <a:p>
+            <a:pPr defTabSz="975022" latinLnBrk="0">
               <a:spcBef>
-                <a:spcPct val="0"/>
+                <a:spcPts val="500"/>
               </a:spcBef>
-              <a:buNone/>
-              <a:defRPr sz="4400" kern="1200">
+              <a:buClr>
+                <a:schemeClr val="tx1">
+                  <a:lumMod val="65000"/>
+                  <a:lumOff val="35000"/>
+                </a:schemeClr>
+              </a:buClr>
+              <a:buSzPct val="60000"/>
+            </a:pPr>
+            <a:r>
+              <a:rPr lang="en-US" altLang="ko-KR" sz="1500" b="1" spc="-60" dirty="0">
                 <a:solidFill>
-                  <a:schemeClr val="tx1"/>
+                  <a:schemeClr val="tx1">
+                    <a:lumMod val="65000"/>
+                    <a:lumOff val="35000"/>
+                  </a:schemeClr>
                 </a:solidFill>
-                <a:latin typeface="+mj-lt"/>
-                <a:ea typeface="+mj-ea"/>
-                <a:cs typeface="+mj-cs"/>
-              </a:defRPr>
-            </a:lvl1pPr>
-          </a:lstStyle>
-          <a:p>
-            <a:pPr algn="l"/>
-            <a:r>
-              <a:rPr lang="en-US" altLang="ko-KR" sz="2400">
-                <a:latin typeface="나눔스퀘어 ExtraBold" panose="020B0600000101010101" pitchFamily="50" charset="-127"/>
-                <a:ea typeface="나눔스퀘어 ExtraBold" panose="020B0600000101010101" pitchFamily="50" charset="-127"/>
-              </a:rPr>
-              <a:t>2) Text</a:t>
-            </a:r>
-            <a:endParaRPr lang="ko-KR" altLang="en-US" sz="2400" dirty="0">
-              <a:latin typeface="나눔스퀘어 ExtraBold" panose="020B0600000101010101" pitchFamily="50" charset="-127"/>
-              <a:ea typeface="나눔스퀘어 ExtraBold" panose="020B0600000101010101" pitchFamily="50" charset="-127"/>
+                <a:latin typeface="+mn-ea"/>
+              </a:rPr>
+              <a:t>6.10~6.14</a:t>
+            </a:r>
+            <a:endParaRPr lang="ko-KR" altLang="en-US" sz="1500" b="1" spc="-60" dirty="0">
+              <a:solidFill>
+                <a:schemeClr val="tx1">
+                  <a:lumMod val="65000"/>
+                  <a:lumOff val="35000"/>
+                </a:schemeClr>
+              </a:solidFill>
+              <a:latin typeface="+mn-ea"/>
             </a:endParaRPr>
           </a:p>
         </p:txBody>
       </p:sp>
       <p:sp>
         <p:nvSpPr>
-          <p:cNvPr id="42" name="제목 5">
+          <p:cNvPr id="69" name="TextBox 68">
             <a:extLst>
               <a:ext uri="{FF2B5EF4-FFF2-40B4-BE49-F238E27FC236}">
-                <a16:creationId xmlns:a16="http://schemas.microsoft.com/office/drawing/2014/main" id="{DF139237-5E59-4294-A59A-86FA7308913A}"/>
+                <a16:creationId xmlns:a16="http://schemas.microsoft.com/office/drawing/2014/main" id="{895AD6C2-A6E2-4999-873C-CFCD79F73E72}"/>
               </a:ext>
             </a:extLst>
           </p:cNvPr>
-          <p:cNvSpPr txBox="1">
-            <a:spLocks/>
-          </p:cNvSpPr>
+          <p:cNvSpPr txBox="1"/>
           <p:nvPr/>
         </p:nvSpPr>
         <p:spPr>
           <a:xfrm>
-            <a:off x="341049" y="675546"/>
-            <a:ext cx="3258843" cy="215444"/>
+            <a:off x="448088" y="6152334"/>
+            <a:ext cx="1021390" cy="230832"/>
           </a:xfrm>
           <a:prstGeom prst="rect">
             <a:avLst/>
           </a:prstGeom>
           <a:noFill/>
-          <a:ln w="6350" algn="ctr">
+          <a:ln w="3175">
             <a:noFill/>
-            <a:miter lim="800000"/>
-            <a:headEnd/>
-            <a:tailEnd/>
           </a:ln>
-          <a:extLst>
-            <a:ext uri="{909E8E84-426E-40DD-AFC4-6F175D3DCCD1}">
-              <a14:hiddenFill xmlns:a14="http://schemas.microsoft.com/office/drawing/2010/main">
-                <a:solidFill>
-                  <a:srgbClr val="FFFFFF"/>
-                </a:solidFill>
-              </a14:hiddenFill>
-            </a:ext>
-            <a:ext uri="{91240B29-F687-4F45-9708-019B960494DF}">
-              <a14:hiddenLine xmlns:a14="http://schemas.microsoft.com/office/drawing/2010/main" w="12700" algn="ctr">
-                <a:solidFill>
-                  <a:srgbClr val="000000"/>
-                </a:solidFill>
-                <a:miter lim="800000"/>
-                <a:headEnd/>
-                <a:tailEnd/>
-              </a14:hiddenLine>
-            </a:ext>
-          </a:extLst>
+          <a:effectLst/>
         </p:spPr>
         <p:txBody>
-          <a:bodyPr wrap="square" lIns="0" tIns="0" rIns="0" bIns="0" anchor="t" anchorCtr="0">
+          <a:bodyPr wrap="square" lIns="0" tIns="0" rIns="0" bIns="0" rtlCol="0">
             <a:spAutoFit/>
-            <a:scene3d>
-              <a:camera prst="orthographicFront"/>
-              <a:lightRig rig="threePt" dir="t"/>
-            </a:scene3d>
-            <a:sp3d>
-              <a:bevelT w="0" h="0"/>
-              <a:bevelB w="0" h="0"/>
-              <a:extrusionClr>
-                <a:schemeClr val="tx1"/>
-              </a:extrusionClr>
-              <a:contourClr>
-                <a:schemeClr val="tx1"/>
-              </a:contourClr>
-            </a:sp3d>
           </a:bodyPr>
-          <a:lstStyle>
-            <a:lvl1pPr algn="ctr" defTabSz="914229" rtl="0" eaLnBrk="1" latinLnBrk="1" hangingPunct="1">
+          <a:lstStyle/>
+          <a:p>
+            <a:pPr defTabSz="975022" latinLnBrk="0">
               <a:spcBef>
-                <a:spcPct val="0"/>
+                <a:spcPts val="500"/>
               </a:spcBef>
-              <a:buNone/>
-              <a:defRPr sz="4400" kern="1200">
+              <a:buClr>
+                <a:schemeClr val="tx1">
+                  <a:lumMod val="65000"/>
+                  <a:lumOff val="35000"/>
+                </a:schemeClr>
+              </a:buClr>
+              <a:buSzPct val="60000"/>
+            </a:pPr>
+            <a:r>
+              <a:rPr lang="en-US" altLang="ko-KR" sz="1500" b="1" spc="-60" dirty="0">
                 <a:solidFill>
-                  <a:schemeClr val="tx1"/>
+                  <a:schemeClr val="tx1">
+                    <a:lumMod val="65000"/>
+                    <a:lumOff val="35000"/>
+                  </a:schemeClr>
                 </a:solidFill>
-                <a:latin typeface="+mj-lt"/>
-                <a:ea typeface="+mj-ea"/>
-                <a:cs typeface="+mj-cs"/>
-              </a:defRPr>
-            </a:lvl1pPr>
-          </a:lstStyle>
-          <a:p>
-            <a:pPr algn="l"/>
-            <a:r>
-              <a:rPr lang="en-US" altLang="ko-KR" sz="1400" dirty="0">
-                <a:latin typeface="나눔스퀘어 Light" panose="020B0600000101010101" pitchFamily="50" charset="-127"/>
-                <a:ea typeface="나눔스퀘어 Light" panose="020B0600000101010101" pitchFamily="50" charset="-127"/>
-              </a:rPr>
-              <a:t>PART</a:t>
-            </a:r>
-            <a:r>
-              <a:rPr lang="ko-KR" altLang="en-US" sz="1400" dirty="0">
-                <a:latin typeface="나눔스퀘어 Light" panose="020B0600000101010101" pitchFamily="50" charset="-127"/>
-                <a:ea typeface="나눔스퀘어 Light" panose="020B0600000101010101" pitchFamily="50" charset="-127"/>
-              </a:rPr>
-              <a:t> </a:t>
-            </a:r>
-            <a:r>
-              <a:rPr lang="en-US" altLang="ko-KR" sz="1400" dirty="0">
-                <a:latin typeface="나눔스퀘어 Light" panose="020B0600000101010101" pitchFamily="50" charset="-127"/>
-                <a:ea typeface="나눔스퀘어 Light" panose="020B0600000101010101" pitchFamily="50" charset="-127"/>
-              </a:rPr>
-              <a:t>2 </a:t>
-            </a:r>
-            <a:r>
-              <a:rPr lang="en-US" altLang="ko-KR" sz="1400">
-                <a:latin typeface="나눔스퀘어 Light" panose="020B0600000101010101" pitchFamily="50" charset="-127"/>
-                <a:ea typeface="나눔스퀘어 Light" panose="020B0600000101010101" pitchFamily="50" charset="-127"/>
-              </a:rPr>
-              <a:t>I Title</a:t>
-            </a:r>
-            <a:endParaRPr lang="ko-KR" altLang="en-US" sz="1400" dirty="0">
-              <a:latin typeface="나눔스퀘어 Light" panose="020B0600000101010101" pitchFamily="50" charset="-127"/>
-              <a:ea typeface="나눔스퀘어 Light" panose="020B0600000101010101" pitchFamily="50" charset="-127"/>
-            </a:endParaRPr>
-          </a:p>
-        </p:txBody>
-      </p:sp>
-      <p:sp>
-        <p:nvSpPr>
-          <p:cNvPr id="43" name="제목 5">
-            <a:extLst>
-              <a:ext uri="{FF2B5EF4-FFF2-40B4-BE49-F238E27FC236}">
-                <a16:creationId xmlns:a16="http://schemas.microsoft.com/office/drawing/2014/main" id="{1C6DE697-2A97-4C2C-A415-3BFBE24B33CB}"/>
-              </a:ext>
-            </a:extLst>
-          </p:cNvPr>
-          <p:cNvSpPr txBox="1">
-            <a:spLocks/>
-          </p:cNvSpPr>
-          <p:nvPr/>
-        </p:nvSpPr>
-        <p:spPr>
-          <a:xfrm>
-            <a:off x="611560" y="1808391"/>
-            <a:ext cx="2988331" cy="246221"/>
-          </a:xfrm>
-          <a:prstGeom prst="rect">
-            <a:avLst/>
-          </a:prstGeom>
-          <a:noFill/>
-          <a:ln w="6350" algn="ctr">
-            <a:noFill/>
-            <a:miter lim="800000"/>
-            <a:headEnd/>
-            <a:tailEnd/>
-          </a:ln>
-          <a:extLst>
-            <a:ext uri="{909E8E84-426E-40DD-AFC4-6F175D3DCCD1}">
-              <a14:hiddenFill xmlns:a14="http://schemas.microsoft.com/office/drawing/2010/main">
-                <a:solidFill>
-                  <a:srgbClr val="FFFFFF"/>
-                </a:solidFill>
-              </a14:hiddenFill>
-            </a:ext>
-            <a:ext uri="{91240B29-F687-4F45-9708-019B960494DF}">
-              <a14:hiddenLine xmlns:a14="http://schemas.microsoft.com/office/drawing/2010/main" w="12700" algn="ctr">
-                <a:solidFill>
-                  <a:srgbClr val="000000"/>
-                </a:solidFill>
-                <a:miter lim="800000"/>
-                <a:headEnd/>
-                <a:tailEnd/>
-              </a14:hiddenLine>
-            </a:ext>
-          </a:extLst>
-        </p:spPr>
-        <p:txBody>
-          <a:bodyPr wrap="square" lIns="0" tIns="0" rIns="0" bIns="0" anchor="t" anchorCtr="0">
-            <a:spAutoFit/>
-            <a:scene3d>
-              <a:camera prst="orthographicFront"/>
-              <a:lightRig rig="threePt" dir="t"/>
-            </a:scene3d>
-            <a:sp3d>
-              <a:bevelT w="0" h="0"/>
-              <a:bevelB w="0" h="0"/>
-              <a:extrusionClr>
-                <a:schemeClr val="tx1"/>
-              </a:extrusionClr>
-              <a:contourClr>
-                <a:schemeClr val="tx1"/>
-              </a:contourClr>
-            </a:sp3d>
-          </a:bodyPr>
-          <a:lstStyle>
-            <a:lvl1pPr algn="ctr" defTabSz="914229" rtl="0" eaLnBrk="1" latinLnBrk="1" hangingPunct="1">
-              <a:spcBef>
-                <a:spcPct val="0"/>
-              </a:spcBef>
-              <a:buNone/>
-              <a:defRPr sz="4400" kern="1200">
-                <a:solidFill>
-                  <a:schemeClr val="tx1"/>
-                </a:solidFill>
-                <a:latin typeface="+mj-lt"/>
-                <a:ea typeface="+mj-ea"/>
-                <a:cs typeface="+mj-cs"/>
-              </a:defRPr>
-            </a:lvl1pPr>
-          </a:lstStyle>
-          <a:p>
-            <a:pPr algn="l"/>
-            <a:r>
-              <a:rPr lang="en-US" altLang="ko-KR" sz="1600">
-                <a:latin typeface="나눔스퀘어" panose="020B0600000101010101" pitchFamily="50" charset="-127"/>
-                <a:ea typeface="나눔스퀘어" panose="020B0600000101010101" pitchFamily="50" charset="-127"/>
-              </a:rPr>
-              <a:t>Contents</a:t>
-            </a:r>
-            <a:endParaRPr lang="en-US" altLang="ko-KR" sz="1600" dirty="0">
-              <a:latin typeface="나눔스퀘어" panose="020B0600000101010101" pitchFamily="50" charset="-127"/>
-              <a:ea typeface="나눔스퀘어" panose="020B0600000101010101" pitchFamily="50" charset="-127"/>
+                <a:latin typeface="+mn-ea"/>
+              </a:rPr>
+              <a:t>6.17~6.21</a:t>
+            </a:r>
+            <a:endParaRPr lang="ko-KR" altLang="en-US" sz="1500" b="1" spc="-60" dirty="0">
+              <a:solidFill>
+                <a:schemeClr val="tx1">
+                  <a:lumMod val="65000"/>
+                  <a:lumOff val="35000"/>
+                </a:schemeClr>
+              </a:solidFill>
+              <a:latin typeface="+mn-ea"/>
             </a:endParaRPr>
           </a:p>
         </p:txBody>
       </p:sp>
       <p:cxnSp>
         <p:nvCxnSpPr>
-          <p:cNvPr id="44" name="직선 연결선 43">
+          <p:cNvPr id="79" name="직선 연결선 78">
             <a:extLst>
               <a:ext uri="{FF2B5EF4-FFF2-40B4-BE49-F238E27FC236}">
-                <a16:creationId xmlns:a16="http://schemas.microsoft.com/office/drawing/2014/main" id="{5BB9966C-DA8E-418C-8C43-923A39C17E86}"/>
+                <a16:creationId xmlns:a16="http://schemas.microsoft.com/office/drawing/2014/main" id="{79FE00C4-02F4-469A-B045-931E2011055C}"/>
               </a:ext>
             </a:extLst>
           </p:cNvPr>
-          <p:cNvCxnSpPr/>
+          <p:cNvCxnSpPr>
+            <a:cxnSpLocks/>
+          </p:cNvCxnSpPr>
           <p:nvPr/>
         </p:nvCxnSpPr>
         <p:spPr>
-          <a:xfrm>
-            <a:off x="630365" y="1712748"/>
-            <a:ext cx="251706" cy="0"/>
+          <a:xfrm flipH="1">
+            <a:off x="4487118" y="1606817"/>
+            <a:ext cx="26573" cy="4859607"/>
           </a:xfrm>
           <a:prstGeom prst="line">
             <a:avLst/>
           </a:prstGeom>
           <a:ln w="38100">
             <a:solidFill>
-              <a:srgbClr val="7FC3B6"/>
+              <a:srgbClr val="00898B"/>
             </a:solidFill>
           </a:ln>
         </p:spPr>
@@ -8776,6 +7947,1165 @@
           </a:fontRef>
         </p:style>
       </p:cxnSp>
+      <p:sp>
+        <p:nvSpPr>
+          <p:cNvPr id="73" name="사각형: 둥근 모서리 72">
+            <a:extLst>
+              <a:ext uri="{FF2B5EF4-FFF2-40B4-BE49-F238E27FC236}">
+                <a16:creationId xmlns:a16="http://schemas.microsoft.com/office/drawing/2014/main" id="{377A73DF-0D24-4EE7-AD64-BF1AAA6C9097}"/>
+              </a:ext>
+            </a:extLst>
+          </p:cNvPr>
+          <p:cNvSpPr/>
+          <p:nvPr/>
+        </p:nvSpPr>
+        <p:spPr>
+          <a:xfrm>
+            <a:off x="4503691" y="1164176"/>
+            <a:ext cx="3132348" cy="510778"/>
+          </a:xfrm>
+          <a:prstGeom prst="roundRect">
+            <a:avLst/>
+          </a:prstGeom>
+          <a:solidFill>
+            <a:srgbClr val="7FC3B6"/>
+          </a:solidFill>
+          <a:ln/>
+        </p:spPr>
+        <p:style>
+          <a:lnRef idx="1">
+            <a:schemeClr val="dk1"/>
+          </a:lnRef>
+          <a:fillRef idx="2">
+            <a:schemeClr val="dk1"/>
+          </a:fillRef>
+          <a:effectRef idx="1">
+            <a:schemeClr val="dk1"/>
+          </a:effectRef>
+          <a:fontRef idx="minor">
+            <a:schemeClr val="dk1"/>
+          </a:fontRef>
+        </p:style>
+        <p:txBody>
+          <a:bodyPr wrap="square" lIns="0" tIns="0" rIns="0" bIns="0" rtlCol="0" anchor="ctr" anchorCtr="0">
+            <a:spAutoFit/>
+          </a:bodyPr>
+          <a:lstStyle/>
+          <a:p>
+            <a:pPr algn="ctr" latinLnBrk="0"/>
+            <a:r>
+              <a:rPr lang="ko-KR" altLang="en-US" sz="3000" b="1" spc="-60" dirty="0">
+                <a:solidFill>
+                  <a:schemeClr val="bg1">
+                    <a:lumMod val="95000"/>
+                  </a:schemeClr>
+                </a:solidFill>
+                <a:latin typeface="+mn-ea"/>
+              </a:rPr>
+              <a:t>세부 계획</a:t>
+            </a:r>
+          </a:p>
+        </p:txBody>
+      </p:sp>
+      <p:cxnSp>
+        <p:nvCxnSpPr>
+          <p:cNvPr id="81" name="직선 연결선 80">
+            <a:extLst>
+              <a:ext uri="{FF2B5EF4-FFF2-40B4-BE49-F238E27FC236}">
+                <a16:creationId xmlns:a16="http://schemas.microsoft.com/office/drawing/2014/main" id="{A9CF8426-8D14-4869-B48E-C448A0575BA0}"/>
+              </a:ext>
+            </a:extLst>
+          </p:cNvPr>
+          <p:cNvCxnSpPr>
+            <a:cxnSpLocks/>
+          </p:cNvCxnSpPr>
+          <p:nvPr/>
+        </p:nvCxnSpPr>
+        <p:spPr>
+          <a:xfrm flipH="1">
+            <a:off x="1594405" y="1606817"/>
+            <a:ext cx="26573" cy="4859607"/>
+          </a:xfrm>
+          <a:prstGeom prst="line">
+            <a:avLst/>
+          </a:prstGeom>
+          <a:ln w="38100">
+            <a:solidFill>
+              <a:srgbClr val="00898B"/>
+            </a:solidFill>
+          </a:ln>
+        </p:spPr>
+        <p:style>
+          <a:lnRef idx="1">
+            <a:schemeClr val="accent1"/>
+          </a:lnRef>
+          <a:fillRef idx="0">
+            <a:schemeClr val="accent1"/>
+          </a:fillRef>
+          <a:effectRef idx="0">
+            <a:schemeClr val="accent1"/>
+          </a:effectRef>
+          <a:fontRef idx="minor">
+            <a:schemeClr val="tx1"/>
+          </a:fontRef>
+        </p:style>
+      </p:cxnSp>
+      <p:sp>
+        <p:nvSpPr>
+          <p:cNvPr id="9" name="사각형: 둥근 모서리 8">
+            <a:extLst>
+              <a:ext uri="{FF2B5EF4-FFF2-40B4-BE49-F238E27FC236}">
+                <a16:creationId xmlns:a16="http://schemas.microsoft.com/office/drawing/2014/main" id="{046A3DA4-5CA5-4F9A-99F7-F8F15B3269D8}"/>
+              </a:ext>
+            </a:extLst>
+          </p:cNvPr>
+          <p:cNvSpPr/>
+          <p:nvPr/>
+        </p:nvSpPr>
+        <p:spPr>
+          <a:xfrm>
+            <a:off x="359532" y="1175581"/>
+            <a:ext cx="1257325" cy="510778"/>
+          </a:xfrm>
+          <a:prstGeom prst="roundRect">
+            <a:avLst/>
+          </a:prstGeom>
+          <a:solidFill>
+            <a:srgbClr val="7FC3B6"/>
+          </a:solidFill>
+          <a:ln/>
+        </p:spPr>
+        <p:style>
+          <a:lnRef idx="1">
+            <a:schemeClr val="dk1"/>
+          </a:lnRef>
+          <a:fillRef idx="2">
+            <a:schemeClr val="dk1"/>
+          </a:fillRef>
+          <a:effectRef idx="1">
+            <a:schemeClr val="dk1"/>
+          </a:effectRef>
+          <a:fontRef idx="minor">
+            <a:schemeClr val="dk1"/>
+          </a:fontRef>
+        </p:style>
+        <p:txBody>
+          <a:bodyPr wrap="square" lIns="0" tIns="0" rIns="0" bIns="0" rtlCol="0" anchor="ctr" anchorCtr="0">
+            <a:spAutoFit/>
+          </a:bodyPr>
+          <a:lstStyle/>
+          <a:p>
+            <a:pPr algn="ctr" latinLnBrk="0"/>
+            <a:r>
+              <a:rPr lang="ko-KR" altLang="en-US" sz="3000" b="1" spc="-60" dirty="0">
+                <a:solidFill>
+                  <a:schemeClr val="bg1">
+                    <a:lumMod val="95000"/>
+                  </a:schemeClr>
+                </a:solidFill>
+                <a:latin typeface="+mn-ea"/>
+              </a:rPr>
+              <a:t>주차</a:t>
+            </a:r>
+          </a:p>
+        </p:txBody>
+      </p:sp>
+      <p:sp>
+        <p:nvSpPr>
+          <p:cNvPr id="72" name="사각형: 둥근 모서리 71">
+            <a:extLst>
+              <a:ext uri="{FF2B5EF4-FFF2-40B4-BE49-F238E27FC236}">
+                <a16:creationId xmlns:a16="http://schemas.microsoft.com/office/drawing/2014/main" id="{91138F14-6767-4D1C-9490-12C4364E2259}"/>
+              </a:ext>
+            </a:extLst>
+          </p:cNvPr>
+          <p:cNvSpPr/>
+          <p:nvPr/>
+        </p:nvSpPr>
+        <p:spPr>
+          <a:xfrm>
+            <a:off x="1616857" y="1169775"/>
+            <a:ext cx="2886833" cy="510778"/>
+          </a:xfrm>
+          <a:prstGeom prst="roundRect">
+            <a:avLst/>
+          </a:prstGeom>
+          <a:solidFill>
+            <a:srgbClr val="7FC3B6"/>
+          </a:solidFill>
+          <a:ln/>
+        </p:spPr>
+        <p:style>
+          <a:lnRef idx="1">
+            <a:schemeClr val="dk1"/>
+          </a:lnRef>
+          <a:fillRef idx="2">
+            <a:schemeClr val="dk1"/>
+          </a:fillRef>
+          <a:effectRef idx="1">
+            <a:schemeClr val="dk1"/>
+          </a:effectRef>
+          <a:fontRef idx="minor">
+            <a:schemeClr val="dk1"/>
+          </a:fontRef>
+        </p:style>
+        <p:txBody>
+          <a:bodyPr rot="0" spcFirstLastPara="0" vertOverflow="overflow" horzOverflow="overflow" vert="horz" wrap="square" lIns="0" tIns="0" rIns="0" bIns="0" numCol="1" spcCol="0" rtlCol="0" fromWordArt="0" anchor="ctr" anchorCtr="0" forceAA="0" compatLnSpc="1">
+            <a:prstTxWarp prst="textNoShape">
+              <a:avLst/>
+            </a:prstTxWarp>
+            <a:spAutoFit/>
+          </a:bodyPr>
+          <a:lstStyle/>
+          <a:p>
+            <a:pPr algn="ctr" latinLnBrk="0"/>
+            <a:r>
+              <a:rPr lang="ko-KR" altLang="en-US" sz="3000" b="1" spc="-60" dirty="0">
+                <a:solidFill>
+                  <a:schemeClr val="bg1">
+                    <a:lumMod val="95000"/>
+                  </a:schemeClr>
+                </a:solidFill>
+                <a:latin typeface="+mn-ea"/>
+              </a:rPr>
+              <a:t>계획</a:t>
+            </a:r>
+          </a:p>
+        </p:txBody>
+      </p:sp>
+      <p:sp>
+        <p:nvSpPr>
+          <p:cNvPr id="83" name="TextBox 82">
+            <a:extLst>
+              <a:ext uri="{FF2B5EF4-FFF2-40B4-BE49-F238E27FC236}">
+                <a16:creationId xmlns:a16="http://schemas.microsoft.com/office/drawing/2014/main" id="{394F0237-2F8E-486E-BA37-55446926AFB3}"/>
+              </a:ext>
+            </a:extLst>
+          </p:cNvPr>
+          <p:cNvSpPr txBox="1"/>
+          <p:nvPr/>
+        </p:nvSpPr>
+        <p:spPr>
+          <a:xfrm>
+            <a:off x="1724574" y="2532182"/>
+            <a:ext cx="2746439" cy="646331"/>
+          </a:xfrm>
+          <a:prstGeom prst="rect">
+            <a:avLst/>
+          </a:prstGeom>
+          <a:noFill/>
+        </p:spPr>
+        <p:txBody>
+          <a:bodyPr vert="horz" wrap="square" rtlCol="0">
+            <a:spAutoFit/>
+          </a:bodyPr>
+          <a:lstStyle/>
+          <a:p>
+            <a:pPr algn="ctr"/>
+            <a:r>
+              <a:rPr lang="en-US" altLang="ko-KR" sz="1200" b="1" spc="-70" dirty="0" err="1">
+                <a:latin typeface="맑은 고딕" panose="020B0503020000020004" pitchFamily="50" charset="-127"/>
+                <a:cs typeface="함초롬돋움" panose="02030504000101010101" pitchFamily="18" charset="-127"/>
+              </a:rPr>
+              <a:t>OpenApi</a:t>
+            </a:r>
+            <a:r>
+              <a:rPr lang="ko-KR" altLang="en-US" sz="1200" b="1" spc="-70" dirty="0">
+                <a:latin typeface="맑은 고딕" panose="020B0503020000020004" pitchFamily="50" charset="-127"/>
+                <a:cs typeface="함초롬돋움" panose="02030504000101010101" pitchFamily="18" charset="-127"/>
+              </a:rPr>
+              <a:t> 연동 구현</a:t>
+            </a:r>
+            <a:endParaRPr lang="en-US" altLang="ko-KR" sz="1200" b="1" spc="-70" dirty="0">
+              <a:latin typeface="맑은 고딕" panose="020B0503020000020004" pitchFamily="50" charset="-127"/>
+              <a:cs typeface="함초롬돋움" panose="02030504000101010101" pitchFamily="18" charset="-127"/>
+            </a:endParaRPr>
+          </a:p>
+          <a:p>
+            <a:pPr algn="ctr"/>
+            <a:r>
+              <a:rPr lang="en-US" altLang="ko-KR" sz="1200" spc="-70" dirty="0" err="1">
+                <a:latin typeface="맑은 고딕" panose="020B0503020000020004" pitchFamily="50" charset="-127"/>
+                <a:cs typeface="함초롬돋움" panose="02030504000101010101" pitchFamily="18" charset="-127"/>
+              </a:rPr>
+              <a:t>Tkinter</a:t>
+            </a:r>
+            <a:r>
+              <a:rPr lang="ko-KR" altLang="en-US" sz="1200" spc="-70" dirty="0">
+                <a:latin typeface="맑은 고딕" panose="020B0503020000020004" pitchFamily="50" charset="-127"/>
+                <a:cs typeface="함초롬돋움" panose="02030504000101010101" pitchFamily="18" charset="-127"/>
+              </a:rPr>
+              <a:t> 틀 제작</a:t>
+            </a:r>
+          </a:p>
+          <a:p>
+            <a:pPr algn="ctr"/>
+            <a:endParaRPr lang="ko-KR" altLang="en-US" sz="1200" spc="-70" dirty="0">
+              <a:latin typeface="맑은 고딕" panose="020B0503020000020004" pitchFamily="50" charset="-127"/>
+              <a:cs typeface="함초롬돋움" panose="02030504000101010101" pitchFamily="18" charset="-127"/>
+            </a:endParaRPr>
+          </a:p>
+        </p:txBody>
+      </p:sp>
+      <p:sp>
+        <p:nvSpPr>
+          <p:cNvPr id="84" name="TextBox 83">
+            <a:extLst>
+              <a:ext uri="{FF2B5EF4-FFF2-40B4-BE49-F238E27FC236}">
+                <a16:creationId xmlns:a16="http://schemas.microsoft.com/office/drawing/2014/main" id="{9F73A90F-589F-4DCF-814A-20F75F05A396}"/>
+              </a:ext>
+            </a:extLst>
+          </p:cNvPr>
+          <p:cNvSpPr txBox="1"/>
+          <p:nvPr/>
+        </p:nvSpPr>
+        <p:spPr>
+          <a:xfrm>
+            <a:off x="1725439" y="3304045"/>
+            <a:ext cx="2746439" cy="461665"/>
+          </a:xfrm>
+          <a:prstGeom prst="rect">
+            <a:avLst/>
+          </a:prstGeom>
+          <a:noFill/>
+        </p:spPr>
+        <p:txBody>
+          <a:bodyPr vert="horz" wrap="square" rtlCol="0">
+            <a:spAutoFit/>
+          </a:bodyPr>
+          <a:lstStyle/>
+          <a:p>
+            <a:pPr algn="ctr"/>
+            <a:r>
+              <a:rPr lang="ko-KR" altLang="en-US" sz="1200" b="1" spc="-70" dirty="0">
+                <a:latin typeface="맑은 고딕" panose="020B0503020000020004" pitchFamily="50" charset="-127"/>
+                <a:cs typeface="함초롬돋움" panose="02030504000101010101" pitchFamily="18" charset="-127"/>
+              </a:rPr>
+              <a:t>지역 검색 기능 구현</a:t>
+            </a:r>
+            <a:endParaRPr lang="en-US" altLang="ko-KR" sz="1200" b="1" spc="-70" dirty="0">
+              <a:latin typeface="맑은 고딕" panose="020B0503020000020004" pitchFamily="50" charset="-127"/>
+              <a:cs typeface="함초롬돋움" panose="02030504000101010101" pitchFamily="18" charset="-127"/>
+            </a:endParaRPr>
+          </a:p>
+          <a:p>
+            <a:pPr algn="ctr"/>
+            <a:r>
+              <a:rPr lang="ko-KR" altLang="en-US" sz="1200" b="1" spc="-70" dirty="0">
+                <a:latin typeface="맑은 고딕" panose="020B0503020000020004" pitchFamily="50" charset="-127"/>
+                <a:cs typeface="함초롬돋움" panose="02030504000101010101" pitchFamily="18" charset="-127"/>
+              </a:rPr>
+              <a:t>상세 검색 기능 구현</a:t>
+            </a:r>
+            <a:endParaRPr lang="en-US" altLang="ko-KR" sz="1200" b="1" spc="-70" dirty="0">
+              <a:latin typeface="맑은 고딕" panose="020B0503020000020004" pitchFamily="50" charset="-127"/>
+              <a:cs typeface="함초롬돋움" panose="02030504000101010101" pitchFamily="18" charset="-127"/>
+            </a:endParaRPr>
+          </a:p>
+        </p:txBody>
+      </p:sp>
+      <p:sp>
+        <p:nvSpPr>
+          <p:cNvPr id="85" name="TextBox 84">
+            <a:extLst>
+              <a:ext uri="{FF2B5EF4-FFF2-40B4-BE49-F238E27FC236}">
+                <a16:creationId xmlns:a16="http://schemas.microsoft.com/office/drawing/2014/main" id="{CE1D583B-5AD4-4300-A005-0F950FAD06A9}"/>
+              </a:ext>
+            </a:extLst>
+          </p:cNvPr>
+          <p:cNvSpPr txBox="1"/>
+          <p:nvPr/>
+        </p:nvSpPr>
+        <p:spPr>
+          <a:xfrm>
+            <a:off x="2114023" y="4231101"/>
+            <a:ext cx="1920644" cy="338554"/>
+          </a:xfrm>
+          <a:prstGeom prst="rect">
+            <a:avLst/>
+          </a:prstGeom>
+          <a:noFill/>
+        </p:spPr>
+        <p:txBody>
+          <a:bodyPr vert="horz" wrap="square" rtlCol="0">
+            <a:spAutoFit/>
+          </a:bodyPr>
+          <a:lstStyle/>
+          <a:p>
+            <a:pPr algn="ctr"/>
+            <a:r>
+              <a:rPr lang="ko-KR" altLang="en-US" sz="1600" b="1" spc="-70" dirty="0">
+                <a:latin typeface="맑은 고딕" panose="020B0503020000020004" pitchFamily="50" charset="-127"/>
+                <a:cs typeface="함초롬돋움" panose="02030504000101010101" pitchFamily="18" charset="-127"/>
+              </a:rPr>
+              <a:t>중간 시연 발표</a:t>
+            </a:r>
+            <a:endParaRPr lang="ko-KR" altLang="en-US" sz="1600" spc="-70" dirty="0">
+              <a:latin typeface="맑은 고딕" panose="020B0503020000020004" pitchFamily="50" charset="-127"/>
+              <a:cs typeface="함초롬돋움" panose="02030504000101010101" pitchFamily="18" charset="-127"/>
+            </a:endParaRPr>
+          </a:p>
+        </p:txBody>
+      </p:sp>
+      <p:sp>
+        <p:nvSpPr>
+          <p:cNvPr id="86" name="TextBox 85">
+            <a:extLst>
+              <a:ext uri="{FF2B5EF4-FFF2-40B4-BE49-F238E27FC236}">
+                <a16:creationId xmlns:a16="http://schemas.microsoft.com/office/drawing/2014/main" id="{FA8B04A3-2FB8-4BBE-A7EF-2CDFB1715502}"/>
+              </a:ext>
+            </a:extLst>
+          </p:cNvPr>
+          <p:cNvSpPr txBox="1"/>
+          <p:nvPr/>
+        </p:nvSpPr>
+        <p:spPr>
+          <a:xfrm>
+            <a:off x="1718869" y="4905270"/>
+            <a:ext cx="2746439" cy="461665"/>
+          </a:xfrm>
+          <a:prstGeom prst="rect">
+            <a:avLst/>
+          </a:prstGeom>
+          <a:noFill/>
+        </p:spPr>
+        <p:txBody>
+          <a:bodyPr vert="horz" wrap="square" rtlCol="0">
+            <a:spAutoFit/>
+          </a:bodyPr>
+          <a:lstStyle/>
+          <a:p>
+            <a:pPr algn="ctr"/>
+            <a:r>
+              <a:rPr lang="en-US" altLang="ko-KR" sz="1200" b="1" spc="-70" dirty="0">
+                <a:latin typeface="맑은 고딕" panose="020B0503020000020004" pitchFamily="50" charset="-127"/>
+                <a:cs typeface="함초롬돋움" panose="02030504000101010101" pitchFamily="18" charset="-127"/>
+              </a:rPr>
+              <a:t>Gmail</a:t>
+            </a:r>
+            <a:r>
+              <a:rPr lang="ko-KR" altLang="en-US" sz="1200" b="1" spc="-70" dirty="0">
+                <a:latin typeface="맑은 고딕" panose="020B0503020000020004" pitchFamily="50" charset="-127"/>
+                <a:cs typeface="함초롬돋움" panose="02030504000101010101" pitchFamily="18" charset="-127"/>
+              </a:rPr>
+              <a:t> 연동</a:t>
+            </a:r>
+            <a:endParaRPr lang="en-US" altLang="ko-KR" sz="1200" b="1" spc="-70" dirty="0">
+              <a:latin typeface="맑은 고딕" panose="020B0503020000020004" pitchFamily="50" charset="-127"/>
+              <a:cs typeface="함초롬돋움" panose="02030504000101010101" pitchFamily="18" charset="-127"/>
+            </a:endParaRPr>
+          </a:p>
+          <a:p>
+            <a:pPr algn="ctr"/>
+            <a:r>
+              <a:rPr lang="ko-KR" altLang="en-US" sz="1200" b="1" spc="-70" dirty="0">
+                <a:latin typeface="맑은 고딕" panose="020B0503020000020004" pitchFamily="50" charset="-127"/>
+                <a:cs typeface="함초롬돋움" panose="02030504000101010101" pitchFamily="18" charset="-127"/>
+              </a:rPr>
+              <a:t>지도 연동</a:t>
+            </a:r>
+            <a:endParaRPr lang="ko-KR" altLang="en-US" sz="1200" spc="-70" dirty="0">
+              <a:latin typeface="맑은 고딕" panose="020B0503020000020004" pitchFamily="50" charset="-127"/>
+              <a:cs typeface="함초롬돋움" panose="02030504000101010101" pitchFamily="18" charset="-127"/>
+            </a:endParaRPr>
+          </a:p>
+        </p:txBody>
+      </p:sp>
+      <p:sp>
+        <p:nvSpPr>
+          <p:cNvPr id="87" name="TextBox 86">
+            <a:extLst>
+              <a:ext uri="{FF2B5EF4-FFF2-40B4-BE49-F238E27FC236}">
+                <a16:creationId xmlns:a16="http://schemas.microsoft.com/office/drawing/2014/main" id="{18077A60-4F18-4C49-ABEB-B4FCC67293A3}"/>
+              </a:ext>
+            </a:extLst>
+          </p:cNvPr>
+          <p:cNvSpPr txBox="1"/>
+          <p:nvPr/>
+        </p:nvSpPr>
+        <p:spPr>
+          <a:xfrm>
+            <a:off x="1697206" y="5730623"/>
+            <a:ext cx="2746439" cy="523220"/>
+          </a:xfrm>
+          <a:prstGeom prst="rect">
+            <a:avLst/>
+          </a:prstGeom>
+          <a:noFill/>
+        </p:spPr>
+        <p:txBody>
+          <a:bodyPr vert="horz" wrap="square" rtlCol="0">
+            <a:spAutoFit/>
+          </a:bodyPr>
+          <a:lstStyle/>
+          <a:p>
+            <a:pPr algn="ctr"/>
+            <a:r>
+              <a:rPr lang="ko-KR" altLang="en-US" sz="1600" b="1" spc="-70" dirty="0">
+                <a:latin typeface="맑은 고딕" panose="020B0503020000020004" pitchFamily="50" charset="-127"/>
+                <a:cs typeface="함초롬돋움" panose="02030504000101010101" pitchFamily="18" charset="-127"/>
+              </a:rPr>
+              <a:t>최종 구현 발표</a:t>
+            </a:r>
+            <a:endParaRPr lang="en-US" altLang="ko-KR" sz="1600" b="1" spc="-70" dirty="0">
+              <a:latin typeface="맑은 고딕" panose="020B0503020000020004" pitchFamily="50" charset="-127"/>
+              <a:cs typeface="함초롬돋움" panose="02030504000101010101" pitchFamily="18" charset="-127"/>
+            </a:endParaRPr>
+          </a:p>
+          <a:p>
+            <a:pPr algn="ctr"/>
+            <a:r>
+              <a:rPr lang="ko-KR" altLang="en-US" sz="1200" spc="-70" dirty="0">
+                <a:latin typeface="맑은 고딕" panose="020B0503020000020004" pitchFamily="50" charset="-127"/>
+                <a:cs typeface="함초롬돋움" panose="02030504000101010101" pitchFamily="18" charset="-127"/>
+              </a:rPr>
+              <a:t>배포 파일 작성</a:t>
+            </a:r>
+          </a:p>
+        </p:txBody>
+      </p:sp>
+      <p:sp>
+        <p:nvSpPr>
+          <p:cNvPr id="89" name="TextBox 88">
+            <a:extLst>
+              <a:ext uri="{FF2B5EF4-FFF2-40B4-BE49-F238E27FC236}">
+                <a16:creationId xmlns:a16="http://schemas.microsoft.com/office/drawing/2014/main" id="{63B4A1F7-591E-4824-ACF1-70BBC01F4CF1}"/>
+              </a:ext>
+            </a:extLst>
+          </p:cNvPr>
+          <p:cNvSpPr txBox="1"/>
+          <p:nvPr/>
+        </p:nvSpPr>
+        <p:spPr>
+          <a:xfrm>
+            <a:off x="4645282" y="1786790"/>
+            <a:ext cx="2746439" cy="646331"/>
+          </a:xfrm>
+          <a:prstGeom prst="rect">
+            <a:avLst/>
+          </a:prstGeom>
+          <a:noFill/>
+        </p:spPr>
+        <p:txBody>
+          <a:bodyPr vert="horz" wrap="square" rtlCol="0">
+            <a:spAutoFit/>
+          </a:bodyPr>
+          <a:lstStyle/>
+          <a:p>
+            <a:pPr algn="ctr"/>
+            <a:r>
+              <a:rPr lang="en-US" altLang="ko-KR" sz="1200" b="1" spc="-70" dirty="0" err="1">
+                <a:latin typeface="맑은 고딕" panose="020B0503020000020004" pitchFamily="50" charset="-127"/>
+                <a:cs typeface="함초롬돋움" panose="02030504000101010101" pitchFamily="18" charset="-127"/>
+              </a:rPr>
+              <a:t>Youtube</a:t>
+            </a:r>
+            <a:r>
+              <a:rPr lang="en-US" altLang="ko-KR" sz="1200" b="1" spc="-70" dirty="0">
+                <a:latin typeface="맑은 고딕" panose="020B0503020000020004" pitchFamily="50" charset="-127"/>
+                <a:cs typeface="함초롬돋움" panose="02030504000101010101" pitchFamily="18" charset="-127"/>
+              </a:rPr>
+              <a:t> </a:t>
+            </a:r>
+            <a:r>
+              <a:rPr lang="ko-KR" altLang="en-US" sz="1200" b="1" spc="-70" dirty="0">
+                <a:latin typeface="맑은 고딕" panose="020B0503020000020004" pitchFamily="50" charset="-127"/>
+                <a:cs typeface="함초롬돋움" panose="02030504000101010101" pitchFamily="18" charset="-127"/>
+              </a:rPr>
+              <a:t>기획 발표</a:t>
+            </a:r>
+            <a:endParaRPr lang="en-US" altLang="ko-KR" sz="1200" b="1" spc="-70" dirty="0">
+              <a:latin typeface="맑은 고딕" panose="020B0503020000020004" pitchFamily="50" charset="-127"/>
+              <a:cs typeface="함초롬돋움" panose="02030504000101010101" pitchFamily="18" charset="-127"/>
+            </a:endParaRPr>
+          </a:p>
+          <a:p>
+            <a:pPr algn="ctr"/>
+            <a:r>
+              <a:rPr lang="en-US" altLang="ko-KR" sz="1200" spc="-70" dirty="0">
+                <a:latin typeface="맑은 고딕" panose="020B0503020000020004" pitchFamily="50" charset="-127"/>
+                <a:cs typeface="함초롬돋움" panose="02030504000101010101" pitchFamily="18" charset="-127"/>
+              </a:rPr>
+              <a:t>Xml </a:t>
+            </a:r>
+            <a:r>
+              <a:rPr lang="ko-KR" altLang="en-US" sz="1200" spc="-70" dirty="0">
+                <a:latin typeface="맑은 고딕" panose="020B0503020000020004" pitchFamily="50" charset="-127"/>
+                <a:cs typeface="함초롬돋움" panose="02030504000101010101" pitchFamily="18" charset="-127"/>
+              </a:rPr>
+              <a:t>모듈 조사 완료</a:t>
+            </a:r>
+            <a:endParaRPr lang="en-US" altLang="ko-KR" sz="1200" spc="-70" dirty="0">
+              <a:latin typeface="맑은 고딕" panose="020B0503020000020004" pitchFamily="50" charset="-127"/>
+              <a:cs typeface="함초롬돋움" panose="02030504000101010101" pitchFamily="18" charset="-127"/>
+            </a:endParaRPr>
+          </a:p>
+          <a:p>
+            <a:pPr algn="ctr"/>
+            <a:r>
+              <a:rPr lang="en-US" altLang="ko-KR" sz="1200" spc="-70" dirty="0" err="1">
+                <a:latin typeface="맑은 고딕" panose="020B0503020000020004" pitchFamily="50" charset="-127"/>
+                <a:cs typeface="함초롬돋움" panose="02030504000101010101" pitchFamily="18" charset="-127"/>
+              </a:rPr>
+              <a:t>Tkinter</a:t>
+            </a:r>
+            <a:r>
+              <a:rPr lang="en-US" altLang="ko-KR" sz="1200" spc="-70" dirty="0">
+                <a:latin typeface="맑은 고딕" panose="020B0503020000020004" pitchFamily="50" charset="-127"/>
+                <a:cs typeface="함초롬돋움" panose="02030504000101010101" pitchFamily="18" charset="-127"/>
+              </a:rPr>
+              <a:t> </a:t>
+            </a:r>
+            <a:r>
+              <a:rPr lang="ko-KR" altLang="en-US" sz="1200" spc="-70" dirty="0">
+                <a:latin typeface="맑은 고딕" panose="020B0503020000020004" pitchFamily="50" charset="-127"/>
+                <a:cs typeface="함초롬돋움" panose="02030504000101010101" pitchFamily="18" charset="-127"/>
+              </a:rPr>
+              <a:t>기본 틀 제작</a:t>
+            </a:r>
+          </a:p>
+        </p:txBody>
+      </p:sp>
+      <p:sp>
+        <p:nvSpPr>
+          <p:cNvPr id="90" name="TextBox 89">
+            <a:extLst>
+              <a:ext uri="{FF2B5EF4-FFF2-40B4-BE49-F238E27FC236}">
+                <a16:creationId xmlns:a16="http://schemas.microsoft.com/office/drawing/2014/main" id="{9DD1910B-98D5-4E7A-A0E5-8BA7708B32CF}"/>
+              </a:ext>
+            </a:extLst>
+          </p:cNvPr>
+          <p:cNvSpPr txBox="1"/>
+          <p:nvPr/>
+        </p:nvSpPr>
+        <p:spPr>
+          <a:xfrm>
+            <a:off x="4672797" y="2525084"/>
+            <a:ext cx="2746439" cy="461665"/>
+          </a:xfrm>
+          <a:prstGeom prst="rect">
+            <a:avLst/>
+          </a:prstGeom>
+          <a:noFill/>
+        </p:spPr>
+        <p:txBody>
+          <a:bodyPr vert="horz" wrap="square" rtlCol="0">
+            <a:spAutoFit/>
+          </a:bodyPr>
+          <a:lstStyle/>
+          <a:p>
+            <a:r>
+              <a:rPr lang="ko-KR" altLang="en-US" sz="1200" b="1" spc="-70" dirty="0">
+                <a:latin typeface="맑은 고딕" panose="020B0503020000020004" pitchFamily="50" charset="-127"/>
+                <a:cs typeface="함초롬돋움" panose="02030504000101010101" pitchFamily="18" charset="-127"/>
+              </a:rPr>
+              <a:t>국가 </a:t>
+            </a:r>
+            <a:r>
+              <a:rPr lang="ko-KR" altLang="en-US" sz="1200" b="1" spc="-70" dirty="0" err="1">
+                <a:latin typeface="맑은 고딕" panose="020B0503020000020004" pitchFamily="50" charset="-127"/>
+                <a:cs typeface="함초롬돋움" panose="02030504000101010101" pitchFamily="18" charset="-127"/>
+              </a:rPr>
+              <a:t>공공포데이터포털</a:t>
+            </a:r>
+            <a:r>
+              <a:rPr lang="ko-KR" altLang="en-US" sz="1200" b="1" spc="-70" dirty="0">
+                <a:latin typeface="맑은 고딕" panose="020B0503020000020004" pitchFamily="50" charset="-127"/>
+                <a:cs typeface="함초롬돋움" panose="02030504000101010101" pitchFamily="18" charset="-127"/>
+              </a:rPr>
+              <a:t> </a:t>
+            </a:r>
+            <a:r>
+              <a:rPr lang="en-US" altLang="ko-KR" sz="1200" b="1" spc="-70" dirty="0" err="1">
+                <a:latin typeface="맑은 고딕" panose="020B0503020000020004" pitchFamily="50" charset="-127"/>
+                <a:cs typeface="함초롬돋움" panose="02030504000101010101" pitchFamily="18" charset="-127"/>
+              </a:rPr>
+              <a:t>OpenAPI</a:t>
+            </a:r>
+            <a:r>
+              <a:rPr lang="en-US" altLang="ko-KR" sz="1200" b="1" spc="-70" dirty="0">
+                <a:latin typeface="맑은 고딕" panose="020B0503020000020004" pitchFamily="50" charset="-127"/>
+                <a:cs typeface="함초롬돋움" panose="02030504000101010101" pitchFamily="18" charset="-127"/>
+              </a:rPr>
+              <a:t> </a:t>
+            </a:r>
+            <a:r>
+              <a:rPr lang="ko-KR" altLang="en-US" sz="1200" b="1" spc="-70" dirty="0">
+                <a:latin typeface="맑은 고딕" panose="020B0503020000020004" pitchFamily="50" charset="-127"/>
+                <a:cs typeface="함초롬돋움" panose="02030504000101010101" pitchFamily="18" charset="-127"/>
+              </a:rPr>
+              <a:t>활용</a:t>
+            </a:r>
+            <a:endParaRPr lang="en-US" altLang="ko-KR" sz="1200" b="1" spc="-70" dirty="0">
+              <a:latin typeface="맑은 고딕" panose="020B0503020000020004" pitchFamily="50" charset="-127"/>
+              <a:cs typeface="함초롬돋움" panose="02030504000101010101" pitchFamily="18" charset="-127"/>
+            </a:endParaRPr>
+          </a:p>
+          <a:p>
+            <a:pPr algn="ctr"/>
+            <a:r>
+              <a:rPr lang="en-US" altLang="ko-KR" sz="1200" spc="-70" dirty="0" err="1">
+                <a:latin typeface="맑은 고딕" panose="020B0503020000020004" pitchFamily="50" charset="-127"/>
+                <a:cs typeface="함초롬돋움" panose="02030504000101010101" pitchFamily="18" charset="-127"/>
+              </a:rPr>
+              <a:t>Tkinter</a:t>
+            </a:r>
+            <a:r>
+              <a:rPr lang="en-US" altLang="ko-KR" sz="1200" spc="-70" dirty="0">
+                <a:latin typeface="맑은 고딕" panose="020B0503020000020004" pitchFamily="50" charset="-127"/>
+                <a:cs typeface="함초롬돋움" panose="02030504000101010101" pitchFamily="18" charset="-127"/>
+              </a:rPr>
+              <a:t> </a:t>
+            </a:r>
+            <a:r>
+              <a:rPr lang="ko-KR" altLang="en-US" sz="1200" spc="-70" dirty="0">
+                <a:latin typeface="맑은 고딕" panose="020B0503020000020004" pitchFamily="50" charset="-127"/>
+                <a:cs typeface="함초롬돋움" panose="02030504000101010101" pitchFamily="18" charset="-127"/>
+              </a:rPr>
+              <a:t>틀 </a:t>
+            </a:r>
+            <a:r>
+              <a:rPr lang="en-US" altLang="ko-KR" sz="1200" spc="-70" dirty="0">
+                <a:latin typeface="맑은 고딕" panose="020B0503020000020004" pitchFamily="50" charset="-127"/>
+                <a:cs typeface="함초롬돋움" panose="02030504000101010101" pitchFamily="18" charset="-127"/>
+              </a:rPr>
+              <a:t>UI </a:t>
+            </a:r>
+            <a:r>
+              <a:rPr lang="ko-KR" altLang="en-US" sz="1200" spc="-70" dirty="0">
+                <a:latin typeface="맑은 고딕" panose="020B0503020000020004" pitchFamily="50" charset="-127"/>
+                <a:cs typeface="함초롬돋움" panose="02030504000101010101" pitchFamily="18" charset="-127"/>
+              </a:rPr>
+              <a:t>제작</a:t>
+            </a:r>
+          </a:p>
+        </p:txBody>
+      </p:sp>
+      <p:sp>
+        <p:nvSpPr>
+          <p:cNvPr id="91" name="TextBox 90">
+            <a:extLst>
+              <a:ext uri="{FF2B5EF4-FFF2-40B4-BE49-F238E27FC236}">
+                <a16:creationId xmlns:a16="http://schemas.microsoft.com/office/drawing/2014/main" id="{C41CB2F7-2016-43F1-83EF-6DDB2A2ADF8D}"/>
+              </a:ext>
+            </a:extLst>
+          </p:cNvPr>
+          <p:cNvSpPr txBox="1"/>
+          <p:nvPr/>
+        </p:nvSpPr>
+        <p:spPr>
+          <a:xfrm>
+            <a:off x="4673662" y="3296947"/>
+            <a:ext cx="2746439" cy="461665"/>
+          </a:xfrm>
+          <a:prstGeom prst="rect">
+            <a:avLst/>
+          </a:prstGeom>
+          <a:noFill/>
+        </p:spPr>
+        <p:txBody>
+          <a:bodyPr vert="horz" wrap="square" rtlCol="0">
+            <a:spAutoFit/>
+          </a:bodyPr>
+          <a:lstStyle/>
+          <a:p>
+            <a:pPr algn="ctr"/>
+            <a:r>
+              <a:rPr lang="ko-KR" altLang="en-US" sz="1200" spc="-70" dirty="0">
+                <a:latin typeface="맑은 고딕" panose="020B0503020000020004" pitchFamily="50" charset="-127"/>
+                <a:cs typeface="함초롬돋움" panose="02030504000101010101" pitchFamily="18" charset="-127"/>
+              </a:rPr>
+              <a:t>지역검색 </a:t>
+            </a:r>
+            <a:r>
+              <a:rPr lang="en-US" altLang="ko-KR" sz="1200" spc="-70" dirty="0">
+                <a:latin typeface="맑은 고딕" panose="020B0503020000020004" pitchFamily="50" charset="-127"/>
+                <a:cs typeface="함초롬돋움" panose="02030504000101010101" pitchFamily="18" charset="-127"/>
+              </a:rPr>
+              <a:t>(</a:t>
+            </a:r>
+            <a:r>
+              <a:rPr lang="ko-KR" altLang="en-US" sz="1200" spc="-70" dirty="0">
+                <a:latin typeface="맑은 고딕" panose="020B0503020000020004" pitchFamily="50" charset="-127"/>
+                <a:cs typeface="함초롬돋움" panose="02030504000101010101" pitchFamily="18" charset="-127"/>
+              </a:rPr>
+              <a:t>시</a:t>
+            </a:r>
+            <a:r>
+              <a:rPr lang="en-US" altLang="ko-KR" sz="1200" spc="-70" dirty="0">
+                <a:latin typeface="맑은 고딕" panose="020B0503020000020004" pitchFamily="50" charset="-127"/>
+                <a:cs typeface="함초롬돋움" panose="02030504000101010101" pitchFamily="18" charset="-127"/>
+              </a:rPr>
+              <a:t>/</a:t>
+            </a:r>
+            <a:r>
+              <a:rPr lang="ko-KR" altLang="en-US" sz="1200" spc="-70" dirty="0">
+                <a:latin typeface="맑은 고딕" panose="020B0503020000020004" pitchFamily="50" charset="-127"/>
+                <a:cs typeface="함초롬돋움" panose="02030504000101010101" pitchFamily="18" charset="-127"/>
+              </a:rPr>
+              <a:t>구</a:t>
+            </a:r>
+            <a:r>
+              <a:rPr lang="en-US" altLang="ko-KR" sz="1200" spc="-70" dirty="0">
+                <a:latin typeface="맑은 고딕" panose="020B0503020000020004" pitchFamily="50" charset="-127"/>
+                <a:cs typeface="함초롬돋움" panose="02030504000101010101" pitchFamily="18" charset="-127"/>
+              </a:rPr>
+              <a:t>,</a:t>
+            </a:r>
+            <a:r>
+              <a:rPr lang="ko-KR" altLang="en-US" sz="1200" spc="-70" dirty="0">
+                <a:latin typeface="맑은 고딕" panose="020B0503020000020004" pitchFamily="50" charset="-127"/>
+                <a:cs typeface="함초롬돋움" panose="02030504000101010101" pitchFamily="18" charset="-127"/>
+              </a:rPr>
+              <a:t>군</a:t>
+            </a:r>
+            <a:r>
+              <a:rPr lang="en-US" altLang="ko-KR" sz="1200" spc="-70" dirty="0">
+                <a:latin typeface="맑은 고딕" panose="020B0503020000020004" pitchFamily="50" charset="-127"/>
+                <a:cs typeface="함초롬돋움" panose="02030504000101010101" pitchFamily="18" charset="-127"/>
+              </a:rPr>
+              <a:t>/</a:t>
+            </a:r>
+            <a:r>
+              <a:rPr lang="ko-KR" altLang="en-US" sz="1200" spc="-70" dirty="0">
+                <a:latin typeface="맑은 고딕" panose="020B0503020000020004" pitchFamily="50" charset="-127"/>
+                <a:cs typeface="함초롬돋움" panose="02030504000101010101" pitchFamily="18" charset="-127"/>
+              </a:rPr>
+              <a:t>동</a:t>
+            </a:r>
+            <a:r>
+              <a:rPr lang="en-US" altLang="ko-KR" sz="1200" spc="-70" dirty="0">
+                <a:latin typeface="맑은 고딕" panose="020B0503020000020004" pitchFamily="50" charset="-127"/>
+                <a:cs typeface="함초롬돋움" panose="02030504000101010101" pitchFamily="18" charset="-127"/>
+              </a:rPr>
+              <a:t>) </a:t>
+            </a:r>
+            <a:r>
+              <a:rPr lang="ko-KR" altLang="en-US" sz="1200" spc="-70" dirty="0">
+                <a:latin typeface="맑은 고딕" panose="020B0503020000020004" pitchFamily="50" charset="-127"/>
+                <a:cs typeface="함초롬돋움" panose="02030504000101010101" pitchFamily="18" charset="-127"/>
+              </a:rPr>
+              <a:t>검색</a:t>
+            </a:r>
+            <a:endParaRPr lang="en-US" altLang="ko-KR" sz="1200" spc="-70" dirty="0">
+              <a:latin typeface="맑은 고딕" panose="020B0503020000020004" pitchFamily="50" charset="-127"/>
+              <a:cs typeface="함초롬돋움" panose="02030504000101010101" pitchFamily="18" charset="-127"/>
+            </a:endParaRPr>
+          </a:p>
+          <a:p>
+            <a:pPr algn="ctr"/>
+            <a:r>
+              <a:rPr lang="ko-KR" altLang="en-US" sz="1200" spc="-70" dirty="0">
+                <a:latin typeface="맑은 고딕" panose="020B0503020000020004" pitchFamily="50" charset="-127"/>
+                <a:cs typeface="함초롬돋움" panose="02030504000101010101" pitchFamily="18" charset="-127"/>
+              </a:rPr>
+              <a:t>상세검색</a:t>
+            </a:r>
+            <a:r>
+              <a:rPr lang="en-US" altLang="ko-KR" sz="1200" spc="-70" dirty="0">
+                <a:latin typeface="맑은 고딕" panose="020B0503020000020004" pitchFamily="50" charset="-127"/>
+                <a:cs typeface="함초롬돋움" panose="02030504000101010101" pitchFamily="18" charset="-127"/>
+              </a:rPr>
+              <a:t>(Key </a:t>
+            </a:r>
+            <a:r>
+              <a:rPr lang="ko-KR" altLang="en-US" sz="1200" spc="-70" dirty="0">
+                <a:latin typeface="맑은 고딕" panose="020B0503020000020004" pitchFamily="50" charset="-127"/>
+                <a:cs typeface="함초롬돋움" panose="02030504000101010101" pitchFamily="18" charset="-127"/>
+              </a:rPr>
+              <a:t>입력</a:t>
+            </a:r>
+            <a:r>
+              <a:rPr lang="en-US" altLang="ko-KR" sz="1200" spc="-70" dirty="0">
+                <a:latin typeface="맑은 고딕" panose="020B0503020000020004" pitchFamily="50" charset="-127"/>
+                <a:cs typeface="함초롬돋움" panose="02030504000101010101" pitchFamily="18" charset="-127"/>
+              </a:rPr>
+              <a:t>) </a:t>
+            </a:r>
+            <a:r>
+              <a:rPr lang="ko-KR" altLang="en-US" sz="1200" spc="-70" dirty="0">
+                <a:latin typeface="맑은 고딕" panose="020B0503020000020004" pitchFamily="50" charset="-127"/>
+                <a:cs typeface="함초롬돋움" panose="02030504000101010101" pitchFamily="18" charset="-127"/>
+              </a:rPr>
+              <a:t>검색</a:t>
+            </a:r>
+          </a:p>
+        </p:txBody>
+      </p:sp>
+      <p:sp>
+        <p:nvSpPr>
+          <p:cNvPr id="92" name="TextBox 91">
+            <a:extLst>
+              <a:ext uri="{FF2B5EF4-FFF2-40B4-BE49-F238E27FC236}">
+                <a16:creationId xmlns:a16="http://schemas.microsoft.com/office/drawing/2014/main" id="{5B2B83D5-C476-481E-AD7F-0EE1CA123EA8}"/>
+              </a:ext>
+            </a:extLst>
+          </p:cNvPr>
+          <p:cNvSpPr txBox="1"/>
+          <p:nvPr/>
+        </p:nvSpPr>
+        <p:spPr>
+          <a:xfrm>
+            <a:off x="4646335" y="4115221"/>
+            <a:ext cx="2746439" cy="276999"/>
+          </a:xfrm>
+          <a:prstGeom prst="rect">
+            <a:avLst/>
+          </a:prstGeom>
+          <a:noFill/>
+        </p:spPr>
+        <p:txBody>
+          <a:bodyPr vert="horz" wrap="square" rtlCol="0">
+            <a:spAutoFit/>
+          </a:bodyPr>
+          <a:lstStyle/>
+          <a:p>
+            <a:pPr algn="ctr"/>
+            <a:r>
+              <a:rPr lang="en-US" altLang="ko-KR" sz="1200" b="1" spc="-70" dirty="0" err="1">
+                <a:latin typeface="맑은 고딕" panose="020B0503020000020004" pitchFamily="50" charset="-127"/>
+                <a:cs typeface="함초롬돋움" panose="02030504000101010101" pitchFamily="18" charset="-127"/>
+              </a:rPr>
+              <a:t>Youtube</a:t>
+            </a:r>
+            <a:r>
+              <a:rPr lang="en-US" altLang="ko-KR" sz="1200" b="1" spc="-70" dirty="0">
+                <a:latin typeface="맑은 고딕" panose="020B0503020000020004" pitchFamily="50" charset="-127"/>
+                <a:cs typeface="함초롬돋움" panose="02030504000101010101" pitchFamily="18" charset="-127"/>
+              </a:rPr>
+              <a:t> </a:t>
+            </a:r>
+            <a:r>
+              <a:rPr lang="ko-KR" altLang="en-US" sz="1200" b="1" spc="-70" dirty="0">
+                <a:latin typeface="맑은 고딕" panose="020B0503020000020004" pitchFamily="50" charset="-127"/>
+                <a:cs typeface="함초롬돋움" panose="02030504000101010101" pitchFamily="18" charset="-127"/>
+              </a:rPr>
+              <a:t>활용 중간 시연 발표</a:t>
+            </a:r>
+            <a:endParaRPr lang="ko-KR" altLang="en-US" sz="1200" spc="-70" dirty="0">
+              <a:latin typeface="맑은 고딕" panose="020B0503020000020004" pitchFamily="50" charset="-127"/>
+              <a:cs typeface="함초롬돋움" panose="02030504000101010101" pitchFamily="18" charset="-127"/>
+            </a:endParaRPr>
+          </a:p>
+        </p:txBody>
+      </p:sp>
+      <p:sp>
+        <p:nvSpPr>
+          <p:cNvPr id="93" name="TextBox 92">
+            <a:extLst>
+              <a:ext uri="{FF2B5EF4-FFF2-40B4-BE49-F238E27FC236}">
+                <a16:creationId xmlns:a16="http://schemas.microsoft.com/office/drawing/2014/main" id="{609B2EC7-2CC4-4528-A982-06243EF55D3E}"/>
+              </a:ext>
+            </a:extLst>
+          </p:cNvPr>
+          <p:cNvSpPr txBox="1"/>
+          <p:nvPr/>
+        </p:nvSpPr>
+        <p:spPr>
+          <a:xfrm>
+            <a:off x="4667092" y="4898172"/>
+            <a:ext cx="2746439" cy="276999"/>
+          </a:xfrm>
+          <a:prstGeom prst="rect">
+            <a:avLst/>
+          </a:prstGeom>
+          <a:noFill/>
+        </p:spPr>
+        <p:txBody>
+          <a:bodyPr vert="horz" wrap="square" rtlCol="0">
+            <a:spAutoFit/>
+          </a:bodyPr>
+          <a:lstStyle/>
+          <a:p>
+            <a:pPr algn="ctr"/>
+            <a:r>
+              <a:rPr lang="ko-KR" altLang="en-US" sz="1200" b="1" spc="-70" dirty="0">
+                <a:latin typeface="맑은 고딕" panose="020B0503020000020004" pitchFamily="50" charset="-127"/>
+                <a:cs typeface="함초롬돋움" panose="02030504000101010101" pitchFamily="18" charset="-127"/>
+              </a:rPr>
+              <a:t>이메일</a:t>
+            </a:r>
+            <a:r>
+              <a:rPr lang="en-US" altLang="ko-KR" sz="1200" b="1" spc="-70" dirty="0">
+                <a:latin typeface="맑은 고딕" panose="020B0503020000020004" pitchFamily="50" charset="-127"/>
+                <a:cs typeface="함초롬돋움" panose="02030504000101010101" pitchFamily="18" charset="-127"/>
+              </a:rPr>
+              <a:t>, </a:t>
+            </a:r>
+            <a:r>
+              <a:rPr lang="ko-KR" altLang="en-US" sz="1200" b="1" spc="-70" dirty="0">
+                <a:latin typeface="맑은 고딕" panose="020B0503020000020004" pitchFamily="50" charset="-127"/>
+                <a:cs typeface="함초롬돋움" panose="02030504000101010101" pitchFamily="18" charset="-127"/>
+              </a:rPr>
+              <a:t>지도 데이터 등 추가 기능 구현</a:t>
+            </a:r>
+            <a:endParaRPr lang="ko-KR" altLang="en-US" sz="1200" spc="-70" dirty="0">
+              <a:latin typeface="맑은 고딕" panose="020B0503020000020004" pitchFamily="50" charset="-127"/>
+              <a:cs typeface="함초롬돋움" panose="02030504000101010101" pitchFamily="18" charset="-127"/>
+            </a:endParaRPr>
+          </a:p>
+        </p:txBody>
+      </p:sp>
+      <p:sp>
+        <p:nvSpPr>
+          <p:cNvPr id="94" name="TextBox 93">
+            <a:extLst>
+              <a:ext uri="{FF2B5EF4-FFF2-40B4-BE49-F238E27FC236}">
+                <a16:creationId xmlns:a16="http://schemas.microsoft.com/office/drawing/2014/main" id="{230B2631-6933-4FBE-9219-80F650F8E017}"/>
+              </a:ext>
+            </a:extLst>
+          </p:cNvPr>
+          <p:cNvSpPr txBox="1"/>
+          <p:nvPr/>
+        </p:nvSpPr>
+        <p:spPr>
+          <a:xfrm>
+            <a:off x="4645429" y="5723525"/>
+            <a:ext cx="2746439" cy="276999"/>
+          </a:xfrm>
+          <a:prstGeom prst="rect">
+            <a:avLst/>
+          </a:prstGeom>
+          <a:noFill/>
+        </p:spPr>
+        <p:txBody>
+          <a:bodyPr vert="horz" wrap="square" rtlCol="0">
+            <a:spAutoFit/>
+          </a:bodyPr>
+          <a:lstStyle/>
+          <a:p>
+            <a:pPr algn="ctr"/>
+            <a:r>
+              <a:rPr lang="en-US" altLang="ko-KR" sz="1200" b="1" spc="-70" dirty="0" err="1">
+                <a:latin typeface="맑은 고딕" panose="020B0503020000020004" pitchFamily="50" charset="-127"/>
+                <a:cs typeface="함초롬돋움" panose="02030504000101010101" pitchFamily="18" charset="-127"/>
+              </a:rPr>
+              <a:t>Youtube</a:t>
+            </a:r>
+            <a:r>
+              <a:rPr lang="en-US" altLang="ko-KR" sz="1200" b="1" spc="-70" dirty="0">
+                <a:latin typeface="맑은 고딕" panose="020B0503020000020004" pitchFamily="50" charset="-127"/>
+                <a:cs typeface="함초롬돋움" panose="02030504000101010101" pitchFamily="18" charset="-127"/>
+              </a:rPr>
+              <a:t> </a:t>
+            </a:r>
+            <a:r>
+              <a:rPr lang="ko-KR" altLang="en-US" sz="1200" b="1" spc="-70" dirty="0">
+                <a:latin typeface="맑은 고딕" panose="020B0503020000020004" pitchFamily="50" charset="-127"/>
+                <a:cs typeface="함초롬돋움" panose="02030504000101010101" pitchFamily="18" charset="-127"/>
+              </a:rPr>
+              <a:t>활용 최종 시연 발표</a:t>
+            </a:r>
+            <a:endParaRPr lang="ko-KR" altLang="en-US" sz="1200" spc="-70" dirty="0">
+              <a:latin typeface="맑은 고딕" panose="020B0503020000020004" pitchFamily="50" charset="-127"/>
+              <a:cs typeface="함초롬돋움" panose="02030504000101010101" pitchFamily="18" charset="-127"/>
+            </a:endParaRPr>
+          </a:p>
+        </p:txBody>
+      </p:sp>
+      <p:cxnSp>
+        <p:nvCxnSpPr>
+          <p:cNvPr id="102" name="직선 연결선 101">
+            <a:extLst>
+              <a:ext uri="{FF2B5EF4-FFF2-40B4-BE49-F238E27FC236}">
+                <a16:creationId xmlns:a16="http://schemas.microsoft.com/office/drawing/2014/main" id="{90747A86-5C94-4738-8223-7628F762B794}"/>
+              </a:ext>
+            </a:extLst>
+          </p:cNvPr>
+          <p:cNvCxnSpPr>
+            <a:cxnSpLocks/>
+          </p:cNvCxnSpPr>
+          <p:nvPr/>
+        </p:nvCxnSpPr>
+        <p:spPr>
+          <a:xfrm flipH="1">
+            <a:off x="8844381" y="1606817"/>
+            <a:ext cx="26573" cy="4859607"/>
+          </a:xfrm>
+          <a:prstGeom prst="line">
+            <a:avLst/>
+          </a:prstGeom>
+          <a:ln w="38100">
+            <a:solidFill>
+              <a:srgbClr val="00898B"/>
+            </a:solidFill>
+          </a:ln>
+        </p:spPr>
+        <p:style>
+          <a:lnRef idx="1">
+            <a:schemeClr val="accent1"/>
+          </a:lnRef>
+          <a:fillRef idx="0">
+            <a:schemeClr val="accent1"/>
+          </a:fillRef>
+          <a:effectRef idx="0">
+            <a:schemeClr val="accent1"/>
+          </a:effectRef>
+          <a:fontRef idx="minor">
+            <a:schemeClr val="tx1"/>
+          </a:fontRef>
+        </p:style>
+      </p:cxnSp>
+      <p:sp>
+        <p:nvSpPr>
+          <p:cNvPr id="74" name="사각형: 둥근 모서리 73">
+            <a:extLst>
+              <a:ext uri="{FF2B5EF4-FFF2-40B4-BE49-F238E27FC236}">
+                <a16:creationId xmlns:a16="http://schemas.microsoft.com/office/drawing/2014/main" id="{069FE469-8E01-44DE-8462-FE9C0C91623A}"/>
+              </a:ext>
+            </a:extLst>
+          </p:cNvPr>
+          <p:cNvSpPr/>
+          <p:nvPr/>
+        </p:nvSpPr>
+        <p:spPr>
+          <a:xfrm>
+            <a:off x="7638345" y="1156527"/>
+            <a:ext cx="1257325" cy="510778"/>
+          </a:xfrm>
+          <a:prstGeom prst="roundRect">
+            <a:avLst/>
+          </a:prstGeom>
+          <a:solidFill>
+            <a:srgbClr val="7FC3B6"/>
+          </a:solidFill>
+          <a:ln/>
+        </p:spPr>
+        <p:style>
+          <a:lnRef idx="1">
+            <a:schemeClr val="dk1"/>
+          </a:lnRef>
+          <a:fillRef idx="2">
+            <a:schemeClr val="dk1"/>
+          </a:fillRef>
+          <a:effectRef idx="1">
+            <a:schemeClr val="dk1"/>
+          </a:effectRef>
+          <a:fontRef idx="minor">
+            <a:schemeClr val="dk1"/>
+          </a:fontRef>
+        </p:style>
+        <p:txBody>
+          <a:bodyPr wrap="square" lIns="0" tIns="0" rIns="0" bIns="0" rtlCol="0" anchor="ctr" anchorCtr="0">
+            <a:spAutoFit/>
+          </a:bodyPr>
+          <a:lstStyle/>
+          <a:p>
+            <a:pPr algn="ctr" latinLnBrk="0"/>
+            <a:r>
+              <a:rPr lang="ko-KR" altLang="en-US" sz="3000" b="1" spc="-60" dirty="0">
+                <a:solidFill>
+                  <a:schemeClr val="bg1">
+                    <a:lumMod val="95000"/>
+                  </a:schemeClr>
+                </a:solidFill>
+                <a:latin typeface="+mn-ea"/>
+              </a:rPr>
+              <a:t>시행</a:t>
+            </a:r>
+          </a:p>
+        </p:txBody>
+      </p:sp>
     </p:spTree>
     <p:extLst>
       <p:ext uri="{BB962C8B-B14F-4D97-AF65-F5344CB8AC3E}">
@@ -9072,13 +9402,9 @@
   <a:objectDefaults>
     <a:spDef>
       <a:spPr>
-        <a:solidFill>
-          <a:schemeClr val="bg1">
-            <a:lumMod val="95000"/>
-          </a:schemeClr>
-        </a:solidFill>
+        <a:ln/>
       </a:spPr>
-      <a:bodyPr wrap="none" lIns="0" tIns="0" rIns="0" bIns="0" rtlCol="0" anchor="ctr" anchorCtr="0">
+      <a:bodyPr wrap="square" lIns="0" tIns="0" rIns="0" bIns="0" rtlCol="0" anchor="ctr" anchorCtr="0">
         <a:spAutoFit/>
       </a:bodyPr>
       <a:lstStyle>
@@ -9094,6 +9420,20 @@
           </a:defRPr>
         </a:defPPr>
       </a:lstStyle>
+      <a:style>
+        <a:lnRef idx="1">
+          <a:schemeClr val="dk1"/>
+        </a:lnRef>
+        <a:fillRef idx="2">
+          <a:schemeClr val="dk1"/>
+        </a:fillRef>
+        <a:effectRef idx="1">
+          <a:schemeClr val="dk1"/>
+        </a:effectRef>
+        <a:fontRef idx="minor">
+          <a:schemeClr val="dk1"/>
+        </a:fontRef>
+      </a:style>
     </a:spDef>
     <a:txDef>
       <a:spPr>

--- a/기획발표.pptx
+++ b/기획발표.pptx
@@ -6,10 +6,10 @@
     <p:sldMasterId id="2147483745" r:id="rId2"/>
   </p:sldMasterIdLst>
   <p:notesMasterIdLst>
-    <p:notesMasterId r:id="rId10"/>
+    <p:notesMasterId r:id="rId12"/>
   </p:notesMasterIdLst>
   <p:handoutMasterIdLst>
-    <p:handoutMasterId r:id="rId11"/>
+    <p:handoutMasterId r:id="rId13"/>
   </p:handoutMasterIdLst>
   <p:sldIdLst>
     <p:sldId id="362" r:id="rId3"/>
@@ -17,8 +17,10 @@
     <p:sldId id="376" r:id="rId5"/>
     <p:sldId id="388" r:id="rId6"/>
     <p:sldId id="383" r:id="rId7"/>
-    <p:sldId id="405" r:id="rId8"/>
-    <p:sldId id="390" r:id="rId9"/>
+    <p:sldId id="407" r:id="rId8"/>
+    <p:sldId id="405" r:id="rId9"/>
+    <p:sldId id="406" r:id="rId10"/>
+    <p:sldId id="390" r:id="rId11"/>
   </p:sldIdLst>
   <p:sldSz cx="9144000" cy="6858000" type="screen4x3"/>
   <p:notesSz cx="6858000" cy="9144000"/>
@@ -269,7 +271,7 @@
                 <a:ea typeface="맑은 고딕" pitchFamily="50" charset="-127"/>
               </a:rPr>
               <a:pPr/>
-              <a:t>2019-05-13</a:t>
+              <a:t>2019-05-14</a:t>
             </a:fld>
             <a:endParaRPr lang="ko-KR" altLang="en-US" dirty="0">
               <a:latin typeface="맑은 고딕" pitchFamily="50" charset="-127"/>
@@ -448,7 +450,7 @@
             <a:fld id="{62677E96-DA3B-46D9-8953-03187693C06C}" type="datetimeFigureOut">
               <a:rPr lang="ko-KR" altLang="en-US" smtClean="0"/>
               <a:pPr/>
-              <a:t>2019-05-13</a:t>
+              <a:t>2019-05-14</a:t>
             </a:fld>
             <a:endParaRPr lang="ko-KR" altLang="en-US"/>
           </a:p>
@@ -3121,16 +3123,12 @@
           </a:lstStyle>
           <a:p>
             <a:r>
-              <a:rPr lang="ko-KR" altLang="en-US" sz="4800">
+              <a:rPr lang="ko-KR" altLang="en-US" sz="4800" dirty="0">
                 <a:latin typeface="나눔스퀘어 ExtraBold" panose="020B0600000101010101" pitchFamily="50" charset="-127"/>
                 <a:ea typeface="나눔스퀘어 ExtraBold" panose="020B0600000101010101" pitchFamily="50" charset="-127"/>
               </a:rPr>
-              <a:t>대피소 위치 정보</a:t>
-            </a:r>
-            <a:endParaRPr lang="ko-KR" altLang="en-US" sz="4800" dirty="0">
-              <a:latin typeface="나눔스퀘어 ExtraBold" panose="020B0600000101010101" pitchFamily="50" charset="-127"/>
-              <a:ea typeface="나눔스퀘어 ExtraBold" panose="020B0600000101010101" pitchFamily="50" charset="-127"/>
-            </a:endParaRPr>
+              <a:t>원 터치 벙커</a:t>
+            </a:r>
           </a:p>
         </p:txBody>
       </p:sp>
@@ -3265,6 +3263,42 @@
           </a:p>
         </p:txBody>
       </p:sp>
+      <p:pic>
+        <p:nvPicPr>
+          <p:cNvPr id="4" name="그림 3">
+            <a:extLst>
+              <a:ext uri="{FF2B5EF4-FFF2-40B4-BE49-F238E27FC236}">
+                <a16:creationId xmlns:a16="http://schemas.microsoft.com/office/drawing/2014/main" id="{58FE28C0-DCE0-41F8-A843-62CFE46E6674}"/>
+              </a:ext>
+            </a:extLst>
+          </p:cNvPr>
+          <p:cNvPicPr>
+            <a:picLocks noChangeAspect="1"/>
+          </p:cNvPicPr>
+          <p:nvPr/>
+        </p:nvPicPr>
+        <p:blipFill>
+          <a:blip r:embed="rId2" cstate="print">
+            <a:extLst>
+              <a:ext uri="{28A0092B-C50C-407E-A947-70E740481C1C}">
+                <a14:useLocalDpi xmlns:a14="http://schemas.microsoft.com/office/drawing/2010/main" val="0"/>
+              </a:ext>
+            </a:extLst>
+          </a:blip>
+          <a:stretch>
+            <a:fillRect/>
+          </a:stretch>
+        </p:blipFill>
+        <p:spPr>
+          <a:xfrm>
+            <a:off x="3777128" y="1868167"/>
+            <a:ext cx="1589744" cy="1589744"/>
+          </a:xfrm>
+          <a:prstGeom prst="rect">
+            <a:avLst/>
+          </a:prstGeom>
+        </p:spPr>
+      </p:pic>
     </p:spTree>
     <p:extLst>
       <p:ext uri="{BB962C8B-B14F-4D97-AF65-F5344CB8AC3E}">
@@ -3898,7 +3932,7 @@
         <p:spPr>
           <a:xfrm>
             <a:off x="2987824" y="3609020"/>
-            <a:ext cx="2988332" cy="246221"/>
+            <a:ext cx="2988332" cy="492443"/>
           </a:xfrm>
           <a:prstGeom prst="rect">
             <a:avLst/>
@@ -3966,58 +4000,35 @@
           </a:lstStyle>
           <a:p>
             <a:r>
-              <a:rPr lang="ko-KR" altLang="en-US" sz="1600">
+              <a:rPr lang="ko-KR" altLang="en-US" sz="1600" dirty="0">
                 <a:latin typeface="나눔스퀘어" panose="020B0600000101010101" pitchFamily="50" charset="-127"/>
                 <a:ea typeface="나눔스퀘어" panose="020B0600000101010101" pitchFamily="50" charset="-127"/>
               </a:rPr>
-              <a:t>대피소 위치 정보 어플</a:t>
+              <a:t>지역에 따른 </a:t>
             </a:r>
             <a:endParaRPr lang="en-US" altLang="ko-KR" sz="1600" dirty="0">
               <a:latin typeface="나눔스퀘어" panose="020B0600000101010101" pitchFamily="50" charset="-127"/>
               <a:ea typeface="나눔스퀘어" panose="020B0600000101010101" pitchFamily="50" charset="-127"/>
             </a:endParaRPr>
           </a:p>
+          <a:p>
+            <a:r>
+              <a:rPr lang="ko-KR" altLang="en-US" sz="1600" dirty="0">
+                <a:latin typeface="나눔스퀘어" panose="020B0600000101010101" pitchFamily="50" charset="-127"/>
+                <a:ea typeface="나눔스퀘어" panose="020B0600000101010101" pitchFamily="50" charset="-127"/>
+              </a:rPr>
+              <a:t>대피소 위치 정보를 알려준다</a:t>
+            </a:r>
+            <a:r>
+              <a:rPr lang="en-US" altLang="ko-KR" sz="1600" dirty="0">
+                <a:latin typeface="나눔스퀘어" panose="020B0600000101010101" pitchFamily="50" charset="-127"/>
+                <a:ea typeface="나눔스퀘어" panose="020B0600000101010101" pitchFamily="50" charset="-127"/>
+              </a:rPr>
+              <a:t>.</a:t>
+            </a:r>
+          </a:p>
         </p:txBody>
       </p:sp>
-      <p:pic>
-        <p:nvPicPr>
-          <p:cNvPr id="4" name="그래픽 3" descr="달리기">
-            <a:extLst>
-              <a:ext uri="{FF2B5EF4-FFF2-40B4-BE49-F238E27FC236}">
-                <a16:creationId xmlns:a16="http://schemas.microsoft.com/office/drawing/2014/main" id="{66DA844E-595D-490A-9366-4A8A8150D6B1}"/>
-              </a:ext>
-            </a:extLst>
-          </p:cNvPr>
-          <p:cNvPicPr>
-            <a:picLocks noChangeAspect="1"/>
-          </p:cNvPicPr>
-          <p:nvPr/>
-        </p:nvPicPr>
-        <p:blipFill>
-          <a:blip r:embed="rId2">
-            <a:extLst>
-              <a:ext uri="{28A0092B-C50C-407E-A947-70E740481C1C}">
-                <a14:useLocalDpi xmlns:a14="http://schemas.microsoft.com/office/drawing/2010/main" val="0"/>
-              </a:ext>
-              <a:ext uri="{96DAC541-7B7A-43D3-8B79-37D633B846F1}">
-                <asvg:svgBlip xmlns:asvg="http://schemas.microsoft.com/office/drawing/2016/SVG/main" r:embed="rId3"/>
-              </a:ext>
-            </a:extLst>
-          </a:blip>
-          <a:stretch>
-            <a:fillRect/>
-          </a:stretch>
-        </p:blipFill>
-        <p:spPr>
-          <a:xfrm>
-            <a:off x="3283726" y="1808820"/>
-            <a:ext cx="1800200" cy="1800200"/>
-          </a:xfrm>
-          <a:prstGeom prst="rect">
-            <a:avLst/>
-          </a:prstGeom>
-        </p:spPr>
-      </p:pic>
       <p:sp>
         <p:nvSpPr>
           <p:cNvPr id="19" name="제목 5">
@@ -4190,6 +4201,42 @@
           </a:p>
         </p:txBody>
       </p:sp>
+      <p:pic>
+        <p:nvPicPr>
+          <p:cNvPr id="8" name="그림 7">
+            <a:extLst>
+              <a:ext uri="{FF2B5EF4-FFF2-40B4-BE49-F238E27FC236}">
+                <a16:creationId xmlns:a16="http://schemas.microsoft.com/office/drawing/2014/main" id="{CFB8BCEA-C685-47B6-A338-58B558C5B4EC}"/>
+              </a:ext>
+            </a:extLst>
+          </p:cNvPr>
+          <p:cNvPicPr>
+            <a:picLocks noChangeAspect="1"/>
+          </p:cNvPicPr>
+          <p:nvPr/>
+        </p:nvPicPr>
+        <p:blipFill>
+          <a:blip r:embed="rId2" cstate="print">
+            <a:extLst>
+              <a:ext uri="{28A0092B-C50C-407E-A947-70E740481C1C}">
+                <a14:useLocalDpi xmlns:a14="http://schemas.microsoft.com/office/drawing/2010/main" val="0"/>
+              </a:ext>
+            </a:extLst>
+          </a:blip>
+          <a:stretch>
+            <a:fillRect/>
+          </a:stretch>
+        </p:blipFill>
+        <p:spPr>
+          <a:xfrm>
+            <a:off x="3777128" y="1868167"/>
+            <a:ext cx="1589744" cy="1589744"/>
+          </a:xfrm>
+          <a:prstGeom prst="rect">
+            <a:avLst/>
+          </a:prstGeom>
+        </p:spPr>
+      </p:pic>
     </p:spTree>
     <p:extLst>
       <p:ext uri="{BB962C8B-B14F-4D97-AF65-F5344CB8AC3E}">
@@ -6054,54 +6101,87 @@
           </a:p>
         </p:txBody>
       </p:sp>
+      <p:pic>
+        <p:nvPicPr>
+          <p:cNvPr id="5" name="그림 4">
+            <a:extLst>
+              <a:ext uri="{FF2B5EF4-FFF2-40B4-BE49-F238E27FC236}">
+                <a16:creationId xmlns:a16="http://schemas.microsoft.com/office/drawing/2014/main" id="{15BAFBD1-784B-4D4C-A6B6-7662A5ED6296}"/>
+              </a:ext>
+            </a:extLst>
+          </p:cNvPr>
+          <p:cNvPicPr>
+            <a:picLocks noChangeAspect="1"/>
+          </p:cNvPicPr>
+          <p:nvPr/>
+        </p:nvPicPr>
+        <p:blipFill>
+          <a:blip r:embed="rId2">
+            <a:extLst>
+              <a:ext uri="{28A0092B-C50C-407E-A947-70E740481C1C}">
+                <a14:useLocalDpi xmlns:a14="http://schemas.microsoft.com/office/drawing/2010/main" val="0"/>
+              </a:ext>
+            </a:extLst>
+          </a:blip>
+          <a:stretch>
+            <a:fillRect/>
+          </a:stretch>
+        </p:blipFill>
+        <p:spPr>
+          <a:xfrm>
+            <a:off x="2861810" y="1808820"/>
+            <a:ext cx="3420380" cy="4560507"/>
+          </a:xfrm>
+          <a:prstGeom prst="rect">
+            <a:avLst/>
+          </a:prstGeom>
+        </p:spPr>
+      </p:pic>
       <p:sp>
         <p:nvSpPr>
-          <p:cNvPr id="3" name="TextBox 2">
+          <p:cNvPr id="6" name="직사각형 5">
             <a:extLst>
               <a:ext uri="{FF2B5EF4-FFF2-40B4-BE49-F238E27FC236}">
-                <a16:creationId xmlns:a16="http://schemas.microsoft.com/office/drawing/2014/main" id="{1A3B5FB3-2FB3-4CB7-9691-2CB49F852A3F}"/>
+                <a16:creationId xmlns:a16="http://schemas.microsoft.com/office/drawing/2014/main" id="{CB96888D-6D52-428B-BE51-AED5E566150B}"/>
               </a:ext>
             </a:extLst>
           </p:cNvPr>
-          <p:cNvSpPr txBox="1"/>
+          <p:cNvSpPr/>
           <p:nvPr/>
         </p:nvSpPr>
         <p:spPr>
           <a:xfrm>
-            <a:off x="1979712" y="3007403"/>
-            <a:ext cx="5436604" cy="984885"/>
+            <a:off x="3599892" y="1264114"/>
+            <a:ext cx="2052230" cy="369332"/>
           </a:xfrm>
           <a:prstGeom prst="rect">
             <a:avLst/>
           </a:prstGeom>
-          <a:noFill/>
-          <a:ln w="3175">
-            <a:noFill/>
-          </a:ln>
-          <a:effectLst/>
-        </p:spPr>
+          <a:ln/>
+        </p:spPr>
+        <p:style>
+          <a:lnRef idx="1">
+            <a:schemeClr val="dk1"/>
+          </a:lnRef>
+          <a:fillRef idx="2">
+            <a:schemeClr val="dk1"/>
+          </a:fillRef>
+          <a:effectRef idx="1">
+            <a:schemeClr val="dk1"/>
+          </a:effectRef>
+          <a:fontRef idx="minor">
+            <a:schemeClr val="dk1"/>
+          </a:fontRef>
+        </p:style>
         <p:txBody>
-          <a:bodyPr wrap="square" lIns="0" tIns="0" rIns="0" bIns="0" rtlCol="0">
+          <a:bodyPr wrap="square" lIns="0" tIns="0" rIns="0" bIns="0" rtlCol="0" anchor="ctr" anchorCtr="0">
             <a:spAutoFit/>
           </a:bodyPr>
           <a:lstStyle/>
           <a:p>
-            <a:pPr marL="180975" indent="-180975" defTabSz="975022" latinLnBrk="0">
-              <a:spcBef>
-                <a:spcPts val="500"/>
-              </a:spcBef>
-              <a:buClr>
-                <a:schemeClr val="tx1">
-                  <a:lumMod val="65000"/>
-                  <a:lumOff val="35000"/>
-                </a:schemeClr>
-              </a:buClr>
-              <a:buSzPct val="60000"/>
-              <a:buFont typeface="Wingdings" pitchFamily="2" charset="2"/>
-              <a:buChar char="l"/>
-            </a:pPr>
-            <a:r>
-              <a:rPr lang="ko-KR" altLang="en-US" sz="3200" b="1" spc="-60" dirty="0">
+            <a:pPr algn="ctr" latinLnBrk="0"/>
+            <a:r>
+              <a:rPr lang="ko-KR" altLang="en-US" sz="2400" spc="-60" dirty="0" err="1">
                 <a:solidFill>
                   <a:schemeClr val="tx1">
                     <a:lumMod val="65000"/>
@@ -6110,57 +6190,9 @@
                 </a:solidFill>
                 <a:latin typeface="+mn-ea"/>
               </a:rPr>
-              <a:t>대충 </a:t>
-            </a:r>
-            <a:r>
-              <a:rPr lang="en-US" altLang="ko-KR" sz="3200" b="1" spc="-60" dirty="0" err="1">
-                <a:solidFill>
-                  <a:schemeClr val="tx1">
-                    <a:lumMod val="65000"/>
-                    <a:lumOff val="35000"/>
-                  </a:schemeClr>
-                </a:solidFill>
-                <a:latin typeface="+mn-ea"/>
-              </a:rPr>
-              <a:t>Tkinter</a:t>
-            </a:r>
-            <a:r>
-              <a:rPr lang="en-US" altLang="ko-KR" sz="3200" b="1" spc="-60" dirty="0">
-                <a:solidFill>
-                  <a:schemeClr val="tx1">
-                    <a:lumMod val="65000"/>
-                    <a:lumOff val="35000"/>
-                  </a:schemeClr>
-                </a:solidFill>
-                <a:latin typeface="+mn-ea"/>
-              </a:rPr>
-              <a:t> UI</a:t>
-            </a:r>
-            <a:r>
-              <a:rPr lang="ko-KR" altLang="en-US" sz="3200" b="1" spc="-60" dirty="0">
-                <a:solidFill>
-                  <a:schemeClr val="tx1">
-                    <a:lumMod val="65000"/>
-                    <a:lumOff val="35000"/>
-                  </a:schemeClr>
-                </a:solidFill>
-                <a:latin typeface="+mn-ea"/>
-              </a:rPr>
-              <a:t>에 대해 설명하는 </a:t>
-            </a:r>
-            <a:r>
-              <a:rPr lang="en-US" altLang="ko-KR" sz="3200" b="1" spc="-60" dirty="0">
-                <a:solidFill>
-                  <a:schemeClr val="tx1">
-                    <a:lumMod val="65000"/>
-                    <a:lumOff val="35000"/>
-                  </a:schemeClr>
-                </a:solidFill>
-                <a:latin typeface="+mn-ea"/>
-              </a:rPr>
-              <a:t>ppt</a:t>
-            </a:r>
-            <a:endParaRPr lang="ko-KR" altLang="en-US" sz="3200" b="1" spc="-60" dirty="0">
+              <a:t>메인화면</a:t>
+            </a:r>
+            <a:endParaRPr lang="ko-KR" altLang="en-US" sz="2400" spc="-60" dirty="0">
               <a:solidFill>
                 <a:schemeClr val="tx1">
                   <a:lumMod val="65000"/>
@@ -6172,10 +6204,278 @@
           </a:p>
         </p:txBody>
       </p:sp>
+      <p:cxnSp>
+        <p:nvCxnSpPr>
+          <p:cNvPr id="8" name="직선 화살표 연결선 7">
+            <a:extLst>
+              <a:ext uri="{FF2B5EF4-FFF2-40B4-BE49-F238E27FC236}">
+                <a16:creationId xmlns:a16="http://schemas.microsoft.com/office/drawing/2014/main" id="{440F4D8E-0B0A-450F-9C04-7B20ADEA3935}"/>
+              </a:ext>
+            </a:extLst>
+          </p:cNvPr>
+          <p:cNvCxnSpPr/>
+          <p:nvPr/>
+        </p:nvCxnSpPr>
+        <p:spPr>
+          <a:xfrm flipV="1">
+            <a:off x="2195736" y="4473116"/>
+            <a:ext cx="1548172" cy="576064"/>
+          </a:xfrm>
+          <a:prstGeom prst="straightConnector1">
+            <a:avLst/>
+          </a:prstGeom>
+          <a:ln w="38100">
+            <a:tailEnd type="triangle"/>
+          </a:ln>
+        </p:spPr>
+        <p:style>
+          <a:lnRef idx="1">
+            <a:schemeClr val="dk1"/>
+          </a:lnRef>
+          <a:fillRef idx="0">
+            <a:schemeClr val="dk1"/>
+          </a:fillRef>
+          <a:effectRef idx="0">
+            <a:schemeClr val="dk1"/>
+          </a:effectRef>
+          <a:fontRef idx="minor">
+            <a:schemeClr val="tx1"/>
+          </a:fontRef>
+        </p:style>
+      </p:cxnSp>
+      <p:cxnSp>
+        <p:nvCxnSpPr>
+          <p:cNvPr id="11" name="직선 화살표 연결선 10">
+            <a:extLst>
+              <a:ext uri="{FF2B5EF4-FFF2-40B4-BE49-F238E27FC236}">
+                <a16:creationId xmlns:a16="http://schemas.microsoft.com/office/drawing/2014/main" id="{7B2ADAA7-16C7-41C4-88D5-E9C45E43937A}"/>
+              </a:ext>
+            </a:extLst>
+          </p:cNvPr>
+          <p:cNvCxnSpPr>
+            <a:cxnSpLocks/>
+          </p:cNvCxnSpPr>
+          <p:nvPr/>
+        </p:nvCxnSpPr>
+        <p:spPr>
+          <a:xfrm flipH="1" flipV="1">
+            <a:off x="5328085" y="5121189"/>
+            <a:ext cx="1260139" cy="396043"/>
+          </a:xfrm>
+          <a:prstGeom prst="straightConnector1">
+            <a:avLst/>
+          </a:prstGeom>
+          <a:ln w="38100">
+            <a:tailEnd type="triangle"/>
+          </a:ln>
+        </p:spPr>
+        <p:style>
+          <a:lnRef idx="1">
+            <a:schemeClr val="dk1"/>
+          </a:lnRef>
+          <a:fillRef idx="0">
+            <a:schemeClr val="dk1"/>
+          </a:fillRef>
+          <a:effectRef idx="0">
+            <a:schemeClr val="dk1"/>
+          </a:effectRef>
+          <a:fontRef idx="minor">
+            <a:schemeClr val="tx1"/>
+          </a:fontRef>
+        </p:style>
+      </p:cxnSp>
+      <p:sp>
+        <p:nvSpPr>
+          <p:cNvPr id="12" name="직사각형 11">
+            <a:extLst>
+              <a:ext uri="{FF2B5EF4-FFF2-40B4-BE49-F238E27FC236}">
+                <a16:creationId xmlns:a16="http://schemas.microsoft.com/office/drawing/2014/main" id="{482A981D-2415-4F91-AB0C-3E69868ADECC}"/>
+              </a:ext>
+            </a:extLst>
+          </p:cNvPr>
+          <p:cNvSpPr/>
+          <p:nvPr/>
+        </p:nvSpPr>
+        <p:spPr>
+          <a:xfrm>
+            <a:off x="179512" y="4996044"/>
+            <a:ext cx="2124236" cy="646331"/>
+          </a:xfrm>
+          <a:prstGeom prst="rect">
+            <a:avLst/>
+          </a:prstGeom>
+          <a:ln/>
+        </p:spPr>
+        <p:style>
+          <a:lnRef idx="1">
+            <a:schemeClr val="dk1"/>
+          </a:lnRef>
+          <a:fillRef idx="2">
+            <a:schemeClr val="dk1"/>
+          </a:fillRef>
+          <a:effectRef idx="1">
+            <a:schemeClr val="dk1"/>
+          </a:effectRef>
+          <a:fontRef idx="minor">
+            <a:schemeClr val="dk1"/>
+          </a:fontRef>
+        </p:style>
+        <p:txBody>
+          <a:bodyPr wrap="square" lIns="0" tIns="0" rIns="0" bIns="0" rtlCol="0" anchor="ctr" anchorCtr="0">
+            <a:spAutoFit/>
+          </a:bodyPr>
+          <a:lstStyle/>
+          <a:p>
+            <a:pPr algn="ctr" latinLnBrk="0"/>
+            <a:r>
+              <a:rPr lang="ko-KR" altLang="en-US" sz="1400" spc="-60" dirty="0">
+                <a:solidFill>
+                  <a:schemeClr val="tx1">
+                    <a:lumMod val="65000"/>
+                    <a:lumOff val="35000"/>
+                  </a:schemeClr>
+                </a:solidFill>
+                <a:latin typeface="+mn-ea"/>
+              </a:rPr>
+              <a:t>선택 시 </a:t>
+            </a:r>
+            <a:r>
+              <a:rPr lang="en-US" altLang="ko-KR" sz="1400" spc="-60" dirty="0" err="1">
+                <a:solidFill>
+                  <a:schemeClr val="tx1">
+                    <a:lumMod val="65000"/>
+                    <a:lumOff val="35000"/>
+                  </a:schemeClr>
+                </a:solidFill>
+                <a:latin typeface="+mn-ea"/>
+              </a:rPr>
+              <a:t>Tkinter</a:t>
+            </a:r>
+            <a:r>
+              <a:rPr lang="en-US" altLang="ko-KR" sz="1400" spc="-60" dirty="0">
+                <a:solidFill>
+                  <a:schemeClr val="tx1">
+                    <a:lumMod val="65000"/>
+                    <a:lumOff val="35000"/>
+                  </a:schemeClr>
+                </a:solidFill>
+                <a:latin typeface="+mn-ea"/>
+              </a:rPr>
+              <a:t> </a:t>
+            </a:r>
+            <a:r>
+              <a:rPr lang="ko-KR" altLang="en-US" sz="1400" spc="-60" dirty="0">
+                <a:solidFill>
+                  <a:schemeClr val="tx1">
+                    <a:lumMod val="65000"/>
+                    <a:lumOff val="35000"/>
+                  </a:schemeClr>
+                </a:solidFill>
+                <a:latin typeface="+mn-ea"/>
+              </a:rPr>
+              <a:t>창의 크기가 바뀌며 대피소를 검색 할 수 있는 화면으로 전환</a:t>
+            </a:r>
+          </a:p>
+        </p:txBody>
+      </p:sp>
+      <p:sp>
+        <p:nvSpPr>
+          <p:cNvPr id="15" name="직사각형 14">
+            <a:extLst>
+              <a:ext uri="{FF2B5EF4-FFF2-40B4-BE49-F238E27FC236}">
+                <a16:creationId xmlns:a16="http://schemas.microsoft.com/office/drawing/2014/main" id="{D0D073FC-E2D2-47CC-A43A-D43A65235154}"/>
+              </a:ext>
+            </a:extLst>
+          </p:cNvPr>
+          <p:cNvSpPr/>
+          <p:nvPr/>
+        </p:nvSpPr>
+        <p:spPr>
+          <a:xfrm>
+            <a:off x="6480212" y="5482363"/>
+            <a:ext cx="2484276" cy="861774"/>
+          </a:xfrm>
+          <a:prstGeom prst="rect">
+            <a:avLst/>
+          </a:prstGeom>
+          <a:ln/>
+        </p:spPr>
+        <p:style>
+          <a:lnRef idx="1">
+            <a:schemeClr val="dk1"/>
+          </a:lnRef>
+          <a:fillRef idx="2">
+            <a:schemeClr val="dk1"/>
+          </a:fillRef>
+          <a:effectRef idx="1">
+            <a:schemeClr val="dk1"/>
+          </a:effectRef>
+          <a:fontRef idx="minor">
+            <a:schemeClr val="dk1"/>
+          </a:fontRef>
+        </p:style>
+        <p:txBody>
+          <a:bodyPr wrap="square" lIns="0" tIns="0" rIns="0" bIns="0" rtlCol="0" anchor="ctr" anchorCtr="0">
+            <a:spAutoFit/>
+          </a:bodyPr>
+          <a:lstStyle/>
+          <a:p>
+            <a:pPr algn="ctr" latinLnBrk="0"/>
+            <a:r>
+              <a:rPr lang="ko-KR" altLang="en-US" sz="1400" spc="-60" dirty="0">
+                <a:solidFill>
+                  <a:schemeClr val="tx1">
+                    <a:lumMod val="65000"/>
+                    <a:lumOff val="35000"/>
+                  </a:schemeClr>
+                </a:solidFill>
+                <a:latin typeface="+mn-ea"/>
+              </a:rPr>
+              <a:t>선택 시 </a:t>
+            </a:r>
+            <a:r>
+              <a:rPr lang="en-US" altLang="ko-KR" sz="1400" spc="-60" dirty="0" err="1">
+                <a:solidFill>
+                  <a:schemeClr val="tx1">
+                    <a:lumMod val="65000"/>
+                    <a:lumOff val="35000"/>
+                  </a:schemeClr>
+                </a:solidFill>
+                <a:latin typeface="+mn-ea"/>
+              </a:rPr>
+              <a:t>Tkinter</a:t>
+            </a:r>
+            <a:r>
+              <a:rPr lang="en-US" altLang="ko-KR" sz="1400" spc="-60" dirty="0">
+                <a:solidFill>
+                  <a:schemeClr val="tx1">
+                    <a:lumMod val="65000"/>
+                    <a:lumOff val="35000"/>
+                  </a:schemeClr>
+                </a:solidFill>
+                <a:latin typeface="+mn-ea"/>
+              </a:rPr>
+              <a:t> </a:t>
+            </a:r>
+            <a:r>
+              <a:rPr lang="ko-KR" altLang="en-US" sz="1400" spc="-60" dirty="0">
+                <a:solidFill>
+                  <a:schemeClr val="tx1">
+                    <a:lumMod val="65000"/>
+                    <a:lumOff val="35000"/>
+                  </a:schemeClr>
+                </a:solidFill>
+                <a:latin typeface="+mn-ea"/>
+              </a:rPr>
+              <a:t>창의 크기가 바뀌며 즐겨찾기 추가한 대피소들의 목록을 볼 수 있는 화면으로 전환</a:t>
+            </a:r>
+          </a:p>
+        </p:txBody>
+      </p:sp>
     </p:spTree>
     <p:extLst>
       <p:ext uri="{BB962C8B-B14F-4D97-AF65-F5344CB8AC3E}">
-        <p14:creationId xmlns:p14="http://schemas.microsoft.com/office/powerpoint/2010/main" val="3004609779"/>
+        <p14:creationId xmlns:p14="http://schemas.microsoft.com/office/powerpoint/2010/main" val="2260353110"/>
       </p:ext>
     </p:extLst>
   </p:cSld>
@@ -6202,6 +6502,1908 @@
           <a:chExt cx="0" cy="0"/>
         </a:xfrm>
       </p:grpSpPr>
+      <p:sp>
+        <p:nvSpPr>
+          <p:cNvPr id="2" name="슬라이드 번호 개체 틀 1">
+            <a:extLst>
+              <a:ext uri="{FF2B5EF4-FFF2-40B4-BE49-F238E27FC236}">
+                <a16:creationId xmlns:a16="http://schemas.microsoft.com/office/drawing/2014/main" id="{607F5CF9-5CB7-427D-BE97-2C4A776DBF35}"/>
+              </a:ext>
+            </a:extLst>
+          </p:cNvPr>
+          <p:cNvSpPr>
+            <a:spLocks noGrp="1"/>
+          </p:cNvSpPr>
+          <p:nvPr>
+            <p:ph type="sldNum" sz="quarter" idx="12"/>
+          </p:nvPr>
+        </p:nvSpPr>
+        <p:spPr/>
+        <p:txBody>
+          <a:bodyPr/>
+          <a:lstStyle/>
+          <a:p>
+            <a:fld id="{3ABC768E-094C-1348-9D29-2163BD33EBDB}" type="slidenum">
+              <a:rPr kumimoji="1" lang="ko-KR" altLang="en-US" smtClean="0"/>
+              <a:pPr/>
+              <a:t>7</a:t>
+            </a:fld>
+            <a:endParaRPr kumimoji="1" lang="ko-KR" altLang="en-US" dirty="0"/>
+          </a:p>
+        </p:txBody>
+      </p:sp>
+      <p:sp>
+        <p:nvSpPr>
+          <p:cNvPr id="29" name="사각형: 둥근 모서리 28">
+            <a:extLst>
+              <a:ext uri="{FF2B5EF4-FFF2-40B4-BE49-F238E27FC236}">
+                <a16:creationId xmlns:a16="http://schemas.microsoft.com/office/drawing/2014/main" id="{5FFF4DAD-BEDF-48A6-ADE4-3D76DC11A818}"/>
+              </a:ext>
+            </a:extLst>
+          </p:cNvPr>
+          <p:cNvSpPr/>
+          <p:nvPr/>
+        </p:nvSpPr>
+        <p:spPr>
+          <a:xfrm>
+            <a:off x="71500" y="892776"/>
+            <a:ext cx="3420380" cy="504056"/>
+          </a:xfrm>
+          <a:prstGeom prst="roundRect">
+            <a:avLst>
+              <a:gd name="adj" fmla="val 50000"/>
+            </a:avLst>
+          </a:prstGeom>
+          <a:noFill/>
+          <a:ln w="47625">
+            <a:solidFill>
+              <a:srgbClr val="7FC3B6"/>
+            </a:solidFill>
+          </a:ln>
+        </p:spPr>
+        <p:txBody>
+          <a:bodyPr wrap="square" lIns="0" tIns="0" rIns="0" bIns="0" rtlCol="0" anchor="ctr" anchorCtr="0">
+            <a:spAutoFit/>
+          </a:bodyPr>
+          <a:lstStyle/>
+          <a:p>
+            <a:pPr algn="ctr" latinLnBrk="0"/>
+            <a:endParaRPr lang="en-US" sz="1400" spc="-60" dirty="0">
+              <a:solidFill>
+                <a:schemeClr val="tx1">
+                  <a:lumMod val="65000"/>
+                  <a:lumOff val="35000"/>
+                </a:schemeClr>
+              </a:solidFill>
+              <a:latin typeface="+mn-ea"/>
+            </a:endParaRPr>
+          </a:p>
+        </p:txBody>
+      </p:sp>
+      <p:sp>
+        <p:nvSpPr>
+          <p:cNvPr id="30" name="제목 5">
+            <a:extLst>
+              <a:ext uri="{FF2B5EF4-FFF2-40B4-BE49-F238E27FC236}">
+                <a16:creationId xmlns:a16="http://schemas.microsoft.com/office/drawing/2014/main" id="{74C97F73-37B8-4479-B7DD-0DDADA7D7EF6}"/>
+              </a:ext>
+            </a:extLst>
+          </p:cNvPr>
+          <p:cNvSpPr txBox="1">
+            <a:spLocks/>
+          </p:cNvSpPr>
+          <p:nvPr/>
+        </p:nvSpPr>
+        <p:spPr>
+          <a:xfrm>
+            <a:off x="1151620" y="944749"/>
+            <a:ext cx="7611888" cy="400110"/>
+          </a:xfrm>
+          <a:prstGeom prst="rect">
+            <a:avLst/>
+          </a:prstGeom>
+          <a:noFill/>
+          <a:ln w="6350" algn="ctr">
+            <a:noFill/>
+            <a:miter lim="800000"/>
+            <a:headEnd/>
+            <a:tailEnd/>
+          </a:ln>
+          <a:extLst>
+            <a:ext uri="{909E8E84-426E-40DD-AFC4-6F175D3DCCD1}">
+              <a14:hiddenFill xmlns:a14="http://schemas.microsoft.com/office/drawing/2010/main">
+                <a:solidFill>
+                  <a:srgbClr val="FFFFFF"/>
+                </a:solidFill>
+              </a14:hiddenFill>
+            </a:ext>
+            <a:ext uri="{91240B29-F687-4F45-9708-019B960494DF}">
+              <a14:hiddenLine xmlns:a14="http://schemas.microsoft.com/office/drawing/2010/main" w="12700" algn="ctr">
+                <a:solidFill>
+                  <a:srgbClr val="000000"/>
+                </a:solidFill>
+                <a:miter lim="800000"/>
+                <a:headEnd/>
+                <a:tailEnd/>
+              </a14:hiddenLine>
+            </a:ext>
+          </a:extLst>
+        </p:spPr>
+        <p:txBody>
+          <a:bodyPr wrap="square" lIns="0" tIns="0" rIns="0" bIns="0" anchor="t" anchorCtr="0">
+            <a:normAutofit/>
+            <a:scene3d>
+              <a:camera prst="orthographicFront"/>
+              <a:lightRig rig="threePt" dir="t"/>
+            </a:scene3d>
+            <a:sp3d>
+              <a:bevelT w="0" h="0"/>
+              <a:bevelB w="0" h="0"/>
+              <a:extrusionClr>
+                <a:schemeClr val="tx1"/>
+              </a:extrusionClr>
+              <a:contourClr>
+                <a:schemeClr val="tx1"/>
+              </a:contourClr>
+            </a:sp3d>
+          </a:bodyPr>
+          <a:lstStyle>
+            <a:lvl1pPr algn="ctr" defTabSz="914229" rtl="0" eaLnBrk="1" latinLnBrk="1" hangingPunct="1">
+              <a:spcBef>
+                <a:spcPct val="0"/>
+              </a:spcBef>
+              <a:buNone/>
+              <a:defRPr sz="4400" kern="1200">
+                <a:solidFill>
+                  <a:schemeClr val="tx1"/>
+                </a:solidFill>
+                <a:latin typeface="+mj-lt"/>
+                <a:ea typeface="+mj-ea"/>
+                <a:cs typeface="+mj-cs"/>
+              </a:defRPr>
+            </a:lvl1pPr>
+          </a:lstStyle>
+          <a:p>
+            <a:pPr algn="l"/>
+            <a:r>
+              <a:rPr lang="ko-KR" altLang="en-US" sz="2400" dirty="0">
+                <a:latin typeface="나눔스퀘어 ExtraBold" panose="020B0600000101010101" pitchFamily="50" charset="-127"/>
+                <a:ea typeface="나눔스퀘어 ExtraBold" panose="020B0600000101010101" pitchFamily="50" charset="-127"/>
+              </a:rPr>
+              <a:t>개발 내용</a:t>
+            </a:r>
+          </a:p>
+        </p:txBody>
+      </p:sp>
+      <p:pic>
+        <p:nvPicPr>
+          <p:cNvPr id="5" name="그림 4" descr="스크린샷이(가) 표시된 사진&#10;&#10;자동 생성된 설명">
+            <a:extLst>
+              <a:ext uri="{FF2B5EF4-FFF2-40B4-BE49-F238E27FC236}">
+                <a16:creationId xmlns:a16="http://schemas.microsoft.com/office/drawing/2014/main" id="{67663CE3-82D9-4295-B57C-BCE5049303C8}"/>
+              </a:ext>
+            </a:extLst>
+          </p:cNvPr>
+          <p:cNvPicPr>
+            <a:picLocks noChangeAspect="1"/>
+          </p:cNvPicPr>
+          <p:nvPr/>
+        </p:nvPicPr>
+        <p:blipFill>
+          <a:blip r:embed="rId2">
+            <a:extLst>
+              <a:ext uri="{28A0092B-C50C-407E-A947-70E740481C1C}">
+                <a14:useLocalDpi xmlns:a14="http://schemas.microsoft.com/office/drawing/2010/main" val="0"/>
+              </a:ext>
+            </a:extLst>
+          </a:blip>
+          <a:stretch>
+            <a:fillRect/>
+          </a:stretch>
+        </p:blipFill>
+        <p:spPr>
+          <a:xfrm>
+            <a:off x="2141730" y="1896942"/>
+            <a:ext cx="4860540" cy="3888432"/>
+          </a:xfrm>
+          <a:prstGeom prst="rect">
+            <a:avLst/>
+          </a:prstGeom>
+        </p:spPr>
+      </p:pic>
+      <p:sp>
+        <p:nvSpPr>
+          <p:cNvPr id="8" name="직사각형 7">
+            <a:extLst>
+              <a:ext uri="{FF2B5EF4-FFF2-40B4-BE49-F238E27FC236}">
+                <a16:creationId xmlns:a16="http://schemas.microsoft.com/office/drawing/2014/main" id="{FD28B282-0E3C-44DA-865A-90339B46E1A0}"/>
+              </a:ext>
+            </a:extLst>
+          </p:cNvPr>
+          <p:cNvSpPr/>
+          <p:nvPr/>
+        </p:nvSpPr>
+        <p:spPr>
+          <a:xfrm>
+            <a:off x="3599892" y="1264114"/>
+            <a:ext cx="2052230" cy="369332"/>
+          </a:xfrm>
+          <a:prstGeom prst="rect">
+            <a:avLst/>
+          </a:prstGeom>
+          <a:ln/>
+        </p:spPr>
+        <p:style>
+          <a:lnRef idx="1">
+            <a:schemeClr val="dk1"/>
+          </a:lnRef>
+          <a:fillRef idx="2">
+            <a:schemeClr val="dk1"/>
+          </a:fillRef>
+          <a:effectRef idx="1">
+            <a:schemeClr val="dk1"/>
+          </a:effectRef>
+          <a:fontRef idx="minor">
+            <a:schemeClr val="dk1"/>
+          </a:fontRef>
+        </p:style>
+        <p:txBody>
+          <a:bodyPr wrap="square" lIns="0" tIns="0" rIns="0" bIns="0" rtlCol="0" anchor="ctr" anchorCtr="0">
+            <a:spAutoFit/>
+          </a:bodyPr>
+          <a:lstStyle/>
+          <a:p>
+            <a:pPr algn="ctr" latinLnBrk="0"/>
+            <a:r>
+              <a:rPr lang="ko-KR" altLang="en-US" sz="2400" spc="-60" dirty="0">
+                <a:solidFill>
+                  <a:schemeClr val="tx1">
+                    <a:lumMod val="65000"/>
+                    <a:lumOff val="35000"/>
+                  </a:schemeClr>
+                </a:solidFill>
+                <a:latin typeface="+mn-ea"/>
+              </a:rPr>
+              <a:t>검색화면</a:t>
+            </a:r>
+          </a:p>
+        </p:txBody>
+      </p:sp>
+      <p:cxnSp>
+        <p:nvCxnSpPr>
+          <p:cNvPr id="9" name="직선 화살표 연결선 8">
+            <a:extLst>
+              <a:ext uri="{FF2B5EF4-FFF2-40B4-BE49-F238E27FC236}">
+                <a16:creationId xmlns:a16="http://schemas.microsoft.com/office/drawing/2014/main" id="{9E654EF8-A919-4994-B86A-45E9ED5F802E}"/>
+              </a:ext>
+            </a:extLst>
+          </p:cNvPr>
+          <p:cNvCxnSpPr>
+            <a:cxnSpLocks/>
+          </p:cNvCxnSpPr>
+          <p:nvPr/>
+        </p:nvCxnSpPr>
+        <p:spPr>
+          <a:xfrm flipH="1">
+            <a:off x="7024600" y="1803012"/>
+            <a:ext cx="486054" cy="487942"/>
+          </a:xfrm>
+          <a:prstGeom prst="straightConnector1">
+            <a:avLst/>
+          </a:prstGeom>
+          <a:ln w="38100">
+            <a:tailEnd type="triangle"/>
+          </a:ln>
+        </p:spPr>
+        <p:style>
+          <a:lnRef idx="1">
+            <a:schemeClr val="dk1"/>
+          </a:lnRef>
+          <a:fillRef idx="0">
+            <a:schemeClr val="dk1"/>
+          </a:fillRef>
+          <a:effectRef idx="0">
+            <a:schemeClr val="dk1"/>
+          </a:effectRef>
+          <a:fontRef idx="minor">
+            <a:schemeClr val="tx1"/>
+          </a:fontRef>
+        </p:style>
+      </p:cxnSp>
+      <p:cxnSp>
+        <p:nvCxnSpPr>
+          <p:cNvPr id="14" name="직선 화살표 연결선 13">
+            <a:extLst>
+              <a:ext uri="{FF2B5EF4-FFF2-40B4-BE49-F238E27FC236}">
+                <a16:creationId xmlns:a16="http://schemas.microsoft.com/office/drawing/2014/main" id="{7905E0DA-2F3F-4F00-AC75-2CE0AB6D7BEE}"/>
+              </a:ext>
+            </a:extLst>
+          </p:cNvPr>
+          <p:cNvCxnSpPr>
+            <a:cxnSpLocks/>
+          </p:cNvCxnSpPr>
+          <p:nvPr/>
+        </p:nvCxnSpPr>
+        <p:spPr>
+          <a:xfrm flipH="1">
+            <a:off x="6899632" y="3384271"/>
+            <a:ext cx="480586" cy="166839"/>
+          </a:xfrm>
+          <a:prstGeom prst="straightConnector1">
+            <a:avLst/>
+          </a:prstGeom>
+          <a:ln w="38100">
+            <a:tailEnd type="triangle"/>
+          </a:ln>
+        </p:spPr>
+        <p:style>
+          <a:lnRef idx="1">
+            <a:schemeClr val="dk1"/>
+          </a:lnRef>
+          <a:fillRef idx="0">
+            <a:schemeClr val="dk1"/>
+          </a:fillRef>
+          <a:effectRef idx="0">
+            <a:schemeClr val="dk1"/>
+          </a:effectRef>
+          <a:fontRef idx="minor">
+            <a:schemeClr val="tx1"/>
+          </a:fontRef>
+        </p:style>
+      </p:cxnSp>
+      <p:cxnSp>
+        <p:nvCxnSpPr>
+          <p:cNvPr id="15" name="직선 화살표 연결선 14">
+            <a:extLst>
+              <a:ext uri="{FF2B5EF4-FFF2-40B4-BE49-F238E27FC236}">
+                <a16:creationId xmlns:a16="http://schemas.microsoft.com/office/drawing/2014/main" id="{C854A527-75A8-42DF-B569-BCB8B921DF23}"/>
+              </a:ext>
+            </a:extLst>
+          </p:cNvPr>
+          <p:cNvCxnSpPr>
+            <a:cxnSpLocks/>
+          </p:cNvCxnSpPr>
+          <p:nvPr/>
+        </p:nvCxnSpPr>
+        <p:spPr>
+          <a:xfrm flipH="1">
+            <a:off x="6714593" y="4291335"/>
+            <a:ext cx="491482" cy="164332"/>
+          </a:xfrm>
+          <a:prstGeom prst="straightConnector1">
+            <a:avLst/>
+          </a:prstGeom>
+          <a:ln w="38100">
+            <a:tailEnd type="triangle"/>
+          </a:ln>
+        </p:spPr>
+        <p:style>
+          <a:lnRef idx="1">
+            <a:schemeClr val="dk1"/>
+          </a:lnRef>
+          <a:fillRef idx="0">
+            <a:schemeClr val="dk1"/>
+          </a:fillRef>
+          <a:effectRef idx="0">
+            <a:schemeClr val="dk1"/>
+          </a:effectRef>
+          <a:fontRef idx="minor">
+            <a:schemeClr val="tx1"/>
+          </a:fontRef>
+        </p:style>
+      </p:cxnSp>
+      <p:cxnSp>
+        <p:nvCxnSpPr>
+          <p:cNvPr id="16" name="직선 화살표 연결선 15">
+            <a:extLst>
+              <a:ext uri="{FF2B5EF4-FFF2-40B4-BE49-F238E27FC236}">
+                <a16:creationId xmlns:a16="http://schemas.microsoft.com/office/drawing/2014/main" id="{FE17351D-2A60-4672-9330-EB362F97ADA7}"/>
+              </a:ext>
+            </a:extLst>
+          </p:cNvPr>
+          <p:cNvCxnSpPr>
+            <a:cxnSpLocks/>
+          </p:cNvCxnSpPr>
+          <p:nvPr/>
+        </p:nvCxnSpPr>
+        <p:spPr>
+          <a:xfrm flipV="1">
+            <a:off x="1988713" y="5697252"/>
+            <a:ext cx="351039" cy="375984"/>
+          </a:xfrm>
+          <a:prstGeom prst="straightConnector1">
+            <a:avLst/>
+          </a:prstGeom>
+          <a:ln w="38100">
+            <a:tailEnd type="triangle"/>
+          </a:ln>
+        </p:spPr>
+        <p:style>
+          <a:lnRef idx="1">
+            <a:schemeClr val="dk1"/>
+          </a:lnRef>
+          <a:fillRef idx="0">
+            <a:schemeClr val="dk1"/>
+          </a:fillRef>
+          <a:effectRef idx="0">
+            <a:schemeClr val="dk1"/>
+          </a:effectRef>
+          <a:fontRef idx="minor">
+            <a:schemeClr val="tx1"/>
+          </a:fontRef>
+        </p:style>
+      </p:cxnSp>
+      <p:cxnSp>
+        <p:nvCxnSpPr>
+          <p:cNvPr id="18" name="직선 화살표 연결선 17">
+            <a:extLst>
+              <a:ext uri="{FF2B5EF4-FFF2-40B4-BE49-F238E27FC236}">
+                <a16:creationId xmlns:a16="http://schemas.microsoft.com/office/drawing/2014/main" id="{C4C2BF54-A8EC-4A1E-85F1-711CBC0DB443}"/>
+              </a:ext>
+            </a:extLst>
+          </p:cNvPr>
+          <p:cNvCxnSpPr>
+            <a:cxnSpLocks/>
+          </p:cNvCxnSpPr>
+          <p:nvPr/>
+        </p:nvCxnSpPr>
+        <p:spPr>
+          <a:xfrm flipV="1">
+            <a:off x="6607032" y="5734330"/>
+            <a:ext cx="1" cy="338906"/>
+          </a:xfrm>
+          <a:prstGeom prst="straightConnector1">
+            <a:avLst/>
+          </a:prstGeom>
+          <a:ln w="38100">
+            <a:tailEnd type="triangle"/>
+          </a:ln>
+        </p:spPr>
+        <p:style>
+          <a:lnRef idx="1">
+            <a:schemeClr val="dk1"/>
+          </a:lnRef>
+          <a:fillRef idx="0">
+            <a:schemeClr val="dk1"/>
+          </a:fillRef>
+          <a:effectRef idx="0">
+            <a:schemeClr val="dk1"/>
+          </a:effectRef>
+          <a:fontRef idx="minor">
+            <a:schemeClr val="tx1"/>
+          </a:fontRef>
+        </p:style>
+      </p:cxnSp>
+      <p:cxnSp>
+        <p:nvCxnSpPr>
+          <p:cNvPr id="20" name="직선 화살표 연결선 19">
+            <a:extLst>
+              <a:ext uri="{FF2B5EF4-FFF2-40B4-BE49-F238E27FC236}">
+                <a16:creationId xmlns:a16="http://schemas.microsoft.com/office/drawing/2014/main" id="{A22DE84B-129D-4AF0-A36E-6CA99793FFD4}"/>
+              </a:ext>
+            </a:extLst>
+          </p:cNvPr>
+          <p:cNvCxnSpPr>
+            <a:cxnSpLocks/>
+          </p:cNvCxnSpPr>
+          <p:nvPr/>
+        </p:nvCxnSpPr>
+        <p:spPr>
+          <a:xfrm flipH="1" flipV="1">
+            <a:off x="6966172" y="5039234"/>
+            <a:ext cx="301455" cy="119959"/>
+          </a:xfrm>
+          <a:prstGeom prst="straightConnector1">
+            <a:avLst/>
+          </a:prstGeom>
+          <a:ln w="38100">
+            <a:tailEnd type="triangle"/>
+          </a:ln>
+        </p:spPr>
+        <p:style>
+          <a:lnRef idx="1">
+            <a:schemeClr val="dk1"/>
+          </a:lnRef>
+          <a:fillRef idx="0">
+            <a:schemeClr val="dk1"/>
+          </a:fillRef>
+          <a:effectRef idx="0">
+            <a:schemeClr val="dk1"/>
+          </a:effectRef>
+          <a:fontRef idx="minor">
+            <a:schemeClr val="tx1"/>
+          </a:fontRef>
+        </p:style>
+      </p:cxnSp>
+      <p:sp>
+        <p:nvSpPr>
+          <p:cNvPr id="22" name="직사각형 21">
+            <a:extLst>
+              <a:ext uri="{FF2B5EF4-FFF2-40B4-BE49-F238E27FC236}">
+                <a16:creationId xmlns:a16="http://schemas.microsoft.com/office/drawing/2014/main" id="{1BDF3B62-E903-40A5-BB97-38577A377949}"/>
+              </a:ext>
+            </a:extLst>
+          </p:cNvPr>
+          <p:cNvSpPr/>
+          <p:nvPr/>
+        </p:nvSpPr>
+        <p:spPr>
+          <a:xfrm>
+            <a:off x="7016119" y="1165987"/>
+            <a:ext cx="2124236" cy="646331"/>
+          </a:xfrm>
+          <a:prstGeom prst="rect">
+            <a:avLst/>
+          </a:prstGeom>
+          <a:ln/>
+        </p:spPr>
+        <p:style>
+          <a:lnRef idx="1">
+            <a:schemeClr val="dk1"/>
+          </a:lnRef>
+          <a:fillRef idx="2">
+            <a:schemeClr val="dk1"/>
+          </a:fillRef>
+          <a:effectRef idx="1">
+            <a:schemeClr val="dk1"/>
+          </a:effectRef>
+          <a:fontRef idx="minor">
+            <a:schemeClr val="dk1"/>
+          </a:fontRef>
+        </p:style>
+        <p:txBody>
+          <a:bodyPr wrap="square" lIns="0" tIns="0" rIns="0" bIns="0" rtlCol="0" anchor="ctr" anchorCtr="0">
+            <a:spAutoFit/>
+          </a:bodyPr>
+          <a:lstStyle/>
+          <a:p>
+            <a:pPr algn="ctr" latinLnBrk="0"/>
+            <a:r>
+              <a:rPr lang="ko-KR" altLang="en-US" sz="1400" spc="-60" dirty="0">
+                <a:solidFill>
+                  <a:schemeClr val="tx1">
+                    <a:lumMod val="65000"/>
+                    <a:lumOff val="35000"/>
+                  </a:schemeClr>
+                </a:solidFill>
+                <a:latin typeface="+mn-ea"/>
+              </a:rPr>
+              <a:t>키워드를 받아 검색을 하거나 카테고리별로 값을 받아와서 검색 </a:t>
+            </a:r>
+          </a:p>
+        </p:txBody>
+      </p:sp>
+      <p:sp>
+        <p:nvSpPr>
+          <p:cNvPr id="24" name="직사각형 23">
+            <a:extLst>
+              <a:ext uri="{FF2B5EF4-FFF2-40B4-BE49-F238E27FC236}">
+                <a16:creationId xmlns:a16="http://schemas.microsoft.com/office/drawing/2014/main" id="{E3963056-F1D2-4E85-B504-38AB19AE13C4}"/>
+              </a:ext>
+            </a:extLst>
+          </p:cNvPr>
+          <p:cNvSpPr/>
+          <p:nvPr/>
+        </p:nvSpPr>
+        <p:spPr>
+          <a:xfrm>
+            <a:off x="17494" y="3224697"/>
+            <a:ext cx="2124236" cy="430887"/>
+          </a:xfrm>
+          <a:prstGeom prst="rect">
+            <a:avLst/>
+          </a:prstGeom>
+          <a:ln/>
+        </p:spPr>
+        <p:style>
+          <a:lnRef idx="1">
+            <a:schemeClr val="dk1"/>
+          </a:lnRef>
+          <a:fillRef idx="2">
+            <a:schemeClr val="dk1"/>
+          </a:fillRef>
+          <a:effectRef idx="1">
+            <a:schemeClr val="dk1"/>
+          </a:effectRef>
+          <a:fontRef idx="minor">
+            <a:schemeClr val="dk1"/>
+          </a:fontRef>
+        </p:style>
+        <p:txBody>
+          <a:bodyPr wrap="square" lIns="0" tIns="0" rIns="0" bIns="0" rtlCol="0" anchor="ctr" anchorCtr="0">
+            <a:spAutoFit/>
+          </a:bodyPr>
+          <a:lstStyle/>
+          <a:p>
+            <a:pPr algn="ctr" latinLnBrk="0"/>
+            <a:r>
+              <a:rPr lang="ko-KR" altLang="en-US" sz="1400" spc="-60" dirty="0">
+                <a:solidFill>
+                  <a:schemeClr val="tx1">
+                    <a:lumMod val="65000"/>
+                    <a:lumOff val="35000"/>
+                  </a:schemeClr>
+                </a:solidFill>
+                <a:latin typeface="+mn-ea"/>
+              </a:rPr>
+              <a:t>지도를 연동하여</a:t>
+            </a:r>
+            <a:endParaRPr lang="en-US" altLang="ko-KR" sz="1400" spc="-60" dirty="0">
+              <a:solidFill>
+                <a:schemeClr val="tx1">
+                  <a:lumMod val="65000"/>
+                  <a:lumOff val="35000"/>
+                </a:schemeClr>
+              </a:solidFill>
+              <a:latin typeface="+mn-ea"/>
+            </a:endParaRPr>
+          </a:p>
+          <a:p>
+            <a:pPr algn="ctr" latinLnBrk="0"/>
+            <a:r>
+              <a:rPr lang="ko-KR" altLang="en-US" sz="1400" spc="-60" dirty="0">
+                <a:solidFill>
+                  <a:schemeClr val="tx1">
+                    <a:lumMod val="65000"/>
+                    <a:lumOff val="35000"/>
+                  </a:schemeClr>
+                </a:solidFill>
+                <a:latin typeface="+mn-ea"/>
+              </a:rPr>
+              <a:t>출력하는 화면</a:t>
+            </a:r>
+          </a:p>
+        </p:txBody>
+      </p:sp>
+      <p:cxnSp>
+        <p:nvCxnSpPr>
+          <p:cNvPr id="12" name="직선 화살표 연결선 11">
+            <a:extLst>
+              <a:ext uri="{FF2B5EF4-FFF2-40B4-BE49-F238E27FC236}">
+                <a16:creationId xmlns:a16="http://schemas.microsoft.com/office/drawing/2014/main" id="{7A4B22FC-DC57-47A8-80E5-E2FAEE901242}"/>
+              </a:ext>
+            </a:extLst>
+          </p:cNvPr>
+          <p:cNvCxnSpPr>
+            <a:cxnSpLocks/>
+          </p:cNvCxnSpPr>
+          <p:nvPr/>
+        </p:nvCxnSpPr>
+        <p:spPr>
+          <a:xfrm>
+            <a:off x="1927859" y="3635938"/>
+            <a:ext cx="312882" cy="333122"/>
+          </a:xfrm>
+          <a:prstGeom prst="straightConnector1">
+            <a:avLst/>
+          </a:prstGeom>
+          <a:ln w="38100">
+            <a:tailEnd type="triangle"/>
+          </a:ln>
+        </p:spPr>
+        <p:style>
+          <a:lnRef idx="1">
+            <a:schemeClr val="dk1"/>
+          </a:lnRef>
+          <a:fillRef idx="0">
+            <a:schemeClr val="dk1"/>
+          </a:fillRef>
+          <a:effectRef idx="0">
+            <a:schemeClr val="dk1"/>
+          </a:effectRef>
+          <a:fontRef idx="minor">
+            <a:schemeClr val="tx1"/>
+          </a:fontRef>
+        </p:style>
+      </p:cxnSp>
+      <p:cxnSp>
+        <p:nvCxnSpPr>
+          <p:cNvPr id="27" name="직선 화살표 연결선 26">
+            <a:extLst>
+              <a:ext uri="{FF2B5EF4-FFF2-40B4-BE49-F238E27FC236}">
+                <a16:creationId xmlns:a16="http://schemas.microsoft.com/office/drawing/2014/main" id="{F928C5B6-E954-4AB6-AB0A-DB9F21285580}"/>
+              </a:ext>
+            </a:extLst>
+          </p:cNvPr>
+          <p:cNvCxnSpPr>
+            <a:cxnSpLocks/>
+          </p:cNvCxnSpPr>
+          <p:nvPr/>
+        </p:nvCxnSpPr>
+        <p:spPr>
+          <a:xfrm>
+            <a:off x="1988713" y="2168860"/>
+            <a:ext cx="1633509" cy="0"/>
+          </a:xfrm>
+          <a:prstGeom prst="straightConnector1">
+            <a:avLst/>
+          </a:prstGeom>
+          <a:ln w="38100">
+            <a:tailEnd type="triangle"/>
+          </a:ln>
+        </p:spPr>
+        <p:style>
+          <a:lnRef idx="1">
+            <a:schemeClr val="dk1"/>
+          </a:lnRef>
+          <a:fillRef idx="0">
+            <a:schemeClr val="dk1"/>
+          </a:fillRef>
+          <a:effectRef idx="0">
+            <a:schemeClr val="dk1"/>
+          </a:effectRef>
+          <a:fontRef idx="minor">
+            <a:schemeClr val="tx1"/>
+          </a:fontRef>
+        </p:style>
+      </p:cxnSp>
+      <p:cxnSp>
+        <p:nvCxnSpPr>
+          <p:cNvPr id="31" name="직선 화살표 연결선 30">
+            <a:extLst>
+              <a:ext uri="{FF2B5EF4-FFF2-40B4-BE49-F238E27FC236}">
+                <a16:creationId xmlns:a16="http://schemas.microsoft.com/office/drawing/2014/main" id="{4F2D7E32-6BF2-43C5-BA27-EC2A248B9233}"/>
+              </a:ext>
+            </a:extLst>
+          </p:cNvPr>
+          <p:cNvCxnSpPr>
+            <a:cxnSpLocks/>
+          </p:cNvCxnSpPr>
+          <p:nvPr/>
+        </p:nvCxnSpPr>
+        <p:spPr>
+          <a:xfrm>
+            <a:off x="1927859" y="2564904"/>
+            <a:ext cx="533234" cy="0"/>
+          </a:xfrm>
+          <a:prstGeom prst="straightConnector1">
+            <a:avLst/>
+          </a:prstGeom>
+          <a:ln w="38100">
+            <a:tailEnd type="triangle"/>
+          </a:ln>
+        </p:spPr>
+        <p:style>
+          <a:lnRef idx="1">
+            <a:schemeClr val="dk1"/>
+          </a:lnRef>
+          <a:fillRef idx="0">
+            <a:schemeClr val="dk1"/>
+          </a:fillRef>
+          <a:effectRef idx="0">
+            <a:schemeClr val="dk1"/>
+          </a:effectRef>
+          <a:fontRef idx="minor">
+            <a:schemeClr val="tx1"/>
+          </a:fontRef>
+        </p:style>
+      </p:cxnSp>
+      <p:sp>
+        <p:nvSpPr>
+          <p:cNvPr id="32" name="직사각형 31">
+            <a:extLst>
+              <a:ext uri="{FF2B5EF4-FFF2-40B4-BE49-F238E27FC236}">
+                <a16:creationId xmlns:a16="http://schemas.microsoft.com/office/drawing/2014/main" id="{9657D7D4-1E1C-4179-8CFE-568AD9EBEBF6}"/>
+              </a:ext>
+            </a:extLst>
+          </p:cNvPr>
+          <p:cNvSpPr/>
+          <p:nvPr/>
+        </p:nvSpPr>
+        <p:spPr>
+          <a:xfrm>
+            <a:off x="473121" y="2043717"/>
+            <a:ext cx="1561674" cy="215444"/>
+          </a:xfrm>
+          <a:prstGeom prst="rect">
+            <a:avLst/>
+          </a:prstGeom>
+          <a:ln/>
+        </p:spPr>
+        <p:style>
+          <a:lnRef idx="1">
+            <a:schemeClr val="dk1"/>
+          </a:lnRef>
+          <a:fillRef idx="2">
+            <a:schemeClr val="dk1"/>
+          </a:fillRef>
+          <a:effectRef idx="1">
+            <a:schemeClr val="dk1"/>
+          </a:effectRef>
+          <a:fontRef idx="minor">
+            <a:schemeClr val="dk1"/>
+          </a:fontRef>
+        </p:style>
+        <p:txBody>
+          <a:bodyPr wrap="square" lIns="0" tIns="0" rIns="0" bIns="0" rtlCol="0" anchor="ctr" anchorCtr="0">
+            <a:spAutoFit/>
+          </a:bodyPr>
+          <a:lstStyle/>
+          <a:p>
+            <a:pPr algn="ctr" latinLnBrk="0"/>
+            <a:r>
+              <a:rPr lang="ko-KR" altLang="en-US" sz="1400" spc="-60" dirty="0">
+                <a:solidFill>
+                  <a:schemeClr val="tx1">
+                    <a:lumMod val="65000"/>
+                    <a:lumOff val="35000"/>
+                  </a:schemeClr>
+                </a:solidFill>
+                <a:latin typeface="+mn-ea"/>
+              </a:rPr>
+              <a:t>키워드를 입력</a:t>
+            </a:r>
+          </a:p>
+        </p:txBody>
+      </p:sp>
+      <p:sp>
+        <p:nvSpPr>
+          <p:cNvPr id="33" name="직사각형 32">
+            <a:extLst>
+              <a:ext uri="{FF2B5EF4-FFF2-40B4-BE49-F238E27FC236}">
+                <a16:creationId xmlns:a16="http://schemas.microsoft.com/office/drawing/2014/main" id="{3A483806-DC61-42AE-862C-49396BCD07E6}"/>
+              </a:ext>
+            </a:extLst>
+          </p:cNvPr>
+          <p:cNvSpPr/>
+          <p:nvPr/>
+        </p:nvSpPr>
+        <p:spPr>
+          <a:xfrm>
+            <a:off x="376251" y="2454958"/>
+            <a:ext cx="1561674" cy="215444"/>
+          </a:xfrm>
+          <a:prstGeom prst="rect">
+            <a:avLst/>
+          </a:prstGeom>
+          <a:ln/>
+        </p:spPr>
+        <p:style>
+          <a:lnRef idx="1">
+            <a:schemeClr val="dk1"/>
+          </a:lnRef>
+          <a:fillRef idx="2">
+            <a:schemeClr val="dk1"/>
+          </a:fillRef>
+          <a:effectRef idx="1">
+            <a:schemeClr val="dk1"/>
+          </a:effectRef>
+          <a:fontRef idx="minor">
+            <a:schemeClr val="dk1"/>
+          </a:fontRef>
+        </p:style>
+        <p:txBody>
+          <a:bodyPr wrap="square" lIns="0" tIns="0" rIns="0" bIns="0" rtlCol="0" anchor="ctr" anchorCtr="0">
+            <a:spAutoFit/>
+          </a:bodyPr>
+          <a:lstStyle/>
+          <a:p>
+            <a:pPr algn="ctr" latinLnBrk="0"/>
+            <a:r>
+              <a:rPr lang="ko-KR" altLang="en-US" sz="1400" spc="-60" dirty="0">
+                <a:solidFill>
+                  <a:schemeClr val="tx1">
+                    <a:lumMod val="65000"/>
+                    <a:lumOff val="35000"/>
+                  </a:schemeClr>
+                </a:solidFill>
+                <a:latin typeface="+mn-ea"/>
+              </a:rPr>
+              <a:t>카테고리 선택</a:t>
+            </a:r>
+          </a:p>
+        </p:txBody>
+      </p:sp>
+      <p:sp>
+        <p:nvSpPr>
+          <p:cNvPr id="34" name="직사각형 33">
+            <a:extLst>
+              <a:ext uri="{FF2B5EF4-FFF2-40B4-BE49-F238E27FC236}">
+                <a16:creationId xmlns:a16="http://schemas.microsoft.com/office/drawing/2014/main" id="{9937EA71-52AB-4762-9EC0-88A5CC93B30D}"/>
+              </a:ext>
+            </a:extLst>
+          </p:cNvPr>
+          <p:cNvSpPr/>
+          <p:nvPr/>
+        </p:nvSpPr>
+        <p:spPr>
+          <a:xfrm>
+            <a:off x="7024600" y="2923789"/>
+            <a:ext cx="2124236" cy="430887"/>
+          </a:xfrm>
+          <a:prstGeom prst="rect">
+            <a:avLst/>
+          </a:prstGeom>
+          <a:ln/>
+        </p:spPr>
+        <p:style>
+          <a:lnRef idx="1">
+            <a:schemeClr val="dk1"/>
+          </a:lnRef>
+          <a:fillRef idx="2">
+            <a:schemeClr val="dk1"/>
+          </a:fillRef>
+          <a:effectRef idx="1">
+            <a:schemeClr val="dk1"/>
+          </a:effectRef>
+          <a:fontRef idx="minor">
+            <a:schemeClr val="dk1"/>
+          </a:fontRef>
+        </p:style>
+        <p:txBody>
+          <a:bodyPr wrap="square" lIns="0" tIns="0" rIns="0" bIns="0" rtlCol="0" anchor="ctr" anchorCtr="0">
+            <a:spAutoFit/>
+          </a:bodyPr>
+          <a:lstStyle/>
+          <a:p>
+            <a:pPr algn="ctr" latinLnBrk="0"/>
+            <a:r>
+              <a:rPr lang="ko-KR" altLang="en-US" sz="1400" spc="-60" dirty="0">
+                <a:solidFill>
+                  <a:schemeClr val="tx1">
+                    <a:lumMod val="65000"/>
+                    <a:lumOff val="35000"/>
+                  </a:schemeClr>
+                </a:solidFill>
+                <a:latin typeface="+mn-ea"/>
+              </a:rPr>
+              <a:t>선택한 대피소의 주소와</a:t>
+            </a:r>
+            <a:endParaRPr lang="en-US" altLang="ko-KR" sz="1400" spc="-60" dirty="0">
+              <a:solidFill>
+                <a:schemeClr val="tx1">
+                  <a:lumMod val="65000"/>
+                  <a:lumOff val="35000"/>
+                </a:schemeClr>
+              </a:solidFill>
+              <a:latin typeface="+mn-ea"/>
+            </a:endParaRPr>
+          </a:p>
+          <a:p>
+            <a:pPr algn="ctr" latinLnBrk="0"/>
+            <a:r>
+              <a:rPr lang="ko-KR" altLang="en-US" sz="1400" spc="-60" dirty="0">
+                <a:solidFill>
+                  <a:schemeClr val="tx1">
+                    <a:lumMod val="65000"/>
+                    <a:lumOff val="35000"/>
+                  </a:schemeClr>
+                </a:solidFill>
+                <a:latin typeface="+mn-ea"/>
+              </a:rPr>
+              <a:t>위도 경도를 출력한다</a:t>
+            </a:r>
+            <a:r>
+              <a:rPr lang="en-US" altLang="ko-KR" sz="1400" spc="-60" dirty="0">
+                <a:solidFill>
+                  <a:schemeClr val="tx1">
+                    <a:lumMod val="65000"/>
+                    <a:lumOff val="35000"/>
+                  </a:schemeClr>
+                </a:solidFill>
+                <a:latin typeface="+mn-ea"/>
+              </a:rPr>
+              <a:t>.</a:t>
+            </a:r>
+            <a:endParaRPr lang="ko-KR" altLang="en-US" sz="1400" spc="-60" dirty="0">
+              <a:solidFill>
+                <a:schemeClr val="tx1">
+                  <a:lumMod val="65000"/>
+                  <a:lumOff val="35000"/>
+                </a:schemeClr>
+              </a:solidFill>
+              <a:latin typeface="+mn-ea"/>
+            </a:endParaRPr>
+          </a:p>
+        </p:txBody>
+      </p:sp>
+      <p:sp>
+        <p:nvSpPr>
+          <p:cNvPr id="38" name="직사각형 37">
+            <a:extLst>
+              <a:ext uri="{FF2B5EF4-FFF2-40B4-BE49-F238E27FC236}">
+                <a16:creationId xmlns:a16="http://schemas.microsoft.com/office/drawing/2014/main" id="{570B70EF-CE52-4E76-A146-1010883E8A9C}"/>
+              </a:ext>
+            </a:extLst>
+          </p:cNvPr>
+          <p:cNvSpPr/>
+          <p:nvPr/>
+        </p:nvSpPr>
+        <p:spPr>
+          <a:xfrm>
+            <a:off x="7002270" y="3835776"/>
+            <a:ext cx="2124236" cy="430887"/>
+          </a:xfrm>
+          <a:prstGeom prst="rect">
+            <a:avLst/>
+          </a:prstGeom>
+          <a:ln/>
+        </p:spPr>
+        <p:style>
+          <a:lnRef idx="1">
+            <a:schemeClr val="dk1"/>
+          </a:lnRef>
+          <a:fillRef idx="2">
+            <a:schemeClr val="dk1"/>
+          </a:fillRef>
+          <a:effectRef idx="1">
+            <a:schemeClr val="dk1"/>
+          </a:effectRef>
+          <a:fontRef idx="minor">
+            <a:schemeClr val="dk1"/>
+          </a:fontRef>
+        </p:style>
+        <p:txBody>
+          <a:bodyPr wrap="square" lIns="0" tIns="0" rIns="0" bIns="0" rtlCol="0" anchor="ctr" anchorCtr="0">
+            <a:spAutoFit/>
+          </a:bodyPr>
+          <a:lstStyle/>
+          <a:p>
+            <a:pPr algn="ctr" latinLnBrk="0"/>
+            <a:r>
+              <a:rPr lang="ko-KR" altLang="en-US" sz="1400" spc="-60" dirty="0">
+                <a:solidFill>
+                  <a:schemeClr val="tx1">
+                    <a:lumMod val="65000"/>
+                    <a:lumOff val="35000"/>
+                  </a:schemeClr>
+                </a:solidFill>
+                <a:latin typeface="+mn-ea"/>
+              </a:rPr>
+              <a:t>메일 연동을 하여 대피소의 주소를 메일로 보낸다</a:t>
+            </a:r>
+          </a:p>
+        </p:txBody>
+      </p:sp>
+      <p:sp>
+        <p:nvSpPr>
+          <p:cNvPr id="41" name="직사각형 40">
+            <a:extLst>
+              <a:ext uri="{FF2B5EF4-FFF2-40B4-BE49-F238E27FC236}">
+                <a16:creationId xmlns:a16="http://schemas.microsoft.com/office/drawing/2014/main" id="{7796D06D-C16F-45A3-9C9A-7612A993979E}"/>
+              </a:ext>
+            </a:extLst>
+          </p:cNvPr>
+          <p:cNvSpPr/>
+          <p:nvPr/>
+        </p:nvSpPr>
+        <p:spPr>
+          <a:xfrm>
+            <a:off x="681231" y="6070040"/>
+            <a:ext cx="2124236" cy="430887"/>
+          </a:xfrm>
+          <a:prstGeom prst="rect">
+            <a:avLst/>
+          </a:prstGeom>
+          <a:ln/>
+        </p:spPr>
+        <p:style>
+          <a:lnRef idx="1">
+            <a:schemeClr val="dk1"/>
+          </a:lnRef>
+          <a:fillRef idx="2">
+            <a:schemeClr val="dk1"/>
+          </a:fillRef>
+          <a:effectRef idx="1">
+            <a:schemeClr val="dk1"/>
+          </a:effectRef>
+          <a:fontRef idx="minor">
+            <a:schemeClr val="dk1"/>
+          </a:fontRef>
+        </p:style>
+        <p:txBody>
+          <a:bodyPr wrap="square" lIns="0" tIns="0" rIns="0" bIns="0" rtlCol="0" anchor="ctr" anchorCtr="0">
+            <a:spAutoFit/>
+          </a:bodyPr>
+          <a:lstStyle/>
+          <a:p>
+            <a:pPr algn="ctr" latinLnBrk="0"/>
+            <a:r>
+              <a:rPr lang="ko-KR" altLang="en-US" sz="1400" spc="-60" dirty="0">
+                <a:solidFill>
+                  <a:schemeClr val="tx1">
+                    <a:lumMod val="65000"/>
+                    <a:lumOff val="35000"/>
+                  </a:schemeClr>
+                </a:solidFill>
+                <a:latin typeface="+mn-ea"/>
+              </a:rPr>
+              <a:t>검색한 지역의 대피소 목록이 나온다</a:t>
+            </a:r>
+          </a:p>
+        </p:txBody>
+      </p:sp>
+      <p:sp>
+        <p:nvSpPr>
+          <p:cNvPr id="42" name="직사각형 41">
+            <a:extLst>
+              <a:ext uri="{FF2B5EF4-FFF2-40B4-BE49-F238E27FC236}">
+                <a16:creationId xmlns:a16="http://schemas.microsoft.com/office/drawing/2014/main" id="{B38AD87D-87A0-40AD-93B5-E088A874EC3D}"/>
+              </a:ext>
+            </a:extLst>
+          </p:cNvPr>
+          <p:cNvSpPr/>
+          <p:nvPr/>
+        </p:nvSpPr>
+        <p:spPr>
+          <a:xfrm>
+            <a:off x="4970645" y="6078744"/>
+            <a:ext cx="2735780" cy="430887"/>
+          </a:xfrm>
+          <a:prstGeom prst="rect">
+            <a:avLst/>
+          </a:prstGeom>
+          <a:ln/>
+        </p:spPr>
+        <p:style>
+          <a:lnRef idx="1">
+            <a:schemeClr val="dk1"/>
+          </a:lnRef>
+          <a:fillRef idx="2">
+            <a:schemeClr val="dk1"/>
+          </a:fillRef>
+          <a:effectRef idx="1">
+            <a:schemeClr val="dk1"/>
+          </a:effectRef>
+          <a:fontRef idx="minor">
+            <a:schemeClr val="dk1"/>
+          </a:fontRef>
+        </p:style>
+        <p:txBody>
+          <a:bodyPr wrap="square" lIns="0" tIns="0" rIns="0" bIns="0" rtlCol="0" anchor="ctr" anchorCtr="0">
+            <a:spAutoFit/>
+          </a:bodyPr>
+          <a:lstStyle/>
+          <a:p>
+            <a:pPr algn="ctr" latinLnBrk="0"/>
+            <a:r>
+              <a:rPr lang="ko-KR" altLang="en-US" sz="1400" spc="-60" dirty="0">
+                <a:solidFill>
+                  <a:schemeClr val="tx1">
+                    <a:lumMod val="65000"/>
+                    <a:lumOff val="35000"/>
+                  </a:schemeClr>
+                </a:solidFill>
+                <a:latin typeface="+mn-ea"/>
+              </a:rPr>
+              <a:t>대피소 목록에서 선택한 대피소를 즐겨 찾기에 저장한다</a:t>
+            </a:r>
+            <a:r>
+              <a:rPr lang="en-US" altLang="ko-KR" sz="1400" spc="-60" dirty="0">
+                <a:solidFill>
+                  <a:schemeClr val="tx1">
+                    <a:lumMod val="65000"/>
+                    <a:lumOff val="35000"/>
+                  </a:schemeClr>
+                </a:solidFill>
+                <a:latin typeface="+mn-ea"/>
+              </a:rPr>
+              <a:t>.</a:t>
+            </a:r>
+            <a:endParaRPr lang="ko-KR" altLang="en-US" sz="1400" spc="-60" dirty="0">
+              <a:solidFill>
+                <a:schemeClr val="tx1">
+                  <a:lumMod val="65000"/>
+                  <a:lumOff val="35000"/>
+                </a:schemeClr>
+              </a:solidFill>
+              <a:latin typeface="+mn-ea"/>
+            </a:endParaRPr>
+          </a:p>
+        </p:txBody>
+      </p:sp>
+      <p:sp>
+        <p:nvSpPr>
+          <p:cNvPr id="44" name="직사각형 43">
+            <a:extLst>
+              <a:ext uri="{FF2B5EF4-FFF2-40B4-BE49-F238E27FC236}">
+                <a16:creationId xmlns:a16="http://schemas.microsoft.com/office/drawing/2014/main" id="{EB2B13CB-1B58-4631-9821-121682F7F782}"/>
+              </a:ext>
+            </a:extLst>
+          </p:cNvPr>
+          <p:cNvSpPr/>
+          <p:nvPr/>
+        </p:nvSpPr>
+        <p:spPr>
+          <a:xfrm>
+            <a:off x="7267627" y="4813147"/>
+            <a:ext cx="1750843" cy="646331"/>
+          </a:xfrm>
+          <a:prstGeom prst="rect">
+            <a:avLst/>
+          </a:prstGeom>
+          <a:ln/>
+        </p:spPr>
+        <p:style>
+          <a:lnRef idx="1">
+            <a:schemeClr val="dk1"/>
+          </a:lnRef>
+          <a:fillRef idx="2">
+            <a:schemeClr val="dk1"/>
+          </a:fillRef>
+          <a:effectRef idx="1">
+            <a:schemeClr val="dk1"/>
+          </a:effectRef>
+          <a:fontRef idx="minor">
+            <a:schemeClr val="dk1"/>
+          </a:fontRef>
+        </p:style>
+        <p:txBody>
+          <a:bodyPr wrap="square" lIns="0" tIns="0" rIns="0" bIns="0" rtlCol="0" anchor="ctr" anchorCtr="0">
+            <a:spAutoFit/>
+          </a:bodyPr>
+          <a:lstStyle/>
+          <a:p>
+            <a:pPr algn="ctr" latinLnBrk="0"/>
+            <a:r>
+              <a:rPr lang="ko-KR" altLang="en-US" sz="1400" spc="-60" dirty="0">
+                <a:solidFill>
+                  <a:schemeClr val="tx1">
+                    <a:lumMod val="65000"/>
+                    <a:lumOff val="35000"/>
+                  </a:schemeClr>
+                </a:solidFill>
+                <a:latin typeface="+mn-ea"/>
+              </a:rPr>
+              <a:t>대피소 목록에서 대피소를 골라 선택을 하면 위에 출력된다</a:t>
+            </a:r>
+          </a:p>
+        </p:txBody>
+      </p:sp>
+    </p:spTree>
+    <p:extLst>
+      <p:ext uri="{BB962C8B-B14F-4D97-AF65-F5344CB8AC3E}">
+        <p14:creationId xmlns:p14="http://schemas.microsoft.com/office/powerpoint/2010/main" val="3004609779"/>
+      </p:ext>
+    </p:extLst>
+  </p:cSld>
+  <p:clrMapOvr>
+    <a:masterClrMapping/>
+  </p:clrMapOvr>
+</p:sld>
+</file>
+
+<file path=ppt/slides/slide8.xml><?xml version="1.0" encoding="utf-8"?>
+<p:sld xmlns:a="http://schemas.openxmlformats.org/drawingml/2006/main" xmlns:r="http://schemas.openxmlformats.org/officeDocument/2006/relationships" xmlns:p="http://schemas.openxmlformats.org/presentationml/2006/main">
+  <p:cSld>
+    <p:spTree>
+      <p:nvGrpSpPr>
+        <p:cNvPr id="1" name=""/>
+        <p:cNvGrpSpPr/>
+        <p:nvPr/>
+      </p:nvGrpSpPr>
+      <p:grpSpPr>
+        <a:xfrm>
+          <a:off x="0" y="0"/>
+          <a:ext cx="0" cy="0"/>
+          <a:chOff x="0" y="0"/>
+          <a:chExt cx="0" cy="0"/>
+        </a:xfrm>
+      </p:grpSpPr>
+      <p:sp>
+        <p:nvSpPr>
+          <p:cNvPr id="2" name="슬라이드 번호 개체 틀 1">
+            <a:extLst>
+              <a:ext uri="{FF2B5EF4-FFF2-40B4-BE49-F238E27FC236}">
+                <a16:creationId xmlns:a16="http://schemas.microsoft.com/office/drawing/2014/main" id="{607F5CF9-5CB7-427D-BE97-2C4A776DBF35}"/>
+              </a:ext>
+            </a:extLst>
+          </p:cNvPr>
+          <p:cNvSpPr>
+            <a:spLocks noGrp="1"/>
+          </p:cNvSpPr>
+          <p:nvPr>
+            <p:ph type="sldNum" sz="quarter" idx="12"/>
+          </p:nvPr>
+        </p:nvSpPr>
+        <p:spPr/>
+        <p:txBody>
+          <a:bodyPr/>
+          <a:lstStyle/>
+          <a:p>
+            <a:fld id="{3ABC768E-094C-1348-9D29-2163BD33EBDB}" type="slidenum">
+              <a:rPr kumimoji="1" lang="ko-KR" altLang="en-US" smtClean="0"/>
+              <a:pPr/>
+              <a:t>8</a:t>
+            </a:fld>
+            <a:endParaRPr kumimoji="1" lang="ko-KR" altLang="en-US" dirty="0"/>
+          </a:p>
+        </p:txBody>
+      </p:sp>
+      <p:sp>
+        <p:nvSpPr>
+          <p:cNvPr id="29" name="사각형: 둥근 모서리 28">
+            <a:extLst>
+              <a:ext uri="{FF2B5EF4-FFF2-40B4-BE49-F238E27FC236}">
+                <a16:creationId xmlns:a16="http://schemas.microsoft.com/office/drawing/2014/main" id="{5FFF4DAD-BEDF-48A6-ADE4-3D76DC11A818}"/>
+              </a:ext>
+            </a:extLst>
+          </p:cNvPr>
+          <p:cNvSpPr/>
+          <p:nvPr/>
+        </p:nvSpPr>
+        <p:spPr>
+          <a:xfrm>
+            <a:off x="71500" y="892776"/>
+            <a:ext cx="3420380" cy="504056"/>
+          </a:xfrm>
+          <a:prstGeom prst="roundRect">
+            <a:avLst>
+              <a:gd name="adj" fmla="val 50000"/>
+            </a:avLst>
+          </a:prstGeom>
+          <a:noFill/>
+          <a:ln w="47625">
+            <a:solidFill>
+              <a:srgbClr val="7FC3B6"/>
+            </a:solidFill>
+          </a:ln>
+        </p:spPr>
+        <p:txBody>
+          <a:bodyPr wrap="square" lIns="0" tIns="0" rIns="0" bIns="0" rtlCol="0" anchor="ctr" anchorCtr="0">
+            <a:spAutoFit/>
+          </a:bodyPr>
+          <a:lstStyle/>
+          <a:p>
+            <a:pPr algn="ctr" latinLnBrk="0"/>
+            <a:endParaRPr lang="en-US" sz="1400" spc="-60" dirty="0">
+              <a:solidFill>
+                <a:schemeClr val="tx1">
+                  <a:lumMod val="65000"/>
+                  <a:lumOff val="35000"/>
+                </a:schemeClr>
+              </a:solidFill>
+              <a:latin typeface="+mn-ea"/>
+            </a:endParaRPr>
+          </a:p>
+        </p:txBody>
+      </p:sp>
+      <p:sp>
+        <p:nvSpPr>
+          <p:cNvPr id="30" name="제목 5">
+            <a:extLst>
+              <a:ext uri="{FF2B5EF4-FFF2-40B4-BE49-F238E27FC236}">
+                <a16:creationId xmlns:a16="http://schemas.microsoft.com/office/drawing/2014/main" id="{74C97F73-37B8-4479-B7DD-0DDADA7D7EF6}"/>
+              </a:ext>
+            </a:extLst>
+          </p:cNvPr>
+          <p:cNvSpPr txBox="1">
+            <a:spLocks/>
+          </p:cNvSpPr>
+          <p:nvPr/>
+        </p:nvSpPr>
+        <p:spPr>
+          <a:xfrm>
+            <a:off x="1151620" y="944749"/>
+            <a:ext cx="7611888" cy="400110"/>
+          </a:xfrm>
+          <a:prstGeom prst="rect">
+            <a:avLst/>
+          </a:prstGeom>
+          <a:noFill/>
+          <a:ln w="6350" algn="ctr">
+            <a:noFill/>
+            <a:miter lim="800000"/>
+            <a:headEnd/>
+            <a:tailEnd/>
+          </a:ln>
+          <a:extLst>
+            <a:ext uri="{909E8E84-426E-40DD-AFC4-6F175D3DCCD1}">
+              <a14:hiddenFill xmlns:a14="http://schemas.microsoft.com/office/drawing/2010/main">
+                <a:solidFill>
+                  <a:srgbClr val="FFFFFF"/>
+                </a:solidFill>
+              </a14:hiddenFill>
+            </a:ext>
+            <a:ext uri="{91240B29-F687-4F45-9708-019B960494DF}">
+              <a14:hiddenLine xmlns:a14="http://schemas.microsoft.com/office/drawing/2010/main" w="12700" algn="ctr">
+                <a:solidFill>
+                  <a:srgbClr val="000000"/>
+                </a:solidFill>
+                <a:miter lim="800000"/>
+                <a:headEnd/>
+                <a:tailEnd/>
+              </a14:hiddenLine>
+            </a:ext>
+          </a:extLst>
+        </p:spPr>
+        <p:txBody>
+          <a:bodyPr wrap="square" lIns="0" tIns="0" rIns="0" bIns="0" anchor="t" anchorCtr="0">
+            <a:normAutofit/>
+            <a:scene3d>
+              <a:camera prst="orthographicFront"/>
+              <a:lightRig rig="threePt" dir="t"/>
+            </a:scene3d>
+            <a:sp3d>
+              <a:bevelT w="0" h="0"/>
+              <a:bevelB w="0" h="0"/>
+              <a:extrusionClr>
+                <a:schemeClr val="tx1"/>
+              </a:extrusionClr>
+              <a:contourClr>
+                <a:schemeClr val="tx1"/>
+              </a:contourClr>
+            </a:sp3d>
+          </a:bodyPr>
+          <a:lstStyle>
+            <a:lvl1pPr algn="ctr" defTabSz="914229" rtl="0" eaLnBrk="1" latinLnBrk="1" hangingPunct="1">
+              <a:spcBef>
+                <a:spcPct val="0"/>
+              </a:spcBef>
+              <a:buNone/>
+              <a:defRPr sz="4400" kern="1200">
+                <a:solidFill>
+                  <a:schemeClr val="tx1"/>
+                </a:solidFill>
+                <a:latin typeface="+mj-lt"/>
+                <a:ea typeface="+mj-ea"/>
+                <a:cs typeface="+mj-cs"/>
+              </a:defRPr>
+            </a:lvl1pPr>
+          </a:lstStyle>
+          <a:p>
+            <a:pPr algn="l"/>
+            <a:r>
+              <a:rPr lang="ko-KR" altLang="en-US" sz="2400" dirty="0">
+                <a:latin typeface="나눔스퀘어 ExtraBold" panose="020B0600000101010101" pitchFamily="50" charset="-127"/>
+                <a:ea typeface="나눔스퀘어 ExtraBold" panose="020B0600000101010101" pitchFamily="50" charset="-127"/>
+              </a:rPr>
+              <a:t>개발 내용</a:t>
+            </a:r>
+          </a:p>
+        </p:txBody>
+      </p:sp>
+      <p:pic>
+        <p:nvPicPr>
+          <p:cNvPr id="5" name="그림 4" descr="스크린샷이(가) 표시된 사진&#10;&#10;자동 생성된 설명">
+            <a:extLst>
+              <a:ext uri="{FF2B5EF4-FFF2-40B4-BE49-F238E27FC236}">
+                <a16:creationId xmlns:a16="http://schemas.microsoft.com/office/drawing/2014/main" id="{1F5673B0-F8CE-4744-91C1-FE4BC2AB5EDC}"/>
+              </a:ext>
+            </a:extLst>
+          </p:cNvPr>
+          <p:cNvPicPr>
+            <a:picLocks noChangeAspect="1"/>
+          </p:cNvPicPr>
+          <p:nvPr/>
+        </p:nvPicPr>
+        <p:blipFill>
+          <a:blip r:embed="rId2">
+            <a:extLst>
+              <a:ext uri="{28A0092B-C50C-407E-A947-70E740481C1C}">
+                <a14:useLocalDpi xmlns:a14="http://schemas.microsoft.com/office/drawing/2010/main" val="0"/>
+              </a:ext>
+            </a:extLst>
+          </a:blip>
+          <a:stretch>
+            <a:fillRect/>
+          </a:stretch>
+        </p:blipFill>
+        <p:spPr>
+          <a:xfrm>
+            <a:off x="2190417" y="1916832"/>
+            <a:ext cx="4763165" cy="3810532"/>
+          </a:xfrm>
+          <a:prstGeom prst="rect">
+            <a:avLst/>
+          </a:prstGeom>
+        </p:spPr>
+      </p:pic>
+      <p:sp>
+        <p:nvSpPr>
+          <p:cNvPr id="8" name="직사각형 7">
+            <a:extLst>
+              <a:ext uri="{FF2B5EF4-FFF2-40B4-BE49-F238E27FC236}">
+                <a16:creationId xmlns:a16="http://schemas.microsoft.com/office/drawing/2014/main" id="{6FFA94AE-EA04-4D20-93AF-F3D975AE27CD}"/>
+              </a:ext>
+            </a:extLst>
+          </p:cNvPr>
+          <p:cNvSpPr/>
+          <p:nvPr/>
+        </p:nvSpPr>
+        <p:spPr>
+          <a:xfrm>
+            <a:off x="3599892" y="1264114"/>
+            <a:ext cx="2052230" cy="369332"/>
+          </a:xfrm>
+          <a:prstGeom prst="rect">
+            <a:avLst/>
+          </a:prstGeom>
+          <a:ln/>
+        </p:spPr>
+        <p:style>
+          <a:lnRef idx="1">
+            <a:schemeClr val="dk1"/>
+          </a:lnRef>
+          <a:fillRef idx="2">
+            <a:schemeClr val="dk1"/>
+          </a:fillRef>
+          <a:effectRef idx="1">
+            <a:schemeClr val="dk1"/>
+          </a:effectRef>
+          <a:fontRef idx="minor">
+            <a:schemeClr val="dk1"/>
+          </a:fontRef>
+        </p:style>
+        <p:txBody>
+          <a:bodyPr wrap="square" lIns="0" tIns="0" rIns="0" bIns="0" rtlCol="0" anchor="ctr" anchorCtr="0">
+            <a:spAutoFit/>
+          </a:bodyPr>
+          <a:lstStyle/>
+          <a:p>
+            <a:pPr algn="ctr" latinLnBrk="0"/>
+            <a:r>
+              <a:rPr lang="ko-KR" altLang="en-US" sz="2400" spc="-60" dirty="0" err="1">
+                <a:solidFill>
+                  <a:schemeClr val="tx1">
+                    <a:lumMod val="65000"/>
+                    <a:lumOff val="35000"/>
+                  </a:schemeClr>
+                </a:solidFill>
+                <a:latin typeface="+mn-ea"/>
+              </a:rPr>
+              <a:t>즐겨찾기화면</a:t>
+            </a:r>
+            <a:endParaRPr lang="ko-KR" altLang="en-US" sz="2400" spc="-60" dirty="0">
+              <a:solidFill>
+                <a:schemeClr val="tx1">
+                  <a:lumMod val="65000"/>
+                  <a:lumOff val="35000"/>
+                </a:schemeClr>
+              </a:solidFill>
+              <a:latin typeface="+mn-ea"/>
+            </a:endParaRPr>
+          </a:p>
+        </p:txBody>
+      </p:sp>
+      <p:cxnSp>
+        <p:nvCxnSpPr>
+          <p:cNvPr id="9" name="직선 화살표 연결선 8">
+            <a:extLst>
+              <a:ext uri="{FF2B5EF4-FFF2-40B4-BE49-F238E27FC236}">
+                <a16:creationId xmlns:a16="http://schemas.microsoft.com/office/drawing/2014/main" id="{5DD1BC05-6717-487A-8C02-BB0DDE3FB2CD}"/>
+              </a:ext>
+            </a:extLst>
+          </p:cNvPr>
+          <p:cNvCxnSpPr>
+            <a:cxnSpLocks/>
+          </p:cNvCxnSpPr>
+          <p:nvPr/>
+        </p:nvCxnSpPr>
+        <p:spPr>
+          <a:xfrm flipH="1">
+            <a:off x="7024600" y="1803012"/>
+            <a:ext cx="486054" cy="487942"/>
+          </a:xfrm>
+          <a:prstGeom prst="straightConnector1">
+            <a:avLst/>
+          </a:prstGeom>
+          <a:ln w="38100">
+            <a:tailEnd type="triangle"/>
+          </a:ln>
+        </p:spPr>
+        <p:style>
+          <a:lnRef idx="1">
+            <a:schemeClr val="dk1"/>
+          </a:lnRef>
+          <a:fillRef idx="0">
+            <a:schemeClr val="dk1"/>
+          </a:fillRef>
+          <a:effectRef idx="0">
+            <a:schemeClr val="dk1"/>
+          </a:effectRef>
+          <a:fontRef idx="minor">
+            <a:schemeClr val="tx1"/>
+          </a:fontRef>
+        </p:style>
+      </p:cxnSp>
+      <p:sp>
+        <p:nvSpPr>
+          <p:cNvPr id="10" name="직사각형 9">
+            <a:extLst>
+              <a:ext uri="{FF2B5EF4-FFF2-40B4-BE49-F238E27FC236}">
+                <a16:creationId xmlns:a16="http://schemas.microsoft.com/office/drawing/2014/main" id="{3FBB9BE2-041D-4E80-817C-476A8A7927D6}"/>
+              </a:ext>
+            </a:extLst>
+          </p:cNvPr>
+          <p:cNvSpPr/>
+          <p:nvPr/>
+        </p:nvSpPr>
+        <p:spPr>
+          <a:xfrm>
+            <a:off x="7016119" y="1165987"/>
+            <a:ext cx="2124236" cy="646331"/>
+          </a:xfrm>
+          <a:prstGeom prst="rect">
+            <a:avLst/>
+          </a:prstGeom>
+          <a:ln/>
+        </p:spPr>
+        <p:style>
+          <a:lnRef idx="1">
+            <a:schemeClr val="dk1"/>
+          </a:lnRef>
+          <a:fillRef idx="2">
+            <a:schemeClr val="dk1"/>
+          </a:fillRef>
+          <a:effectRef idx="1">
+            <a:schemeClr val="dk1"/>
+          </a:effectRef>
+          <a:fontRef idx="minor">
+            <a:schemeClr val="dk1"/>
+          </a:fontRef>
+        </p:style>
+        <p:txBody>
+          <a:bodyPr wrap="square" lIns="0" tIns="0" rIns="0" bIns="0" rtlCol="0" anchor="ctr" anchorCtr="0">
+            <a:spAutoFit/>
+          </a:bodyPr>
+          <a:lstStyle/>
+          <a:p>
+            <a:pPr algn="ctr" latinLnBrk="0"/>
+            <a:r>
+              <a:rPr lang="ko-KR" altLang="en-US" sz="1400" spc="-60" dirty="0">
+                <a:solidFill>
+                  <a:schemeClr val="tx1">
+                    <a:lumMod val="65000"/>
+                    <a:lumOff val="35000"/>
+                  </a:schemeClr>
+                </a:solidFill>
+                <a:latin typeface="+mn-ea"/>
+              </a:rPr>
+              <a:t>대피소 목록에서 대피소를 골라 선택을 하면 밑에 출력된다</a:t>
+            </a:r>
+          </a:p>
+        </p:txBody>
+      </p:sp>
+      <p:cxnSp>
+        <p:nvCxnSpPr>
+          <p:cNvPr id="11" name="직선 화살표 연결선 10">
+            <a:extLst>
+              <a:ext uri="{FF2B5EF4-FFF2-40B4-BE49-F238E27FC236}">
+                <a16:creationId xmlns:a16="http://schemas.microsoft.com/office/drawing/2014/main" id="{4BDEC882-AB91-45CD-AC35-2A4A9FF6C228}"/>
+              </a:ext>
+            </a:extLst>
+          </p:cNvPr>
+          <p:cNvCxnSpPr>
+            <a:cxnSpLocks/>
+          </p:cNvCxnSpPr>
+          <p:nvPr/>
+        </p:nvCxnSpPr>
+        <p:spPr>
+          <a:xfrm flipV="1">
+            <a:off x="1396984" y="2290954"/>
+            <a:ext cx="942768" cy="371841"/>
+          </a:xfrm>
+          <a:prstGeom prst="straightConnector1">
+            <a:avLst/>
+          </a:prstGeom>
+          <a:ln w="38100">
+            <a:tailEnd type="triangle"/>
+          </a:ln>
+        </p:spPr>
+        <p:style>
+          <a:lnRef idx="1">
+            <a:schemeClr val="dk1"/>
+          </a:lnRef>
+          <a:fillRef idx="0">
+            <a:schemeClr val="dk1"/>
+          </a:fillRef>
+          <a:effectRef idx="0">
+            <a:schemeClr val="dk1"/>
+          </a:effectRef>
+          <a:fontRef idx="minor">
+            <a:schemeClr val="tx1"/>
+          </a:fontRef>
+        </p:style>
+      </p:cxnSp>
+      <p:sp>
+        <p:nvSpPr>
+          <p:cNvPr id="12" name="직사각형 11">
+            <a:extLst>
+              <a:ext uri="{FF2B5EF4-FFF2-40B4-BE49-F238E27FC236}">
+                <a16:creationId xmlns:a16="http://schemas.microsoft.com/office/drawing/2014/main" id="{00A53DDB-B851-4925-A7BC-8031F6D58D9A}"/>
+              </a:ext>
+            </a:extLst>
+          </p:cNvPr>
+          <p:cNvSpPr/>
+          <p:nvPr/>
+        </p:nvSpPr>
+        <p:spPr>
+          <a:xfrm>
+            <a:off x="89502" y="2659599"/>
+            <a:ext cx="2124236" cy="430887"/>
+          </a:xfrm>
+          <a:prstGeom prst="rect">
+            <a:avLst/>
+          </a:prstGeom>
+          <a:ln/>
+        </p:spPr>
+        <p:style>
+          <a:lnRef idx="1">
+            <a:schemeClr val="dk1"/>
+          </a:lnRef>
+          <a:fillRef idx="2">
+            <a:schemeClr val="dk1"/>
+          </a:fillRef>
+          <a:effectRef idx="1">
+            <a:schemeClr val="dk1"/>
+          </a:effectRef>
+          <a:fontRef idx="minor">
+            <a:schemeClr val="dk1"/>
+          </a:fontRef>
+        </p:style>
+        <p:txBody>
+          <a:bodyPr wrap="square" lIns="0" tIns="0" rIns="0" bIns="0" rtlCol="0" anchor="ctr" anchorCtr="0">
+            <a:spAutoFit/>
+          </a:bodyPr>
+          <a:lstStyle/>
+          <a:p>
+            <a:pPr algn="ctr" latinLnBrk="0"/>
+            <a:r>
+              <a:rPr lang="ko-KR" altLang="en-US" sz="1400" spc="-60" dirty="0">
+                <a:solidFill>
+                  <a:schemeClr val="tx1">
+                    <a:lumMod val="65000"/>
+                    <a:lumOff val="35000"/>
+                  </a:schemeClr>
+                </a:solidFill>
+                <a:latin typeface="+mn-ea"/>
+              </a:rPr>
+              <a:t>즐겨 찾기에 추가한 대피소 목록들이 나온다</a:t>
+            </a:r>
+            <a:r>
+              <a:rPr lang="en-US" altLang="ko-KR" sz="1400" spc="-60" dirty="0">
+                <a:solidFill>
+                  <a:schemeClr val="tx1">
+                    <a:lumMod val="65000"/>
+                    <a:lumOff val="35000"/>
+                  </a:schemeClr>
+                </a:solidFill>
+                <a:latin typeface="+mn-ea"/>
+              </a:rPr>
+              <a:t>.</a:t>
+            </a:r>
+            <a:endParaRPr lang="ko-KR" altLang="en-US" sz="1400" spc="-60" dirty="0">
+              <a:solidFill>
+                <a:schemeClr val="tx1">
+                  <a:lumMod val="65000"/>
+                  <a:lumOff val="35000"/>
+                </a:schemeClr>
+              </a:solidFill>
+              <a:latin typeface="+mn-ea"/>
+            </a:endParaRPr>
+          </a:p>
+        </p:txBody>
+      </p:sp>
+      <p:cxnSp>
+        <p:nvCxnSpPr>
+          <p:cNvPr id="14" name="직선 화살표 연결선 13">
+            <a:extLst>
+              <a:ext uri="{FF2B5EF4-FFF2-40B4-BE49-F238E27FC236}">
+                <a16:creationId xmlns:a16="http://schemas.microsoft.com/office/drawing/2014/main" id="{B93CBFC2-D0AA-4269-8464-2C0A533CC344}"/>
+              </a:ext>
+            </a:extLst>
+          </p:cNvPr>
+          <p:cNvCxnSpPr>
+            <a:cxnSpLocks/>
+          </p:cNvCxnSpPr>
+          <p:nvPr/>
+        </p:nvCxnSpPr>
+        <p:spPr>
+          <a:xfrm flipV="1">
+            <a:off x="4625328" y="5593886"/>
+            <a:ext cx="679" cy="416864"/>
+          </a:xfrm>
+          <a:prstGeom prst="straightConnector1">
+            <a:avLst/>
+          </a:prstGeom>
+          <a:ln w="38100">
+            <a:tailEnd type="triangle"/>
+          </a:ln>
+        </p:spPr>
+        <p:style>
+          <a:lnRef idx="1">
+            <a:schemeClr val="dk1"/>
+          </a:lnRef>
+          <a:fillRef idx="0">
+            <a:schemeClr val="dk1"/>
+          </a:fillRef>
+          <a:effectRef idx="0">
+            <a:schemeClr val="dk1"/>
+          </a:effectRef>
+          <a:fontRef idx="minor">
+            <a:schemeClr val="tx1"/>
+          </a:fontRef>
+        </p:style>
+      </p:cxnSp>
+      <p:sp>
+        <p:nvSpPr>
+          <p:cNvPr id="15" name="직사각형 14">
+            <a:extLst>
+              <a:ext uri="{FF2B5EF4-FFF2-40B4-BE49-F238E27FC236}">
+                <a16:creationId xmlns:a16="http://schemas.microsoft.com/office/drawing/2014/main" id="{88E86BAD-EC6A-4A1D-823F-84F705CB90E0}"/>
+              </a:ext>
+            </a:extLst>
+          </p:cNvPr>
+          <p:cNvSpPr/>
+          <p:nvPr/>
+        </p:nvSpPr>
+        <p:spPr>
+          <a:xfrm>
+            <a:off x="3529436" y="6085037"/>
+            <a:ext cx="2124236" cy="430887"/>
+          </a:xfrm>
+          <a:prstGeom prst="rect">
+            <a:avLst/>
+          </a:prstGeom>
+          <a:ln/>
+        </p:spPr>
+        <p:style>
+          <a:lnRef idx="1">
+            <a:schemeClr val="dk1"/>
+          </a:lnRef>
+          <a:fillRef idx="2">
+            <a:schemeClr val="dk1"/>
+          </a:fillRef>
+          <a:effectRef idx="1">
+            <a:schemeClr val="dk1"/>
+          </a:effectRef>
+          <a:fontRef idx="minor">
+            <a:schemeClr val="dk1"/>
+          </a:fontRef>
+        </p:style>
+        <p:txBody>
+          <a:bodyPr wrap="square" lIns="0" tIns="0" rIns="0" bIns="0" rtlCol="0" anchor="ctr" anchorCtr="0">
+            <a:spAutoFit/>
+          </a:bodyPr>
+          <a:lstStyle/>
+          <a:p>
+            <a:pPr algn="ctr" latinLnBrk="0"/>
+            <a:r>
+              <a:rPr lang="ko-KR" altLang="en-US" sz="1400" spc="-60" dirty="0">
+                <a:solidFill>
+                  <a:schemeClr val="tx1">
+                    <a:lumMod val="65000"/>
+                    <a:lumOff val="35000"/>
+                  </a:schemeClr>
+                </a:solidFill>
+                <a:latin typeface="+mn-ea"/>
+              </a:rPr>
+              <a:t>선택한 대피소를 즐겨 찾기에서 지운다</a:t>
+            </a:r>
+          </a:p>
+        </p:txBody>
+      </p:sp>
+    </p:spTree>
+    <p:extLst>
+      <p:ext uri="{BB962C8B-B14F-4D97-AF65-F5344CB8AC3E}">
+        <p14:creationId xmlns:p14="http://schemas.microsoft.com/office/powerpoint/2010/main" val="4258582207"/>
+      </p:ext>
+    </p:extLst>
+  </p:cSld>
+  <p:clrMapOvr>
+    <a:masterClrMapping/>
+  </p:clrMapOvr>
+</p:sld>
+</file>
+
+<file path=ppt/slides/slide9.xml><?xml version="1.0" encoding="utf-8"?>
+<p:sld xmlns:a="http://schemas.openxmlformats.org/drawingml/2006/main" xmlns:r="http://schemas.openxmlformats.org/officeDocument/2006/relationships" xmlns:p="http://schemas.openxmlformats.org/presentationml/2006/main">
+  <p:cSld>
+    <p:spTree>
+      <p:nvGrpSpPr>
+        <p:cNvPr id="1" name=""/>
+        <p:cNvGrpSpPr/>
+        <p:nvPr/>
+      </p:nvGrpSpPr>
+      <p:grpSpPr>
+        <a:xfrm>
+          <a:off x="0" y="0"/>
+          <a:ext cx="0" cy="0"/>
+          <a:chOff x="0" y="0"/>
+          <a:chExt cx="0" cy="0"/>
+        </a:xfrm>
+      </p:grpSpPr>
       <p:cxnSp>
         <p:nvCxnSpPr>
           <p:cNvPr id="82" name="직선 연결선 81">
@@ -6269,7 +8471,7 @@
             <a:fld id="{3ABC768E-094C-1348-9D29-2163BD33EBDB}" type="slidenum">
               <a:rPr kumimoji="1" lang="ko-KR" altLang="en-US" smtClean="0"/>
               <a:pPr/>
-              <a:t>7</a:t>
+              <a:t>9</a:t>
             </a:fld>
             <a:endParaRPr kumimoji="1" lang="ko-KR" altLang="en-US" dirty="0"/>
           </a:p>
@@ -8581,7 +10783,7 @@
         <p:spPr>
           <a:xfrm>
             <a:off x="4672797" y="2525084"/>
-            <a:ext cx="2746439" cy="461665"/>
+            <a:ext cx="2746439" cy="646331"/>
           </a:xfrm>
           <a:prstGeom prst="rect">
             <a:avLst/>
@@ -8644,6 +10846,20 @@
           <a:p>
             <a:pPr algn="ctr"/>
             <a:r>
+              <a:rPr lang="ko-KR" altLang="en-US" sz="1200" spc="-70" dirty="0">
+                <a:latin typeface="맑은 고딕" panose="020B0503020000020004" pitchFamily="50" charset="-127"/>
+                <a:cs typeface="함초롬돋움" panose="02030504000101010101" pitchFamily="18" charset="-127"/>
+              </a:rPr>
+              <a:t>연동된 데이터 출력</a:t>
+            </a:r>
+            <a:endParaRPr lang="en-US" altLang="ko-KR" sz="1200" spc="-70" dirty="0">
+              <a:latin typeface="맑은 고딕" panose="020B0503020000020004" pitchFamily="50" charset="-127"/>
+              <a:cs typeface="함초롬돋움" panose="02030504000101010101" pitchFamily="18" charset="-127"/>
+            </a:endParaRPr>
+          </a:p>
+          <a:p>
+            <a:pPr algn="ctr"/>
+            <a:r>
               <a:rPr lang="en-US" altLang="ko-KR" sz="1200" spc="-70" dirty="0" err="1">
                 <a:latin typeface="맑은 고딕" panose="020B0503020000020004" pitchFamily="50" charset="-127"/>
                 <a:cs typeface="함초롬돋움" panose="02030504000101010101" pitchFamily="18" charset="-127"/>
@@ -8847,7 +11063,7 @@
         <p:spPr>
           <a:xfrm>
             <a:off x="4646335" y="4115221"/>
-            <a:ext cx="2746439" cy="276999"/>
+            <a:ext cx="2746439" cy="461665"/>
           </a:xfrm>
           <a:prstGeom prst="rect">
             <a:avLst/>
@@ -8881,6 +11097,20 @@
                 <a:cs typeface="함초롬돋움" panose="02030504000101010101" pitchFamily="18" charset="-127"/>
               </a:rPr>
               <a:t>활용 중간 시연 발표</a:t>
+            </a:r>
+            <a:endParaRPr lang="en-US" altLang="ko-KR" sz="1200" b="1" spc="-70" dirty="0">
+              <a:latin typeface="맑은 고딕" panose="020B0503020000020004" pitchFamily="50" charset="-127"/>
+              <a:cs typeface="함초롬돋움" panose="02030504000101010101" pitchFamily="18" charset="-127"/>
+            </a:endParaRPr>
+          </a:p>
+          <a:p>
+            <a:pPr algn="ctr"/>
+            <a:r>
+              <a:rPr lang="ko-KR" altLang="en-US" sz="1200" b="1" spc="-70" dirty="0">
+                <a:latin typeface="맑은 고딕" panose="020B0503020000020004" pitchFamily="50" charset="-127"/>
+                <a:cs typeface="함초롬돋움" panose="02030504000101010101" pitchFamily="18" charset="-127"/>
+              </a:rPr>
+              <a:t>미흡한 부분 추가 보완</a:t>
             </a:r>
             <a:endParaRPr lang="ko-KR" altLang="en-US" sz="1200" spc="-70" dirty="0">
               <a:latin typeface="맑은 고딕" panose="020B0503020000020004" pitchFamily="50" charset="-127"/>

--- a/기획발표.pptx
+++ b/기획발표.pptx
@@ -271,7 +271,7 @@
                 <a:ea typeface="맑은 고딕" pitchFamily="50" charset="-127"/>
               </a:rPr>
               <a:pPr/>
-              <a:t>2019-05-14</a:t>
+              <a:t>2019-05-15</a:t>
             </a:fld>
             <a:endParaRPr lang="ko-KR" altLang="en-US" dirty="0">
               <a:latin typeface="맑은 고딕" pitchFamily="50" charset="-127"/>
@@ -450,7 +450,7 @@
             <a:fld id="{62677E96-DA3B-46D9-8953-03187693C06C}" type="datetimeFigureOut">
               <a:rPr lang="ko-KR" altLang="en-US" smtClean="0"/>
               <a:pPr/>
-              <a:t>2019-05-14</a:t>
+              <a:t>2019-05-15</a:t>
             </a:fld>
             <a:endParaRPr lang="ko-KR" altLang="en-US"/>
           </a:p>
@@ -4453,10 +4453,10 @@
       </p:sp>
       <p:pic>
         <p:nvPicPr>
-          <p:cNvPr id="5" name="그림 4">
+          <p:cNvPr id="6" name="그림 5" descr="스크린샷, 텍스트이(가) 표시된 사진&#10;&#10;자동 생성된 설명">
             <a:extLst>
               <a:ext uri="{FF2B5EF4-FFF2-40B4-BE49-F238E27FC236}">
-                <a16:creationId xmlns:a16="http://schemas.microsoft.com/office/drawing/2014/main" id="{CE517A7B-5BBB-40CE-9FA0-B7240679BEDB}"/>
+                <a16:creationId xmlns:a16="http://schemas.microsoft.com/office/drawing/2014/main" id="{8FE51139-7BDB-4471-8E71-00371660F045}"/>
               </a:ext>
             </a:extLst>
           </p:cNvPr>
@@ -4479,8 +4479,8 @@
         </p:blipFill>
         <p:spPr>
           <a:xfrm>
-            <a:off x="363782" y="3526044"/>
-            <a:ext cx="8422299" cy="916416"/>
+            <a:off x="0" y="1738124"/>
+            <a:ext cx="4788024" cy="4987525"/>
           </a:xfrm>
           <a:prstGeom prst="rect">
             <a:avLst/>
@@ -4489,10 +4489,10 @@
       </p:pic>
       <p:pic>
         <p:nvPicPr>
-          <p:cNvPr id="9" name="그림 8">
+          <p:cNvPr id="5" name="그림 4">
             <a:extLst>
               <a:ext uri="{FF2B5EF4-FFF2-40B4-BE49-F238E27FC236}">
-                <a16:creationId xmlns:a16="http://schemas.microsoft.com/office/drawing/2014/main" id="{15D6F8F0-DDE1-47DB-945C-AF97EC638BFB}"/>
+                <a16:creationId xmlns:a16="http://schemas.microsoft.com/office/drawing/2014/main" id="{CE517A7B-5BBB-40CE-9FA0-B7240679BEDB}"/>
               </a:ext>
             </a:extLst>
           </p:cNvPr>
@@ -4515,116 +4515,8 @@
         </p:blipFill>
         <p:spPr>
           <a:xfrm>
-            <a:off x="363800" y="1768178"/>
-            <a:ext cx="8422281" cy="916414"/>
-          </a:xfrm>
-          <a:prstGeom prst="rect">
-            <a:avLst/>
-          </a:prstGeom>
-        </p:spPr>
-      </p:pic>
-      <p:pic>
-        <p:nvPicPr>
-          <p:cNvPr id="18" name="그림 17">
-            <a:extLst>
-              <a:ext uri="{FF2B5EF4-FFF2-40B4-BE49-F238E27FC236}">
-                <a16:creationId xmlns:a16="http://schemas.microsoft.com/office/drawing/2014/main" id="{A8961768-3EF3-49DE-A16F-A07E224BEA47}"/>
-              </a:ext>
-            </a:extLst>
-          </p:cNvPr>
-          <p:cNvPicPr>
-            <a:picLocks noChangeAspect="1"/>
-          </p:cNvPicPr>
-          <p:nvPr/>
-        </p:nvPicPr>
-        <p:blipFill>
-          <a:blip r:embed="rId4">
-            <a:extLst>
-              <a:ext uri="{28A0092B-C50C-407E-A947-70E740481C1C}">
-                <a14:useLocalDpi xmlns:a14="http://schemas.microsoft.com/office/drawing/2010/main" val="0"/>
-              </a:ext>
-            </a:extLst>
-          </a:blip>
-          <a:stretch>
-            <a:fillRect/>
-          </a:stretch>
-        </p:blipFill>
-        <p:spPr>
-          <a:xfrm>
-            <a:off x="357287" y="2661747"/>
-            <a:ext cx="8422290" cy="916415"/>
-          </a:xfrm>
-          <a:prstGeom prst="rect">
-            <a:avLst/>
-          </a:prstGeom>
-        </p:spPr>
-      </p:pic>
-      <p:pic>
-        <p:nvPicPr>
-          <p:cNvPr id="22" name="그림 21" descr="스크린샷이(가) 표시된 사진&#10;&#10;자동 생성된 설명">
-            <a:extLst>
-              <a:ext uri="{FF2B5EF4-FFF2-40B4-BE49-F238E27FC236}">
-                <a16:creationId xmlns:a16="http://schemas.microsoft.com/office/drawing/2014/main" id="{20213052-BA2A-414D-99FD-0AFBFB888B89}"/>
-              </a:ext>
-            </a:extLst>
-          </p:cNvPr>
-          <p:cNvPicPr>
-            <a:picLocks noChangeAspect="1"/>
-          </p:cNvPicPr>
-          <p:nvPr/>
-        </p:nvPicPr>
-        <p:blipFill>
-          <a:blip r:embed="rId5">
-            <a:extLst>
-              <a:ext uri="{28A0092B-C50C-407E-A947-70E740481C1C}">
-                <a14:useLocalDpi xmlns:a14="http://schemas.microsoft.com/office/drawing/2010/main" val="0"/>
-              </a:ext>
-            </a:extLst>
-          </a:blip>
-          <a:stretch>
-            <a:fillRect/>
-          </a:stretch>
-        </p:blipFill>
-        <p:spPr>
-          <a:xfrm>
-            <a:off x="357278" y="5238137"/>
+            <a:off x="1943708" y="1520788"/>
             <a:ext cx="8422299" cy="916416"/>
-          </a:xfrm>
-          <a:prstGeom prst="rect">
-            <a:avLst/>
-          </a:prstGeom>
-        </p:spPr>
-      </p:pic>
-      <p:pic>
-        <p:nvPicPr>
-          <p:cNvPr id="20" name="그림 19">
-            <a:extLst>
-              <a:ext uri="{FF2B5EF4-FFF2-40B4-BE49-F238E27FC236}">
-                <a16:creationId xmlns:a16="http://schemas.microsoft.com/office/drawing/2014/main" id="{F7086E07-17E4-4A1F-9186-5F8FB8A1816B}"/>
-              </a:ext>
-            </a:extLst>
-          </p:cNvPr>
-          <p:cNvPicPr>
-            <a:picLocks noChangeAspect="1"/>
-          </p:cNvPicPr>
-          <p:nvPr/>
-        </p:nvPicPr>
-        <p:blipFill>
-          <a:blip r:embed="rId6">
-            <a:extLst>
-              <a:ext uri="{28A0092B-C50C-407E-A947-70E740481C1C}">
-                <a14:useLocalDpi xmlns:a14="http://schemas.microsoft.com/office/drawing/2010/main" val="0"/>
-              </a:ext>
-            </a:extLst>
-          </a:blip>
-          <a:stretch>
-            <a:fillRect/>
-          </a:stretch>
-        </p:blipFill>
-        <p:spPr>
-          <a:xfrm>
-            <a:off x="364423" y="4396768"/>
-            <a:ext cx="8422298" cy="916416"/>
           </a:xfrm>
           <a:prstGeom prst="rect">
             <a:avLst/>
@@ -6502,6 +6394,42 @@
           <a:chExt cx="0" cy="0"/>
         </a:xfrm>
       </p:grpSpPr>
+      <p:pic>
+        <p:nvPicPr>
+          <p:cNvPr id="7" name="그림 6" descr="스크린샷이(가) 표시된 사진&#10;&#10;자동 생성된 설명">
+            <a:extLst>
+              <a:ext uri="{FF2B5EF4-FFF2-40B4-BE49-F238E27FC236}">
+                <a16:creationId xmlns:a16="http://schemas.microsoft.com/office/drawing/2014/main" id="{6F9580B5-2A6B-4C66-B428-8B932D95D649}"/>
+              </a:ext>
+            </a:extLst>
+          </p:cNvPr>
+          <p:cNvPicPr>
+            <a:picLocks noChangeAspect="1"/>
+          </p:cNvPicPr>
+          <p:nvPr/>
+        </p:nvPicPr>
+        <p:blipFill>
+          <a:blip r:embed="rId2">
+            <a:extLst>
+              <a:ext uri="{28A0092B-C50C-407E-A947-70E740481C1C}">
+                <a14:useLocalDpi xmlns:a14="http://schemas.microsoft.com/office/drawing/2010/main" val="0"/>
+              </a:ext>
+            </a:extLst>
+          </a:blip>
+          <a:stretch>
+            <a:fillRect/>
+          </a:stretch>
+        </p:blipFill>
+        <p:spPr>
+          <a:xfrm>
+            <a:off x="2312123" y="1148839"/>
+            <a:ext cx="4763165" cy="5430481"/>
+          </a:xfrm>
+          <a:prstGeom prst="rect">
+            <a:avLst/>
+          </a:prstGeom>
+        </p:spPr>
+      </p:pic>
       <p:sp>
         <p:nvSpPr>
           <p:cNvPr id="2" name="슬라이드 번호 개체 틀 1">
@@ -6546,7 +6474,7 @@
         </p:nvSpPr>
         <p:spPr>
           <a:xfrm>
-            <a:off x="71500" y="892776"/>
+            <a:off x="33159" y="384729"/>
             <a:ext cx="3420380" cy="504056"/>
           </a:xfrm>
           <a:prstGeom prst="roundRect">
@@ -6596,7 +6524,7 @@
         </p:nvSpPr>
         <p:spPr>
           <a:xfrm>
-            <a:off x="1151620" y="944749"/>
+            <a:off x="1079612" y="464761"/>
             <a:ext cx="7611888" cy="400110"/>
           </a:xfrm>
           <a:prstGeom prst="rect">
@@ -6675,42 +6603,6 @@
           </a:p>
         </p:txBody>
       </p:sp>
-      <p:pic>
-        <p:nvPicPr>
-          <p:cNvPr id="5" name="그림 4" descr="스크린샷이(가) 표시된 사진&#10;&#10;자동 생성된 설명">
-            <a:extLst>
-              <a:ext uri="{FF2B5EF4-FFF2-40B4-BE49-F238E27FC236}">
-                <a16:creationId xmlns:a16="http://schemas.microsoft.com/office/drawing/2014/main" id="{67663CE3-82D9-4295-B57C-BCE5049303C8}"/>
-              </a:ext>
-            </a:extLst>
-          </p:cNvPr>
-          <p:cNvPicPr>
-            <a:picLocks noChangeAspect="1"/>
-          </p:cNvPicPr>
-          <p:nvPr/>
-        </p:nvPicPr>
-        <p:blipFill>
-          <a:blip r:embed="rId2">
-            <a:extLst>
-              <a:ext uri="{28A0092B-C50C-407E-A947-70E740481C1C}">
-                <a14:useLocalDpi xmlns:a14="http://schemas.microsoft.com/office/drawing/2010/main" val="0"/>
-              </a:ext>
-            </a:extLst>
-          </a:blip>
-          <a:stretch>
-            <a:fillRect/>
-          </a:stretch>
-        </p:blipFill>
-        <p:spPr>
-          <a:xfrm>
-            <a:off x="2141730" y="1896942"/>
-            <a:ext cx="4860540" cy="3888432"/>
-          </a:xfrm>
-          <a:prstGeom prst="rect">
-            <a:avLst/>
-          </a:prstGeom>
-        </p:spPr>
-      </p:pic>
       <p:sp>
         <p:nvSpPr>
           <p:cNvPr id="8" name="직사각형 7">
@@ -6725,7 +6617,7 @@
         </p:nvSpPr>
         <p:spPr>
           <a:xfrm>
-            <a:off x="3599892" y="1264114"/>
+            <a:off x="3545885" y="404191"/>
             <a:ext cx="2052230" cy="369332"/>
           </a:xfrm>
           <a:prstGeom prst="rect">
@@ -6785,7 +6677,7 @@
         </p:nvCxnSpPr>
         <p:spPr>
           <a:xfrm flipH="1">
-            <a:off x="7024600" y="1803012"/>
+            <a:off x="6995853" y="1047424"/>
             <a:ext cx="486054" cy="487942"/>
           </a:xfrm>
           <a:prstGeom prst="straightConnector1">
@@ -6826,7 +6718,7 @@
         </p:nvCxnSpPr>
         <p:spPr>
           <a:xfrm flipH="1">
-            <a:off x="6899632" y="3384271"/>
+            <a:off x="6682724" y="4250685"/>
             <a:ext cx="480586" cy="166839"/>
           </a:xfrm>
           <a:prstGeom prst="straightConnector1">
@@ -6867,49 +6759,8 @@
         </p:nvCxnSpPr>
         <p:spPr>
           <a:xfrm flipH="1">
-            <a:off x="6714593" y="4291335"/>
+            <a:off x="6682520" y="5123063"/>
             <a:ext cx="491482" cy="164332"/>
-          </a:xfrm>
-          <a:prstGeom prst="straightConnector1">
-            <a:avLst/>
-          </a:prstGeom>
-          <a:ln w="38100">
-            <a:tailEnd type="triangle"/>
-          </a:ln>
-        </p:spPr>
-        <p:style>
-          <a:lnRef idx="1">
-            <a:schemeClr val="dk1"/>
-          </a:lnRef>
-          <a:fillRef idx="0">
-            <a:schemeClr val="dk1"/>
-          </a:fillRef>
-          <a:effectRef idx="0">
-            <a:schemeClr val="dk1"/>
-          </a:effectRef>
-          <a:fontRef idx="minor">
-            <a:schemeClr val="tx1"/>
-          </a:fontRef>
-        </p:style>
-      </p:cxnSp>
-      <p:cxnSp>
-        <p:nvCxnSpPr>
-          <p:cNvPr id="16" name="직선 화살표 연결선 15">
-            <a:extLst>
-              <a:ext uri="{FF2B5EF4-FFF2-40B4-BE49-F238E27FC236}">
-                <a16:creationId xmlns:a16="http://schemas.microsoft.com/office/drawing/2014/main" id="{FE17351D-2A60-4672-9330-EB362F97ADA7}"/>
-              </a:ext>
-            </a:extLst>
-          </p:cNvPr>
-          <p:cNvCxnSpPr>
-            <a:cxnSpLocks/>
-          </p:cNvCxnSpPr>
-          <p:nvPr/>
-        </p:nvCxnSpPr>
-        <p:spPr>
-          <a:xfrm flipV="1">
-            <a:off x="1988713" y="5697252"/>
-            <a:ext cx="351039" cy="375984"/>
           </a:xfrm>
           <a:prstGeom prst="straightConnector1">
             <a:avLst/>
@@ -6948,9 +6799,9 @@
           <p:nvPr/>
         </p:nvCxnSpPr>
         <p:spPr>
-          <a:xfrm flipV="1">
-            <a:off x="6607032" y="5734330"/>
-            <a:ext cx="1" cy="338906"/>
+          <a:xfrm flipH="1" flipV="1">
+            <a:off x="6899632" y="6288774"/>
+            <a:ext cx="548741" cy="177739"/>
           </a:xfrm>
           <a:prstGeom prst="straightConnector1">
             <a:avLst/>
@@ -6989,9 +6840,9 @@
           <p:nvPr/>
         </p:nvCxnSpPr>
         <p:spPr>
-          <a:xfrm flipH="1" flipV="1">
-            <a:off x="6966172" y="5039234"/>
-            <a:ext cx="301455" cy="119959"/>
+          <a:xfrm flipH="1">
+            <a:off x="6899632" y="5692013"/>
+            <a:ext cx="306443" cy="191303"/>
           </a:xfrm>
           <a:prstGeom prst="straightConnector1">
             <a:avLst/>
@@ -7029,7 +6880,7 @@
         </p:nvSpPr>
         <p:spPr>
           <a:xfrm>
-            <a:off x="7016119" y="1165987"/>
+            <a:off x="7038808" y="424043"/>
             <a:ext cx="2124236" cy="646331"/>
           </a:xfrm>
           <a:prstGeom prst="rect">
@@ -7087,7 +6938,7 @@
         </p:nvSpPr>
         <p:spPr>
           <a:xfrm>
-            <a:off x="17494" y="3224697"/>
+            <a:off x="0" y="4025580"/>
             <a:ext cx="2124236" cy="430887"/>
           </a:xfrm>
           <a:prstGeom prst="rect">
@@ -7171,8 +7022,8 @@
         </p:nvCxnSpPr>
         <p:spPr>
           <a:xfrm>
-            <a:off x="1927859" y="3635938"/>
-            <a:ext cx="312882" cy="333122"/>
+            <a:off x="1945542" y="4334104"/>
+            <a:ext cx="528985" cy="536574"/>
           </a:xfrm>
           <a:prstGeom prst="straightConnector1">
             <a:avLst/>
@@ -7212,7 +7063,7 @@
         </p:nvCxnSpPr>
         <p:spPr>
           <a:xfrm>
-            <a:off x="1988713" y="2168860"/>
+            <a:off x="1927859" y="1376772"/>
             <a:ext cx="1633509" cy="0"/>
           </a:xfrm>
           <a:prstGeom prst="straightConnector1">
@@ -7253,7 +7104,7 @@
         </p:nvCxnSpPr>
         <p:spPr>
           <a:xfrm>
-            <a:off x="1927859" y="2564904"/>
+            <a:off x="1927859" y="1736812"/>
             <a:ext cx="533234" cy="0"/>
           </a:xfrm>
           <a:prstGeom prst="straightConnector1">
@@ -7292,7 +7143,7 @@
         </p:nvSpPr>
         <p:spPr>
           <a:xfrm>
-            <a:off x="473121" y="2043717"/>
+            <a:off x="427039" y="1237785"/>
             <a:ext cx="1561674" cy="215444"/>
           </a:xfrm>
           <a:prstGeom prst="rect">
@@ -7350,7 +7201,7 @@
         </p:nvSpPr>
         <p:spPr>
           <a:xfrm>
-            <a:off x="376251" y="2454958"/>
+            <a:off x="330169" y="1649026"/>
             <a:ext cx="1561674" cy="215444"/>
           </a:xfrm>
           <a:prstGeom prst="rect">
@@ -7408,7 +7259,7 @@
         </p:nvSpPr>
         <p:spPr>
           <a:xfrm>
-            <a:off x="7024600" y="2923789"/>
+            <a:off x="7045704" y="3866277"/>
             <a:ext cx="2124236" cy="430887"/>
           </a:xfrm>
           <a:prstGeom prst="rect">
@@ -7511,7 +7362,7 @@
         </p:nvSpPr>
         <p:spPr>
           <a:xfrm>
-            <a:off x="7002270" y="3835776"/>
+            <a:off x="7019764" y="4655235"/>
             <a:ext cx="2124236" cy="430887"/>
           </a:xfrm>
           <a:prstGeom prst="rect">
@@ -7569,7 +7420,7 @@
         </p:nvSpPr>
         <p:spPr>
           <a:xfrm>
-            <a:off x="681231" y="6070040"/>
+            <a:off x="125530" y="6257827"/>
             <a:ext cx="2124236" cy="430887"/>
           </a:xfrm>
           <a:prstGeom prst="rect">
@@ -7627,7 +7478,7 @@
         </p:nvSpPr>
         <p:spPr>
           <a:xfrm>
-            <a:off x="4970645" y="6078744"/>
+            <a:off x="6413056" y="6427113"/>
             <a:ext cx="2735780" cy="430887"/>
           </a:xfrm>
           <a:prstGeom prst="rect">
@@ -7706,7 +7557,7 @@
         </p:nvSpPr>
         <p:spPr>
           <a:xfrm>
-            <a:off x="7267627" y="4813147"/>
+            <a:off x="7245681" y="5363391"/>
             <a:ext cx="1750843" cy="646331"/>
           </a:xfrm>
           <a:prstGeom prst="rect">
@@ -7746,6 +7597,278 @@
                 <a:latin typeface="+mn-ea"/>
               </a:rPr>
               <a:t>대피소 목록에서 대피소를 골라 선택을 하면 위에 출력된다</a:t>
+            </a:r>
+          </a:p>
+        </p:txBody>
+      </p:sp>
+      <p:cxnSp>
+        <p:nvCxnSpPr>
+          <p:cNvPr id="16" name="직선 화살표 연결선 15">
+            <a:extLst>
+              <a:ext uri="{FF2B5EF4-FFF2-40B4-BE49-F238E27FC236}">
+                <a16:creationId xmlns:a16="http://schemas.microsoft.com/office/drawing/2014/main" id="{FE17351D-2A60-4672-9330-EB362F97ADA7}"/>
+              </a:ext>
+            </a:extLst>
+          </p:cNvPr>
+          <p:cNvCxnSpPr>
+            <a:cxnSpLocks/>
+          </p:cNvCxnSpPr>
+          <p:nvPr/>
+        </p:nvCxnSpPr>
+        <p:spPr>
+          <a:xfrm flipV="1">
+            <a:off x="1927859" y="6073236"/>
+            <a:ext cx="533234" cy="177768"/>
+          </a:xfrm>
+          <a:prstGeom prst="straightConnector1">
+            <a:avLst/>
+          </a:prstGeom>
+          <a:ln w="38100">
+            <a:tailEnd type="triangle"/>
+          </a:ln>
+        </p:spPr>
+        <p:style>
+          <a:lnRef idx="1">
+            <a:schemeClr val="dk1"/>
+          </a:lnRef>
+          <a:fillRef idx="0">
+            <a:schemeClr val="dk1"/>
+          </a:fillRef>
+          <a:effectRef idx="0">
+            <a:schemeClr val="dk1"/>
+          </a:effectRef>
+          <a:fontRef idx="minor">
+            <a:schemeClr val="tx1"/>
+          </a:fontRef>
+        </p:style>
+      </p:cxnSp>
+      <p:cxnSp>
+        <p:nvCxnSpPr>
+          <p:cNvPr id="35" name="직선 화살표 연결선 34">
+            <a:extLst>
+              <a:ext uri="{FF2B5EF4-FFF2-40B4-BE49-F238E27FC236}">
+                <a16:creationId xmlns:a16="http://schemas.microsoft.com/office/drawing/2014/main" id="{54FD7C98-8576-4FE8-B671-967FC435BE00}"/>
+              </a:ext>
+            </a:extLst>
+          </p:cNvPr>
+          <p:cNvCxnSpPr>
+            <a:cxnSpLocks/>
+          </p:cNvCxnSpPr>
+          <p:nvPr/>
+        </p:nvCxnSpPr>
+        <p:spPr>
+          <a:xfrm flipH="1">
+            <a:off x="6903753" y="2841948"/>
+            <a:ext cx="486054" cy="487942"/>
+          </a:xfrm>
+          <a:prstGeom prst="straightConnector1">
+            <a:avLst/>
+          </a:prstGeom>
+          <a:ln w="38100">
+            <a:tailEnd type="triangle"/>
+          </a:ln>
+        </p:spPr>
+        <p:style>
+          <a:lnRef idx="1">
+            <a:schemeClr val="dk1"/>
+          </a:lnRef>
+          <a:fillRef idx="0">
+            <a:schemeClr val="dk1"/>
+          </a:fillRef>
+          <a:effectRef idx="0">
+            <a:schemeClr val="dk1"/>
+          </a:effectRef>
+          <a:fontRef idx="minor">
+            <a:schemeClr val="tx1"/>
+          </a:fontRef>
+        </p:style>
+      </p:cxnSp>
+      <p:sp>
+        <p:nvSpPr>
+          <p:cNvPr id="36" name="직사각형 35">
+            <a:extLst>
+              <a:ext uri="{FF2B5EF4-FFF2-40B4-BE49-F238E27FC236}">
+                <a16:creationId xmlns:a16="http://schemas.microsoft.com/office/drawing/2014/main" id="{C917CAE1-5933-479F-9A1B-FACA76A0BFB1}"/>
+              </a:ext>
+            </a:extLst>
+          </p:cNvPr>
+          <p:cNvSpPr/>
+          <p:nvPr/>
+        </p:nvSpPr>
+        <p:spPr>
+          <a:xfrm>
+            <a:off x="6946708" y="2110846"/>
+            <a:ext cx="2124236" cy="861774"/>
+          </a:xfrm>
+          <a:prstGeom prst="rect">
+            <a:avLst/>
+          </a:prstGeom>
+          <a:ln/>
+        </p:spPr>
+        <p:style>
+          <a:lnRef idx="1">
+            <a:schemeClr val="dk1"/>
+          </a:lnRef>
+          <a:fillRef idx="2">
+            <a:schemeClr val="dk1"/>
+          </a:fillRef>
+          <a:effectRef idx="1">
+            <a:schemeClr val="dk1"/>
+          </a:effectRef>
+          <a:fontRef idx="minor">
+            <a:schemeClr val="dk1"/>
+          </a:fontRef>
+        </p:style>
+        <p:txBody>
+          <a:bodyPr wrap="square" lIns="0" tIns="0" rIns="0" bIns="0" rtlCol="0" anchor="ctr" anchorCtr="0">
+            <a:spAutoFit/>
+          </a:bodyPr>
+          <a:lstStyle/>
+          <a:p>
+            <a:pPr algn="ctr" latinLnBrk="0"/>
+            <a:r>
+              <a:rPr lang="ko-KR" altLang="en-US" sz="1400" spc="-60" dirty="0">
+                <a:solidFill>
+                  <a:schemeClr val="tx1">
+                    <a:lumMod val="65000"/>
+                    <a:lumOff val="35000"/>
+                  </a:schemeClr>
+                </a:solidFill>
+                <a:latin typeface="+mn-ea"/>
+              </a:rPr>
+              <a:t>카테고리 선택 시 </a:t>
+            </a:r>
+            <a:endParaRPr lang="en-US" altLang="ko-KR" sz="1400" spc="-60" dirty="0">
+              <a:solidFill>
+                <a:schemeClr val="tx1">
+                  <a:lumMod val="65000"/>
+                  <a:lumOff val="35000"/>
+                </a:schemeClr>
+              </a:solidFill>
+              <a:latin typeface="+mn-ea"/>
+            </a:endParaRPr>
+          </a:p>
+          <a:p>
+            <a:pPr algn="ctr" latinLnBrk="0"/>
+            <a:r>
+              <a:rPr lang="en-US" altLang="ko-KR" sz="1400" spc="-60" dirty="0">
+                <a:solidFill>
+                  <a:schemeClr val="tx1">
+                    <a:lumMod val="65000"/>
+                    <a:lumOff val="35000"/>
+                  </a:schemeClr>
+                </a:solidFill>
+                <a:latin typeface="+mn-ea"/>
+              </a:rPr>
+              <a:t>‘</a:t>
+            </a:r>
+            <a:r>
+              <a:rPr lang="ko-KR" altLang="en-US" sz="1400" spc="-60" dirty="0">
+                <a:solidFill>
+                  <a:schemeClr val="tx1">
+                    <a:lumMod val="65000"/>
+                    <a:lumOff val="35000"/>
+                  </a:schemeClr>
+                </a:solidFill>
+                <a:latin typeface="+mn-ea"/>
+              </a:rPr>
+              <a:t>구</a:t>
+            </a:r>
+            <a:r>
+              <a:rPr lang="en-US" altLang="ko-KR" sz="1400" spc="-60" dirty="0">
+                <a:solidFill>
+                  <a:schemeClr val="tx1">
+                    <a:lumMod val="65000"/>
+                    <a:lumOff val="35000"/>
+                  </a:schemeClr>
+                </a:solidFill>
+                <a:latin typeface="+mn-ea"/>
+              </a:rPr>
+              <a:t>’</a:t>
+            </a:r>
+            <a:r>
+              <a:rPr lang="ko-KR" altLang="en-US" sz="1400" spc="-60" dirty="0">
+                <a:solidFill>
+                  <a:schemeClr val="tx1">
+                    <a:lumMod val="65000"/>
+                    <a:lumOff val="35000"/>
+                  </a:schemeClr>
+                </a:solidFill>
+                <a:latin typeface="+mn-ea"/>
+              </a:rPr>
+              <a:t>에 해당하는 카테고리 선택 시 </a:t>
+            </a:r>
+            <a:r>
+              <a:rPr lang="en-US" altLang="ko-KR" sz="1400" spc="-60" dirty="0">
+                <a:solidFill>
+                  <a:schemeClr val="tx1">
+                    <a:lumMod val="65000"/>
+                    <a:lumOff val="35000"/>
+                  </a:schemeClr>
+                </a:solidFill>
+                <a:latin typeface="+mn-ea"/>
+              </a:rPr>
+              <a:t>‘</a:t>
+            </a:r>
+            <a:r>
+              <a:rPr lang="ko-KR" altLang="en-US" sz="1400" spc="-60" dirty="0">
+                <a:solidFill>
+                  <a:schemeClr val="tx1">
+                    <a:lumMod val="65000"/>
+                    <a:lumOff val="35000"/>
+                  </a:schemeClr>
+                </a:solidFill>
+                <a:latin typeface="+mn-ea"/>
+              </a:rPr>
+              <a:t>구</a:t>
+            </a:r>
+            <a:r>
+              <a:rPr lang="en-US" altLang="ko-KR" sz="1400" spc="-60" dirty="0">
+                <a:solidFill>
+                  <a:schemeClr val="tx1">
+                    <a:lumMod val="65000"/>
+                    <a:lumOff val="35000"/>
+                  </a:schemeClr>
+                </a:solidFill>
+                <a:latin typeface="+mn-ea"/>
+              </a:rPr>
+              <a:t>’</a:t>
+            </a:r>
+            <a:r>
+              <a:rPr lang="ko-KR" altLang="en-US" sz="1400" spc="-60" dirty="0">
+                <a:solidFill>
+                  <a:schemeClr val="tx1">
+                    <a:lumMod val="65000"/>
+                    <a:lumOff val="35000"/>
+                  </a:schemeClr>
+                </a:solidFill>
+                <a:latin typeface="+mn-ea"/>
+              </a:rPr>
+              <a:t>에 연관된  ‘동</a:t>
+            </a:r>
+            <a:r>
+              <a:rPr lang="en-US" altLang="ko-KR" sz="1400" spc="-60" dirty="0">
+                <a:solidFill>
+                  <a:schemeClr val="tx1">
+                    <a:lumMod val="65000"/>
+                    <a:lumOff val="35000"/>
+                  </a:schemeClr>
+                </a:solidFill>
+                <a:latin typeface="+mn-ea"/>
+              </a:rPr>
+              <a:t>’</a:t>
+            </a:r>
+            <a:r>
+              <a:rPr lang="ko-KR" altLang="en-US" sz="1400" spc="-60" dirty="0">
+                <a:solidFill>
+                  <a:schemeClr val="tx1">
+                    <a:lumMod val="65000"/>
+                    <a:lumOff val="35000"/>
+                  </a:schemeClr>
+                </a:solidFill>
+                <a:latin typeface="+mn-ea"/>
+              </a:rPr>
+              <a:t>에 있는 대피소 개수 출력</a:t>
             </a:r>
           </a:p>
         </p:txBody>
@@ -10564,7 +10687,7 @@
         <p:spPr>
           <a:xfrm>
             <a:off x="1718869" y="4905270"/>
-            <a:ext cx="2746439" cy="461665"/>
+            <a:ext cx="2746439" cy="646331"/>
           </a:xfrm>
           <a:prstGeom prst="rect">
             <a:avLst/>
@@ -10606,10 +10729,20 @@
               </a:rPr>
               <a:t>지도 연동</a:t>
             </a:r>
-            <a:endParaRPr lang="ko-KR" altLang="en-US" sz="1200" spc="-70" dirty="0">
+            <a:endParaRPr lang="en-US" altLang="ko-KR" sz="1200" b="1" spc="-70" dirty="0">
               <a:latin typeface="맑은 고딕" panose="020B0503020000020004" pitchFamily="50" charset="-127"/>
               <a:cs typeface="함초롬돋움" panose="02030504000101010101" pitchFamily="18" charset="-127"/>
             </a:endParaRPr>
+          </a:p>
+          <a:p>
+            <a:pPr algn="ctr"/>
+            <a:r>
+              <a:rPr lang="ko-KR" altLang="en-US" sz="1200" spc="-70" dirty="0">
+                <a:latin typeface="맑은 고딕" panose="020B0503020000020004" pitchFamily="50" charset="-127"/>
+                <a:cs typeface="함초롬돋움" panose="02030504000101010101" pitchFamily="18" charset="-127"/>
+              </a:rPr>
+              <a:t>추가 구현</a:t>
+            </a:r>
           </a:p>
         </p:txBody>
       </p:sp>

--- a/기획발표.pptx
+++ b/기획발표.pptx
@@ -4004,7 +4004,7 @@
                 <a:latin typeface="나눔스퀘어" panose="020B0600000101010101" pitchFamily="50" charset="-127"/>
                 <a:ea typeface="나눔스퀘어" panose="020B0600000101010101" pitchFamily="50" charset="-127"/>
               </a:rPr>
-              <a:t>지역에 따른 </a:t>
+              <a:t>서울특별시의 지역에 따른 </a:t>
             </a:r>
             <a:endParaRPr lang="en-US" altLang="ko-KR" sz="1600" dirty="0">
               <a:latin typeface="나눔스퀘어" panose="020B0600000101010101" pitchFamily="50" charset="-127"/>
@@ -4267,6 +4267,42 @@
           <a:chExt cx="0" cy="0"/>
         </a:xfrm>
       </p:grpSpPr>
+      <p:pic>
+        <p:nvPicPr>
+          <p:cNvPr id="8" name="그림 7" descr="텍스트이(가) 표시된 사진&#10;&#10;자동 생성된 설명">
+            <a:extLst>
+              <a:ext uri="{FF2B5EF4-FFF2-40B4-BE49-F238E27FC236}">
+                <a16:creationId xmlns:a16="http://schemas.microsoft.com/office/drawing/2014/main" id="{2DC467A1-C250-4150-9830-EAFEC8CB2AC7}"/>
+              </a:ext>
+            </a:extLst>
+          </p:cNvPr>
+          <p:cNvPicPr>
+            <a:picLocks noChangeAspect="1"/>
+          </p:cNvPicPr>
+          <p:nvPr/>
+        </p:nvPicPr>
+        <p:blipFill>
+          <a:blip r:embed="rId2">
+            <a:extLst>
+              <a:ext uri="{28A0092B-C50C-407E-A947-70E740481C1C}">
+                <a14:useLocalDpi xmlns:a14="http://schemas.microsoft.com/office/drawing/2010/main" val="0"/>
+              </a:ext>
+            </a:extLst>
+          </a:blip>
+          <a:stretch>
+            <a:fillRect/>
+          </a:stretch>
+        </p:blipFill>
+        <p:spPr>
+          <a:xfrm>
+            <a:off x="287524" y="1520788"/>
+            <a:ext cx="5040560" cy="5193304"/>
+          </a:xfrm>
+          <a:prstGeom prst="rect">
+            <a:avLst/>
+          </a:prstGeom>
+        </p:spPr>
+      </p:pic>
       <p:sp>
         <p:nvSpPr>
           <p:cNvPr id="7" name="제목 5">
@@ -4453,42 +4489,6 @@
       </p:sp>
       <p:pic>
         <p:nvPicPr>
-          <p:cNvPr id="6" name="그림 5" descr="스크린샷, 텍스트이(가) 표시된 사진&#10;&#10;자동 생성된 설명">
-            <a:extLst>
-              <a:ext uri="{FF2B5EF4-FFF2-40B4-BE49-F238E27FC236}">
-                <a16:creationId xmlns:a16="http://schemas.microsoft.com/office/drawing/2014/main" id="{8FE51139-7BDB-4471-8E71-00371660F045}"/>
-              </a:ext>
-            </a:extLst>
-          </p:cNvPr>
-          <p:cNvPicPr>
-            <a:picLocks noChangeAspect="1"/>
-          </p:cNvPicPr>
-          <p:nvPr/>
-        </p:nvPicPr>
-        <p:blipFill>
-          <a:blip r:embed="rId2">
-            <a:extLst>
-              <a:ext uri="{28A0092B-C50C-407E-A947-70E740481C1C}">
-                <a14:useLocalDpi xmlns:a14="http://schemas.microsoft.com/office/drawing/2010/main" val="0"/>
-              </a:ext>
-            </a:extLst>
-          </a:blip>
-          <a:stretch>
-            <a:fillRect/>
-          </a:stretch>
-        </p:blipFill>
-        <p:spPr>
-          <a:xfrm>
-            <a:off x="0" y="1738124"/>
-            <a:ext cx="4788024" cy="4987525"/>
-          </a:xfrm>
-          <a:prstGeom prst="rect">
-            <a:avLst/>
-          </a:prstGeom>
-        </p:spPr>
-      </p:pic>
-      <p:pic>
-        <p:nvPicPr>
           <p:cNvPr id="5" name="그림 4">
             <a:extLst>
               <a:ext uri="{FF2B5EF4-FFF2-40B4-BE49-F238E27FC236}">
@@ -4515,8 +4515,8 @@
         </p:blipFill>
         <p:spPr>
           <a:xfrm>
-            <a:off x="1943708" y="1520788"/>
-            <a:ext cx="8422299" cy="916416"/>
+            <a:off x="2267745" y="2276872"/>
+            <a:ext cx="6876256" cy="916416"/>
           </a:xfrm>
           <a:prstGeom prst="rect">
             <a:avLst/>
@@ -5647,7 +5647,7 @@
                 <a:latin typeface="맑은 고딕" panose="020B0503020000020004" pitchFamily="50" charset="-127"/>
                 <a:cs typeface="함초롬돋움" panose="02030504000101010101" pitchFamily="18" charset="-127"/>
               </a:rPr>
-              <a:t>검색 이외에 도</a:t>
+              <a:t>검색 이외에 구</a:t>
             </a:r>
             <a:r>
               <a:rPr lang="en-US" altLang="ko-KR" sz="1200" b="1" spc="-70" dirty="0">
@@ -5661,21 +5661,7 @@
                 <a:latin typeface="맑은 고딕" panose="020B0503020000020004" pitchFamily="50" charset="-127"/>
                 <a:cs typeface="함초롬돋움" panose="02030504000101010101" pitchFamily="18" charset="-127"/>
               </a:rPr>
-              <a:t>시</a:t>
-            </a:r>
-            <a:r>
-              <a:rPr lang="en-US" altLang="ko-KR" sz="1200" b="1" spc="-70" dirty="0">
-                <a:latin typeface="맑은 고딕" panose="020B0503020000020004" pitchFamily="50" charset="-127"/>
-                <a:cs typeface="함초롬돋움" panose="02030504000101010101" pitchFamily="18" charset="-127"/>
-              </a:rPr>
-              <a:t>/</a:t>
-            </a:r>
-            <a:r>
-              <a:rPr lang="ko-KR" altLang="en-US" sz="1200" b="1" spc="-70" dirty="0">
-                <a:latin typeface="맑은 고딕" panose="020B0503020000020004" pitchFamily="50" charset="-127"/>
-                <a:cs typeface="함초롬돋움" panose="02030504000101010101" pitchFamily="18" charset="-127"/>
-              </a:rPr>
-              <a:t>군 별로 어떤 대피소가 있는지 볼 수 있도록 정렬 </a:t>
+              <a:t>동 별로 어떤 대피소가 있는지 볼 수 있도록 정렬 </a:t>
             </a:r>
           </a:p>
         </p:txBody>
@@ -6396,10 +6382,10 @@
       </p:grpSpPr>
       <p:pic>
         <p:nvPicPr>
-          <p:cNvPr id="7" name="그림 6" descr="스크린샷이(가) 표시된 사진&#10;&#10;자동 생성된 설명">
+          <p:cNvPr id="4" name="그림 3">
             <a:extLst>
               <a:ext uri="{FF2B5EF4-FFF2-40B4-BE49-F238E27FC236}">
-                <a16:creationId xmlns:a16="http://schemas.microsoft.com/office/drawing/2014/main" id="{6F9580B5-2A6B-4C66-B428-8B932D95D649}"/>
+                <a16:creationId xmlns:a16="http://schemas.microsoft.com/office/drawing/2014/main" id="{68DB25C7-1822-4A42-911C-DF27F177AE96}"/>
               </a:ext>
             </a:extLst>
           </p:cNvPr>
@@ -6422,8 +6408,8 @@
         </p:blipFill>
         <p:spPr>
           <a:xfrm>
-            <a:off x="2312123" y="1148839"/>
-            <a:ext cx="4763165" cy="5430481"/>
+            <a:off x="2242933" y="1041252"/>
+            <a:ext cx="4763165" cy="5520096"/>
           </a:xfrm>
           <a:prstGeom prst="rect">
             <a:avLst/>
@@ -7903,6 +7889,42 @@
           <a:chExt cx="0" cy="0"/>
         </a:xfrm>
       </p:grpSpPr>
+      <p:pic>
+        <p:nvPicPr>
+          <p:cNvPr id="4" name="그림 3" descr="스크린샷이(가) 표시된 사진&#10;&#10;자동 생성된 설명">
+            <a:extLst>
+              <a:ext uri="{FF2B5EF4-FFF2-40B4-BE49-F238E27FC236}">
+                <a16:creationId xmlns:a16="http://schemas.microsoft.com/office/drawing/2014/main" id="{643CC038-DA40-423A-83A7-079D0F470EDD}"/>
+              </a:ext>
+            </a:extLst>
+          </p:cNvPr>
+          <p:cNvPicPr>
+            <a:picLocks noChangeAspect="1"/>
+          </p:cNvPicPr>
+          <p:nvPr/>
+        </p:nvPicPr>
+        <p:blipFill>
+          <a:blip r:embed="rId2">
+            <a:extLst>
+              <a:ext uri="{28A0092B-C50C-407E-A947-70E740481C1C}">
+                <a14:useLocalDpi xmlns:a14="http://schemas.microsoft.com/office/drawing/2010/main" val="0"/>
+              </a:ext>
+            </a:extLst>
+          </a:blip>
+          <a:stretch>
+            <a:fillRect/>
+          </a:stretch>
+        </p:blipFill>
+        <p:spPr>
+          <a:xfrm>
+            <a:off x="2243745" y="1841260"/>
+            <a:ext cx="4763165" cy="3810532"/>
+          </a:xfrm>
+          <a:prstGeom prst="rect">
+            <a:avLst/>
+          </a:prstGeom>
+        </p:spPr>
+      </p:pic>
       <p:sp>
         <p:nvSpPr>
           <p:cNvPr id="2" name="슬라이드 번호 개체 틀 1">
@@ -8076,42 +8098,6 @@
           </a:p>
         </p:txBody>
       </p:sp>
-      <p:pic>
-        <p:nvPicPr>
-          <p:cNvPr id="5" name="그림 4" descr="스크린샷이(가) 표시된 사진&#10;&#10;자동 생성된 설명">
-            <a:extLst>
-              <a:ext uri="{FF2B5EF4-FFF2-40B4-BE49-F238E27FC236}">
-                <a16:creationId xmlns:a16="http://schemas.microsoft.com/office/drawing/2014/main" id="{1F5673B0-F8CE-4744-91C1-FE4BC2AB5EDC}"/>
-              </a:ext>
-            </a:extLst>
-          </p:cNvPr>
-          <p:cNvPicPr>
-            <a:picLocks noChangeAspect="1"/>
-          </p:cNvPicPr>
-          <p:nvPr/>
-        </p:nvPicPr>
-        <p:blipFill>
-          <a:blip r:embed="rId2">
-            <a:extLst>
-              <a:ext uri="{28A0092B-C50C-407E-A947-70E740481C1C}">
-                <a14:useLocalDpi xmlns:a14="http://schemas.microsoft.com/office/drawing/2010/main" val="0"/>
-              </a:ext>
-            </a:extLst>
-          </a:blip>
-          <a:stretch>
-            <a:fillRect/>
-          </a:stretch>
-        </p:blipFill>
-        <p:spPr>
-          <a:xfrm>
-            <a:off x="2190417" y="1916832"/>
-            <a:ext cx="4763165" cy="3810532"/>
-          </a:xfrm>
-          <a:prstGeom prst="rect">
-            <a:avLst/>
-          </a:prstGeom>
-        </p:spPr>
-      </p:pic>
       <p:sp>
         <p:nvSpPr>
           <p:cNvPr id="8" name="직사각형 7">
